--- a/Observer Pattern/Observer Pattern.pptx
+++ b/Observer Pattern/Observer Pattern.pptx
@@ -15,12 +15,12 @@
     <p:sldId id="292" r:id="rId6"/>
     <p:sldId id="293" r:id="rId7"/>
     <p:sldId id="291" r:id="rId8"/>
-    <p:sldId id="265" r:id="rId9"/>
-    <p:sldId id="298" r:id="rId10"/>
-    <p:sldId id="299" r:id="rId11"/>
-    <p:sldId id="259" r:id="rId12"/>
-    <p:sldId id="295" r:id="rId13"/>
-    <p:sldId id="296" r:id="rId14"/>
+    <p:sldId id="259" r:id="rId9"/>
+    <p:sldId id="295" r:id="rId10"/>
+    <p:sldId id="265" r:id="rId11"/>
+    <p:sldId id="298" r:id="rId12"/>
+    <p:sldId id="296" r:id="rId13"/>
+    <p:sldId id="299" r:id="rId14"/>
     <p:sldId id="297" r:id="rId15"/>
     <p:sldId id="300" r:id="rId16"/>
     <p:sldId id="270" r:id="rId17"/>
@@ -46,13 +46,13 @@
       <p:boldItalic r:id="rId26"/>
     </p:embeddedFont>
     <p:embeddedFont>
-      <p:font typeface="Manrope" panose="020B0604020202020204" charset="0"/>
+      <p:font typeface="McLaren" panose="020B0604020202020204" charset="0"/>
       <p:regular r:id="rId27"/>
-      <p:bold r:id="rId28"/>
     </p:embeddedFont>
     <p:embeddedFont>
-      <p:font typeface="McLaren" panose="020B0604020202020204" charset="0"/>
-      <p:regular r:id="rId29"/>
+      <p:font typeface="Manrope" panose="020B0604020202020204" charset="0"/>
+      <p:regular r:id="rId28"/>
+      <p:bold r:id="rId29"/>
     </p:embeddedFont>
   </p:embeddedFontLst>
   <p:defaultTextStyle>
@@ -2099,8 +2099,8 @@
   <dgm:cxnLst>
     <dgm:cxn modelId="{6F49DF1E-C871-47A1-9C27-6E3703F79BF4}" type="presOf" srcId="{FF6E748F-7BAB-49E3-B731-53506333A1C2}" destId="{C463E371-DCCC-4FF3-BE7B-9307EA3CD131}" srcOrd="0" destOrd="0" presId="urn:microsoft.com/office/officeart/2005/8/layout/default"/>
     <dgm:cxn modelId="{9AD55C3F-F0C7-465D-A3FF-F77437AB4327}" type="presOf" srcId="{F9B9CFC2-C4CD-4838-ABEE-57CEEE7E4E69}" destId="{9A11BB2F-5DFE-4245-94AD-5A903675A0B2}" srcOrd="0" destOrd="0" presId="urn:microsoft.com/office/officeart/2005/8/layout/default"/>
+    <dgm:cxn modelId="{A648CD56-6151-4634-86DF-94717B1985B1}" srcId="{F9B9CFC2-C4CD-4838-ABEE-57CEEE7E4E69}" destId="{FFE377D4-1902-45EE-A179-FFB743D1632E}" srcOrd="2" destOrd="0" parTransId="{05548F40-E754-4492-B5E0-7A1C3B1F690C}" sibTransId="{7211FA9D-647E-4AD4-9B3D-75DBEB1689D0}"/>
     <dgm:cxn modelId="{F107274D-6FE3-4650-9C53-523743E7E208}" srcId="{F9B9CFC2-C4CD-4838-ABEE-57CEEE7E4E69}" destId="{A14725BB-CA72-43FA-BA37-EF083B5D5CA7}" srcOrd="1" destOrd="0" parTransId="{C33E8967-96A0-4F22-9BA9-A8E8DF81E928}" sibTransId="{44E85191-1315-4E47-94D2-9F678FB7EC70}"/>
-    <dgm:cxn modelId="{A648CD56-6151-4634-86DF-94717B1985B1}" srcId="{F9B9CFC2-C4CD-4838-ABEE-57CEEE7E4E69}" destId="{FFE377D4-1902-45EE-A179-FFB743D1632E}" srcOrd="2" destOrd="0" parTransId="{05548F40-E754-4492-B5E0-7A1C3B1F690C}" sibTransId="{7211FA9D-647E-4AD4-9B3D-75DBEB1689D0}"/>
     <dgm:cxn modelId="{4780F527-2974-4270-960A-EB063E2C690A}" type="presOf" srcId="{FFE377D4-1902-45EE-A179-FFB743D1632E}" destId="{093F5B6D-AEC6-416D-8DD7-CBCA64CA2DFF}" srcOrd="0" destOrd="0" presId="urn:microsoft.com/office/officeart/2005/8/layout/default"/>
     <dgm:cxn modelId="{A880E9DB-DE59-4114-8876-F02CA8DD1D11}" type="presOf" srcId="{A14725BB-CA72-43FA-BA37-EF083B5D5CA7}" destId="{7BB00DA3-1AB0-4198-9CD6-0B797CA8806F}" srcOrd="0" destOrd="0" presId="urn:microsoft.com/office/officeart/2005/8/layout/default"/>
     <dgm:cxn modelId="{02AA44C3-4057-4227-808D-4CF668831669}" srcId="{F9B9CFC2-C4CD-4838-ABEE-57CEEE7E4E69}" destId="{FF6E748F-7BAB-49E3-B731-53506333A1C2}" srcOrd="0" destOrd="0" parTransId="{1CB90FFF-CC85-44E1-B603-5A63C27E92F4}" sibTransId="{98C6BD3F-B8F1-4358-96B5-8979CC0C1D47}"/>
@@ -5897,11 +5897,6 @@
         </p:txBody>
       </p:sp>
     </p:spTree>
-    <p:extLst>
-      <p:ext uri="{BB962C8B-B14F-4D97-AF65-F5344CB8AC3E}">
-        <p14:creationId xmlns:p14="http://schemas.microsoft.com/office/powerpoint/2010/main" val="969746596"/>
-      </p:ext>
-    </p:extLst>
   </p:cSld>
   <p:clrMapOvr>
     <a:masterClrMapping/>
@@ -5914,7 +5909,7 @@
   <p:cSld>
     <p:spTree>
       <p:nvGrpSpPr>
-        <p:cNvPr id="1" name="Shape 196"/>
+        <p:cNvPr id="1" name="Shape 366"/>
         <p:cNvGrpSpPr/>
         <p:nvPr/>
       </p:nvGrpSpPr>
@@ -5928,7 +5923,7 @@
       </p:grpSpPr>
       <p:sp>
         <p:nvSpPr>
-          <p:cNvPr id="197" name="Google Shape;197;g21b706bd00b_20_141:notes"/>
+          <p:cNvPr id="367" name="Google Shape;367;g21b706bd00b_20_253:notes"/>
           <p:cNvSpPr>
             <a:spLocks noGrp="1" noRot="1" noChangeAspect="1"/>
           </p:cNvSpPr>
@@ -5969,7 +5964,7 @@
       </p:sp>
       <p:sp>
         <p:nvSpPr>
-          <p:cNvPr id="198" name="Google Shape;198;g21b706bd00b_20_141:notes"/>
+          <p:cNvPr id="368" name="Google Shape;368;g21b706bd00b_20_253:notes"/>
           <p:cNvSpPr txBox="1">
             <a:spLocks noGrp="1"/>
           </p:cNvSpPr>
@@ -6006,6 +6001,11 @@
         </p:txBody>
       </p:sp>
     </p:spTree>
+    <p:extLst>
+      <p:ext uri="{BB962C8B-B14F-4D97-AF65-F5344CB8AC3E}">
+        <p14:creationId xmlns:p14="http://schemas.microsoft.com/office/powerpoint/2010/main" val="298480629"/>
+      </p:ext>
+    </p:extLst>
   </p:cSld>
   <p:clrMapOvr>
     <a:masterClrMapping/>
@@ -6112,7 +6112,7 @@
     </p:spTree>
     <p:extLst>
       <p:ext uri="{BB962C8B-B14F-4D97-AF65-F5344CB8AC3E}">
-        <p14:creationId xmlns:p14="http://schemas.microsoft.com/office/powerpoint/2010/main" val="2213467646"/>
+        <p14:creationId xmlns:p14="http://schemas.microsoft.com/office/powerpoint/2010/main" val="60739962"/>
       </p:ext>
     </p:extLst>
   </p:cSld>
@@ -6127,7 +6127,7 @@
   <p:cSld>
     <p:spTree>
       <p:nvGrpSpPr>
-        <p:cNvPr id="1" name="Shape 196"/>
+        <p:cNvPr id="1" name="Shape 366"/>
         <p:cNvGrpSpPr/>
         <p:nvPr/>
       </p:nvGrpSpPr>
@@ -6141,7 +6141,7 @@
       </p:grpSpPr>
       <p:sp>
         <p:nvSpPr>
-          <p:cNvPr id="197" name="Google Shape;197;g21b706bd00b_20_141:notes"/>
+          <p:cNvPr id="367" name="Google Shape;367;g21b706bd00b_20_253:notes"/>
           <p:cNvSpPr>
             <a:spLocks noGrp="1" noRot="1" noChangeAspect="1"/>
           </p:cNvSpPr>
@@ -6182,7 +6182,7 @@
       </p:sp>
       <p:sp>
         <p:nvSpPr>
-          <p:cNvPr id="198" name="Google Shape;198;g21b706bd00b_20_141:notes"/>
+          <p:cNvPr id="368" name="Google Shape;368;g21b706bd00b_20_253:notes"/>
           <p:cNvSpPr txBox="1">
             <a:spLocks noGrp="1"/>
           </p:cNvSpPr>
@@ -6221,7 +6221,7 @@
     </p:spTree>
     <p:extLst>
       <p:ext uri="{BB962C8B-B14F-4D97-AF65-F5344CB8AC3E}">
-        <p14:creationId xmlns:p14="http://schemas.microsoft.com/office/powerpoint/2010/main" val="60739962"/>
+        <p14:creationId xmlns:p14="http://schemas.microsoft.com/office/powerpoint/2010/main" val="969746596"/>
       </p:ext>
     </p:extLst>
   </p:cSld>
@@ -7197,7 +7197,7 @@
   <p:cSld>
     <p:spTree>
       <p:nvGrpSpPr>
-        <p:cNvPr id="1" name="Shape 366"/>
+        <p:cNvPr id="1" name="Shape 196"/>
         <p:cNvGrpSpPr/>
         <p:nvPr/>
       </p:nvGrpSpPr>
@@ -7211,7 +7211,7 @@
       </p:grpSpPr>
       <p:sp>
         <p:nvSpPr>
-          <p:cNvPr id="367" name="Google Shape;367;g21b706bd00b_20_253:notes"/>
+          <p:cNvPr id="197" name="Google Shape;197;g21b706bd00b_20_141:notes"/>
           <p:cNvSpPr>
             <a:spLocks noGrp="1" noRot="1" noChangeAspect="1"/>
           </p:cNvSpPr>
@@ -7252,7 +7252,7 @@
       </p:sp>
       <p:sp>
         <p:nvSpPr>
-          <p:cNvPr id="368" name="Google Shape;368;g21b706bd00b_20_253:notes"/>
+          <p:cNvPr id="198" name="Google Shape;198;g21b706bd00b_20_141:notes"/>
           <p:cNvSpPr txBox="1">
             <a:spLocks noGrp="1"/>
           </p:cNvSpPr>
@@ -7301,7 +7301,7 @@
   <p:cSld>
     <p:spTree>
       <p:nvGrpSpPr>
-        <p:cNvPr id="1" name="Shape 366"/>
+        <p:cNvPr id="1" name="Shape 196"/>
         <p:cNvGrpSpPr/>
         <p:nvPr/>
       </p:nvGrpSpPr>
@@ -7315,7 +7315,7 @@
       </p:grpSpPr>
       <p:sp>
         <p:nvSpPr>
-          <p:cNvPr id="367" name="Google Shape;367;g21b706bd00b_20_253:notes"/>
+          <p:cNvPr id="197" name="Google Shape;197;g21b706bd00b_20_141:notes"/>
           <p:cNvSpPr>
             <a:spLocks noGrp="1" noRot="1" noChangeAspect="1"/>
           </p:cNvSpPr>
@@ -7356,7 +7356,7 @@
       </p:sp>
       <p:sp>
         <p:nvSpPr>
-          <p:cNvPr id="368" name="Google Shape;368;g21b706bd00b_20_253:notes"/>
+          <p:cNvPr id="198" name="Google Shape;198;g21b706bd00b_20_141:notes"/>
           <p:cNvSpPr txBox="1">
             <a:spLocks noGrp="1"/>
           </p:cNvSpPr>
@@ -7395,7 +7395,7 @@
     </p:spTree>
     <p:extLst>
       <p:ext uri="{BB962C8B-B14F-4D97-AF65-F5344CB8AC3E}">
-        <p14:creationId xmlns:p14="http://schemas.microsoft.com/office/powerpoint/2010/main" val="298480629"/>
+        <p14:creationId xmlns:p14="http://schemas.microsoft.com/office/powerpoint/2010/main" val="2213467646"/>
       </p:ext>
     </p:extLst>
   </p:cSld>
@@ -17699,7 +17699,7 @@
         </p:nvSpPr>
         <p:spPr>
           <a:xfrm>
-            <a:off x="5896864" y="2016303"/>
+            <a:off x="6046781" y="2114434"/>
             <a:ext cx="1860600" cy="1797600"/>
           </a:xfrm>
           <a:prstGeom prst="ellipse">
@@ -17743,7 +17743,7 @@
         </p:nvGrpSpPr>
         <p:grpSpPr>
           <a:xfrm>
-            <a:off x="6437836" y="2527496"/>
+            <a:off x="6587753" y="2625627"/>
             <a:ext cx="778655" cy="775213"/>
             <a:chOff x="5432907" y="2193678"/>
             <a:chExt cx="262810" cy="261658"/>
@@ -19275,8 +19275,8 @@
         </p:nvSpPr>
         <p:spPr>
           <a:xfrm>
-            <a:off x="679133" y="1871329"/>
-            <a:ext cx="3860100" cy="2289509"/>
+            <a:off x="564600" y="1776475"/>
+            <a:ext cx="4999772" cy="2725680"/>
           </a:xfrm>
           <a:prstGeom prst="rect">
             <a:avLst/>
@@ -19306,8 +19306,8 @@
               <a:buChar char="●"/>
             </a:pPr>
             <a:r>
-              <a:rPr lang="en-US" dirty="0" smtClean="0"/>
-              <a:t>Observer</a:t>
+              <a:rPr lang="en-US" sz="1600" u="sng" dirty="0" smtClean="0"/>
+              <a:t>Subject</a:t>
             </a:r>
           </a:p>
           <a:p>
@@ -19330,7 +19330,7 @@
             </a:pPr>
             <a:r>
               <a:rPr lang="en-US" dirty="0" smtClean="0"/>
-              <a:t>All observers need to implement the observer interface.</a:t>
+              <a:t>The interface of the app. Objects use this to register as observers and also to remove them from being observers.</a:t>
             </a:r>
           </a:p>
           <a:p>
@@ -19353,8 +19353,9 @@
             </a:pPr>
             <a:r>
               <a:rPr lang="en-US" dirty="0" smtClean="0"/>
-              <a:t>The update() gets called when the Subject’s state changes.</a:t>
+              <a:t>Each subject can have many observers.</a:t>
             </a:r>
+            <a:endParaRPr dirty="0"/>
           </a:p>
         </p:txBody>
       </p:sp>
@@ -19401,11 +19402,6 @@
         </p:txBody>
       </p:sp>
     </p:spTree>
-    <p:extLst>
-      <p:ext uri="{BB962C8B-B14F-4D97-AF65-F5344CB8AC3E}">
-        <p14:creationId xmlns:p14="http://schemas.microsoft.com/office/powerpoint/2010/main" val="1983640867"/>
-      </p:ext>
-    </p:extLst>
   </p:cSld>
   <p:clrMapOvr>
     <a:masterClrMapping/>
@@ -19425,7 +19421,7 @@
   <p:cSld>
     <p:spTree>
       <p:nvGrpSpPr>
-        <p:cNvPr id="1" name="Shape 199"/>
+        <p:cNvPr id="1" name="Shape 369"/>
         <p:cNvGrpSpPr/>
         <p:nvPr/>
       </p:nvGrpSpPr>
@@ -19439,7 +19435,7 @@
       </p:grpSpPr>
       <p:sp>
         <p:nvSpPr>
-          <p:cNvPr id="200" name="Google Shape;200;p32">
+          <p:cNvPr id="370" name="Google Shape;370;p38">
             <a:hlinkClick r:id="rId3" action="ppaction://hlinksldjump"/>
           </p:cNvPr>
           <p:cNvSpPr/>
@@ -19497,8 +19493,70 @@
       </p:sp>
       <p:sp>
         <p:nvSpPr>
-          <p:cNvPr id="201" name="Google Shape;201;p32">
+          <p:cNvPr id="371" name="Google Shape;371;p38">
             <a:hlinkClick r:id="rId4" action="ppaction://hlinksldjump"/>
+          </p:cNvPr>
+          <p:cNvSpPr/>
+          <p:nvPr/>
+        </p:nvSpPr>
+        <p:spPr>
+          <a:xfrm>
+            <a:off x="1270200" y="325200"/>
+            <a:ext cx="943500" cy="384600"/>
+          </a:xfrm>
+          <a:prstGeom prst="roundRect">
+            <a:avLst>
+              <a:gd name="adj" fmla="val 5994"/>
+            </a:avLst>
+          </a:prstGeom>
+          <a:noFill/>
+          <a:ln>
+            <a:noFill/>
+          </a:ln>
+        </p:spPr>
+        <p:txBody>
+          <a:bodyPr spcFirstLastPara="1" wrap="square" lIns="0" tIns="0" rIns="0" bIns="0" anchor="ctr" anchorCtr="0">
+            <a:noAutofit/>
+          </a:bodyPr>
+          <a:lstStyle/>
+          <a:p>
+            <a:pPr marL="0" lvl="0" indent="0" algn="ctr" rtl="0">
+              <a:spcBef>
+                <a:spcPts val="0"/>
+              </a:spcBef>
+              <a:spcAft>
+                <a:spcPts val="0"/>
+              </a:spcAft>
+              <a:buNone/>
+            </a:pPr>
+            <a:r>
+              <a:rPr lang="en" sz="1200">
+                <a:solidFill>
+                  <a:schemeClr val="lt1"/>
+                </a:solidFill>
+                <a:latin typeface="Be Vietnam Pro"/>
+                <a:ea typeface="Be Vietnam Pro"/>
+                <a:cs typeface="Be Vietnam Pro"/>
+                <a:sym typeface="Be Vietnam Pro"/>
+              </a:rPr>
+              <a:t>Intro</a:t>
+            </a:r>
+            <a:endParaRPr sz="1200">
+              <a:solidFill>
+                <a:schemeClr val="lt1"/>
+              </a:solidFill>
+              <a:latin typeface="Be Vietnam Pro"/>
+              <a:ea typeface="Be Vietnam Pro"/>
+              <a:cs typeface="Be Vietnam Pro"/>
+              <a:sym typeface="Be Vietnam Pro"/>
+            </a:endParaRPr>
+          </a:p>
+        </p:txBody>
+      </p:sp>
+      <p:sp>
+        <p:nvSpPr>
+          <p:cNvPr id="372" name="Google Shape;372;p38">
+            <a:hlinkClick r:id="rId5" action="ppaction://hlinksldjump"/>
           </p:cNvPr>
           <p:cNvSpPr/>
           <p:nvPr/>
@@ -19559,8 +19617,8 @@
       </p:sp>
       <p:sp>
         <p:nvSpPr>
-          <p:cNvPr id="202" name="Google Shape;202;p32">
-            <a:hlinkClick r:id="rId5" action="ppaction://hlinksldjump"/>
+          <p:cNvPr id="373" name="Google Shape;373;p38">
+            <a:hlinkClick r:id="rId6" action="ppaction://hlinksldjump"/>
           </p:cNvPr>
           <p:cNvSpPr/>
           <p:nvPr/>
@@ -19621,8 +19679,8 @@
       </p:sp>
       <p:sp>
         <p:nvSpPr>
-          <p:cNvPr id="203" name="Google Shape;203;p32">
-            <a:hlinkClick r:id="rId4" action="ppaction://hlinksldjump"/>
+          <p:cNvPr id="374" name="Google Shape;374;p38">
+            <a:hlinkClick r:id="rId5" action="ppaction://hlinksldjump"/>
           </p:cNvPr>
           <p:cNvSpPr/>
           <p:nvPr/>
@@ -19637,7 +19695,9 @@
               <a:gd name="adj" fmla="val 5994"/>
             </a:avLst>
           </a:prstGeom>
-          <a:noFill/>
+          <a:solidFill>
+            <a:schemeClr val="dk2"/>
+          </a:solidFill>
           <a:ln>
             <a:noFill/>
           </a:ln>
@@ -19658,9 +19718,9 @@
               <a:buNone/>
             </a:pPr>
             <a:r>
-              <a:rPr lang="en" sz="1200">
+              <a:rPr lang="en" sz="1200" b="1">
                 <a:solidFill>
-                  <a:schemeClr val="lt1"/>
+                  <a:schemeClr val="accent2"/>
                 </a:solidFill>
                 <a:latin typeface="Be Vietnam Pro"/>
                 <a:ea typeface="Be Vietnam Pro"/>
@@ -19669,9 +19729,9 @@
               </a:rPr>
               <a:t>Explain</a:t>
             </a:r>
-            <a:endParaRPr sz="1200">
+            <a:endParaRPr sz="1200" b="1">
               <a:solidFill>
-                <a:schemeClr val="lt1"/>
+                <a:schemeClr val="accent2"/>
               </a:solidFill>
               <a:latin typeface="Be Vietnam Pro"/>
               <a:ea typeface="Be Vietnam Pro"/>
@@ -19683,8 +19743,8 @@
       </p:sp>
       <p:sp>
         <p:nvSpPr>
-          <p:cNvPr id="204" name="Google Shape;204;p32">
-            <a:hlinkClick r:id="rId6" action="ppaction://hlinksldjump"/>
+          <p:cNvPr id="375" name="Google Shape;375;p38">
+            <a:hlinkClick r:id="rId7" action="ppaction://hlinksldjump"/>
           </p:cNvPr>
           <p:cNvSpPr/>
           <p:nvPr/>
@@ -19745,8 +19805,8 @@
       </p:sp>
       <p:sp>
         <p:nvSpPr>
-          <p:cNvPr id="205" name="Google Shape;205;p32">
-            <a:hlinkClick r:id="rId7" action="ppaction://hlinksldjump"/>
+          <p:cNvPr id="376" name="Google Shape;376;p38">
+            <a:hlinkClick r:id="rId8" action="ppaction://hlinksldjump"/>
           </p:cNvPr>
           <p:cNvSpPr/>
           <p:nvPr/>
@@ -19807,8 +19867,8 @@
       </p:sp>
       <p:sp>
         <p:nvSpPr>
-          <p:cNvPr id="206" name="Google Shape;206;p32">
-            <a:hlinkClick r:id="rId8" action="ppaction://hlinksldjump"/>
+          <p:cNvPr id="377" name="Google Shape;377;p38">
+            <a:hlinkClick r:id="rId9" action="ppaction://hlinksldjump"/>
           </p:cNvPr>
           <p:cNvSpPr/>
           <p:nvPr/>
@@ -19867,71 +19927,9 @@
           </a:p>
         </p:txBody>
       </p:sp>
-      <p:sp>
-        <p:nvSpPr>
-          <p:cNvPr id="207" name="Google Shape;207;p32"/>
-          <p:cNvSpPr/>
-          <p:nvPr/>
-        </p:nvSpPr>
-        <p:spPr>
-          <a:xfrm>
-            <a:off x="1270200" y="325200"/>
-            <a:ext cx="943500" cy="384600"/>
-          </a:xfrm>
-          <a:prstGeom prst="roundRect">
-            <a:avLst>
-              <a:gd name="adj" fmla="val 5994"/>
-            </a:avLst>
-          </a:prstGeom>
-          <a:solidFill>
-            <a:schemeClr val="dk2"/>
-          </a:solidFill>
-          <a:ln>
-            <a:noFill/>
-          </a:ln>
-        </p:spPr>
-        <p:txBody>
-          <a:bodyPr spcFirstLastPara="1" wrap="square" lIns="0" tIns="0" rIns="0" bIns="0" anchor="ctr" anchorCtr="0">
-            <a:noAutofit/>
-          </a:bodyPr>
-          <a:lstStyle/>
-          <a:p>
-            <a:pPr marL="0" lvl="0" indent="0" algn="ctr" rtl="0">
-              <a:spcBef>
-                <a:spcPts val="0"/>
-              </a:spcBef>
-              <a:spcAft>
-                <a:spcPts val="0"/>
-              </a:spcAft>
-              <a:buNone/>
-            </a:pPr>
-            <a:r>
-              <a:rPr lang="en" sz="1200" b="1">
-                <a:solidFill>
-                  <a:schemeClr val="lt2"/>
-                </a:solidFill>
-                <a:latin typeface="Be Vietnam Pro"/>
-                <a:ea typeface="Be Vietnam Pro"/>
-                <a:cs typeface="Be Vietnam Pro"/>
-                <a:sym typeface="Be Vietnam Pro"/>
-              </a:rPr>
-              <a:t>Intro</a:t>
-            </a:r>
-            <a:endParaRPr sz="1200" b="1">
-              <a:solidFill>
-                <a:schemeClr val="lt2"/>
-              </a:solidFill>
-              <a:latin typeface="Be Vietnam Pro"/>
-              <a:ea typeface="Be Vietnam Pro"/>
-              <a:cs typeface="Be Vietnam Pro"/>
-              <a:sym typeface="Be Vietnam Pro"/>
-            </a:endParaRPr>
-          </a:p>
-        </p:txBody>
-      </p:sp>
       <p:grpSp>
         <p:nvGrpSpPr>
-          <p:cNvPr id="208" name="Google Shape;208;p32"/>
+          <p:cNvPr id="378" name="Google Shape;378;p38"/>
           <p:cNvGrpSpPr/>
           <p:nvPr/>
         </p:nvGrpSpPr>
@@ -19945,7 +19943,7 @@
         </p:grpSpPr>
         <p:sp>
           <p:nvSpPr>
-            <p:cNvPr id="209" name="Google Shape;209;p32"/>
+            <p:cNvPr id="379" name="Google Shape;379;p38"/>
             <p:cNvSpPr/>
             <p:nvPr/>
           </p:nvSpPr>
@@ -19985,7 +19983,7 @@
         </p:sp>
         <p:sp>
           <p:nvSpPr>
-            <p:cNvPr id="210" name="Google Shape;210;p32"/>
+            <p:cNvPr id="380" name="Google Shape;380;p38"/>
             <p:cNvSpPr/>
             <p:nvPr/>
           </p:nvSpPr>
@@ -20025,7 +20023,7 @@
         </p:sp>
         <p:sp>
           <p:nvSpPr>
-            <p:cNvPr id="211" name="Google Shape;211;p32"/>
+            <p:cNvPr id="381" name="Google Shape;381;p38"/>
             <p:cNvSpPr/>
             <p:nvPr/>
           </p:nvSpPr>
@@ -20066,7 +20064,7 @@
       </p:grpSp>
       <p:cxnSp>
         <p:nvCxnSpPr>
-          <p:cNvPr id="212" name="Google Shape;212;p32"/>
+          <p:cNvPr id="382" name="Google Shape;382;p38"/>
           <p:cNvCxnSpPr/>
           <p:nvPr/>
         </p:nvCxnSpPr>
@@ -20092,18 +20090,1590 @@
       </p:cxnSp>
       <p:sp>
         <p:nvSpPr>
-          <p:cNvPr id="215" name="Google Shape;215;p32"/>
+          <p:cNvPr id="383" name="Google Shape;383;p38"/>
+          <p:cNvSpPr/>
+          <p:nvPr/>
+        </p:nvSpPr>
+        <p:spPr>
+          <a:xfrm>
+            <a:off x="5896864" y="2016303"/>
+            <a:ext cx="1860600" cy="1797600"/>
+          </a:xfrm>
+          <a:prstGeom prst="ellipse">
+            <a:avLst/>
+          </a:prstGeom>
+          <a:noFill/>
+          <a:ln w="28575" cap="flat" cmpd="sng">
+            <a:solidFill>
+              <a:schemeClr val="accent2"/>
+            </a:solidFill>
+            <a:prstDash val="solid"/>
+            <a:round/>
+            <a:headEnd type="none" w="sm" len="sm"/>
+            <a:tailEnd type="none" w="sm" len="sm"/>
+          </a:ln>
+        </p:spPr>
+        <p:txBody>
+          <a:bodyPr spcFirstLastPara="1" wrap="square" lIns="91425" tIns="91425" rIns="91425" bIns="91425" anchor="ctr" anchorCtr="0">
+            <a:noAutofit/>
+          </a:bodyPr>
+          <a:lstStyle/>
+          <a:p>
+            <a:pPr marL="0" lvl="0" indent="0" algn="l" rtl="0">
+              <a:spcBef>
+                <a:spcPts val="0"/>
+              </a:spcBef>
+              <a:spcAft>
+                <a:spcPts val="0"/>
+              </a:spcAft>
+              <a:buNone/>
+            </a:pPr>
+            <a:endParaRPr/>
+          </a:p>
+        </p:txBody>
+      </p:sp>
+      <p:grpSp>
+        <p:nvGrpSpPr>
+          <p:cNvPr id="385" name="Google Shape;385;p38"/>
+          <p:cNvGrpSpPr/>
+          <p:nvPr/>
+        </p:nvGrpSpPr>
+        <p:grpSpPr>
+          <a:xfrm>
+            <a:off x="6437836" y="2527496"/>
+            <a:ext cx="778655" cy="775213"/>
+            <a:chOff x="5432907" y="2193678"/>
+            <a:chExt cx="262810" cy="261658"/>
+          </a:xfrm>
+        </p:grpSpPr>
+        <p:sp>
+          <p:nvSpPr>
+            <p:cNvPr id="386" name="Google Shape;386;p38"/>
+            <p:cNvSpPr/>
+            <p:nvPr/>
+          </p:nvSpPr>
+          <p:spPr>
+            <a:xfrm>
+              <a:off x="5467802" y="2298895"/>
+              <a:ext cx="128505" cy="117469"/>
+            </a:xfrm>
+            <a:custGeom>
+              <a:avLst/>
+              <a:gdLst/>
+              <a:ahLst/>
+              <a:cxnLst/>
+              <a:rect l="l" t="t" r="r" b="b"/>
+              <a:pathLst>
+                <a:path w="3944" h="3605" extrusionOk="0">
+                  <a:moveTo>
+                    <a:pt x="1963" y="465"/>
+                  </a:moveTo>
+                  <a:cubicBezTo>
+                    <a:pt x="2302" y="465"/>
+                    <a:pt x="2641" y="607"/>
+                    <a:pt x="2909" y="857"/>
+                  </a:cubicBezTo>
+                  <a:cubicBezTo>
+                    <a:pt x="3426" y="1375"/>
+                    <a:pt x="3426" y="2213"/>
+                    <a:pt x="2909" y="2731"/>
+                  </a:cubicBezTo>
+                  <a:cubicBezTo>
+                    <a:pt x="2650" y="2989"/>
+                    <a:pt x="2307" y="3119"/>
+                    <a:pt x="1963" y="3119"/>
+                  </a:cubicBezTo>
+                  <a:cubicBezTo>
+                    <a:pt x="1620" y="3119"/>
+                    <a:pt x="1276" y="2989"/>
+                    <a:pt x="1017" y="2731"/>
+                  </a:cubicBezTo>
+                  <a:cubicBezTo>
+                    <a:pt x="500" y="2213"/>
+                    <a:pt x="500" y="1375"/>
+                    <a:pt x="1017" y="857"/>
+                  </a:cubicBezTo>
+                  <a:cubicBezTo>
+                    <a:pt x="1285" y="607"/>
+                    <a:pt x="1624" y="465"/>
+                    <a:pt x="1963" y="465"/>
+                  </a:cubicBezTo>
+                  <a:close/>
+                  <a:moveTo>
+                    <a:pt x="1963" y="1"/>
+                  </a:moveTo>
+                  <a:cubicBezTo>
+                    <a:pt x="1504" y="1"/>
+                    <a:pt x="1044" y="179"/>
+                    <a:pt x="696" y="536"/>
+                  </a:cubicBezTo>
+                  <a:cubicBezTo>
+                    <a:pt x="0" y="1232"/>
+                    <a:pt x="0" y="2374"/>
+                    <a:pt x="696" y="3070"/>
+                  </a:cubicBezTo>
+                  <a:cubicBezTo>
+                    <a:pt x="1053" y="3426"/>
+                    <a:pt x="1499" y="3605"/>
+                    <a:pt x="1963" y="3605"/>
+                  </a:cubicBezTo>
+                  <a:cubicBezTo>
+                    <a:pt x="2427" y="3605"/>
+                    <a:pt x="2891" y="3426"/>
+                    <a:pt x="3230" y="3070"/>
+                  </a:cubicBezTo>
+                  <a:cubicBezTo>
+                    <a:pt x="3944" y="2374"/>
+                    <a:pt x="3944" y="1232"/>
+                    <a:pt x="3230" y="536"/>
+                  </a:cubicBezTo>
+                  <a:cubicBezTo>
+                    <a:pt x="2882" y="179"/>
+                    <a:pt x="2423" y="1"/>
+                    <a:pt x="1963" y="1"/>
+                  </a:cubicBezTo>
+                  <a:close/>
+                </a:path>
+              </a:pathLst>
+            </a:custGeom>
+            <a:solidFill>
+              <a:schemeClr val="accent2"/>
+            </a:solidFill>
+            <a:ln>
+              <a:noFill/>
+            </a:ln>
+          </p:spPr>
+          <p:txBody>
+            <a:bodyPr spcFirstLastPara="1" wrap="square" lIns="91425" tIns="91425" rIns="91425" bIns="91425" anchor="ctr" anchorCtr="0">
+              <a:noAutofit/>
+            </a:bodyPr>
+            <a:lstStyle/>
+            <a:p>
+              <a:pPr marL="0" lvl="0" indent="0" algn="l" rtl="0">
+                <a:spcBef>
+                  <a:spcPts val="0"/>
+                </a:spcBef>
+                <a:spcAft>
+                  <a:spcPts val="0"/>
+                </a:spcAft>
+                <a:buNone/>
+              </a:pPr>
+              <a:endParaRPr/>
+            </a:p>
+          </p:txBody>
+        </p:sp>
+        <p:sp>
+          <p:nvSpPr>
+            <p:cNvPr id="387" name="Google Shape;387;p38"/>
+            <p:cNvSpPr/>
+            <p:nvPr/>
+          </p:nvSpPr>
+          <p:spPr>
+            <a:xfrm>
+              <a:off x="5432907" y="2259956"/>
+              <a:ext cx="198297" cy="195380"/>
+            </a:xfrm>
+            <a:custGeom>
+              <a:avLst/>
+              <a:gdLst/>
+              <a:ahLst/>
+              <a:cxnLst/>
+              <a:rect l="l" t="t" r="r" b="b"/>
+              <a:pathLst>
+                <a:path w="6086" h="5996" extrusionOk="0">
+                  <a:moveTo>
+                    <a:pt x="3712" y="482"/>
+                  </a:moveTo>
+                  <a:lnTo>
+                    <a:pt x="4319" y="732"/>
+                  </a:lnTo>
+                  <a:lnTo>
+                    <a:pt x="4283" y="892"/>
+                  </a:lnTo>
+                  <a:cubicBezTo>
+                    <a:pt x="4247" y="982"/>
+                    <a:pt x="4283" y="1071"/>
+                    <a:pt x="4372" y="1142"/>
+                  </a:cubicBezTo>
+                  <a:cubicBezTo>
+                    <a:pt x="4569" y="1285"/>
+                    <a:pt x="4747" y="1463"/>
+                    <a:pt x="4890" y="1660"/>
+                  </a:cubicBezTo>
+                  <a:cubicBezTo>
+                    <a:pt x="4934" y="1719"/>
+                    <a:pt x="5015" y="1753"/>
+                    <a:pt x="5092" y="1753"/>
+                  </a:cubicBezTo>
+                  <a:cubicBezTo>
+                    <a:pt x="5108" y="1753"/>
+                    <a:pt x="5124" y="1752"/>
+                    <a:pt x="5140" y="1749"/>
+                  </a:cubicBezTo>
+                  <a:lnTo>
+                    <a:pt x="5282" y="1695"/>
+                  </a:lnTo>
+                  <a:lnTo>
+                    <a:pt x="5532" y="2302"/>
+                  </a:lnTo>
+                  <a:lnTo>
+                    <a:pt x="5407" y="2373"/>
+                  </a:lnTo>
+                  <a:cubicBezTo>
+                    <a:pt x="5318" y="2427"/>
+                    <a:pt x="5264" y="2516"/>
+                    <a:pt x="5282" y="2623"/>
+                  </a:cubicBezTo>
+                  <a:cubicBezTo>
+                    <a:pt x="5336" y="2873"/>
+                    <a:pt x="5336" y="3105"/>
+                    <a:pt x="5300" y="3355"/>
+                  </a:cubicBezTo>
+                  <a:cubicBezTo>
+                    <a:pt x="5282" y="3462"/>
+                    <a:pt x="5318" y="3551"/>
+                    <a:pt x="5407" y="3604"/>
+                  </a:cubicBezTo>
+                  <a:lnTo>
+                    <a:pt x="5550" y="3676"/>
+                  </a:lnTo>
+                  <a:lnTo>
+                    <a:pt x="5300" y="4282"/>
+                  </a:lnTo>
+                  <a:lnTo>
+                    <a:pt x="5140" y="4229"/>
+                  </a:lnTo>
+                  <a:cubicBezTo>
+                    <a:pt x="5124" y="4226"/>
+                    <a:pt x="5108" y="4224"/>
+                    <a:pt x="5092" y="4224"/>
+                  </a:cubicBezTo>
+                  <a:cubicBezTo>
+                    <a:pt x="5015" y="4224"/>
+                    <a:pt x="4934" y="4259"/>
+                    <a:pt x="4890" y="4318"/>
+                  </a:cubicBezTo>
+                  <a:cubicBezTo>
+                    <a:pt x="4747" y="4532"/>
+                    <a:pt x="4569" y="4693"/>
+                    <a:pt x="4372" y="4853"/>
+                  </a:cubicBezTo>
+                  <a:cubicBezTo>
+                    <a:pt x="4301" y="4907"/>
+                    <a:pt x="4265" y="4996"/>
+                    <a:pt x="4283" y="5103"/>
+                  </a:cubicBezTo>
+                  <a:lnTo>
+                    <a:pt x="4319" y="5246"/>
+                  </a:lnTo>
+                  <a:lnTo>
+                    <a:pt x="3730" y="5496"/>
+                  </a:lnTo>
+                  <a:lnTo>
+                    <a:pt x="3659" y="5371"/>
+                  </a:lnTo>
+                  <a:cubicBezTo>
+                    <a:pt x="3612" y="5293"/>
+                    <a:pt x="3525" y="5242"/>
+                    <a:pt x="3444" y="5242"/>
+                  </a:cubicBezTo>
+                  <a:cubicBezTo>
+                    <a:pt x="3432" y="5242"/>
+                    <a:pt x="3420" y="5244"/>
+                    <a:pt x="3409" y="5246"/>
+                  </a:cubicBezTo>
+                  <a:cubicBezTo>
+                    <a:pt x="3284" y="5264"/>
+                    <a:pt x="3159" y="5273"/>
+                    <a:pt x="3036" y="5273"/>
+                  </a:cubicBezTo>
+                  <a:cubicBezTo>
+                    <a:pt x="2914" y="5273"/>
+                    <a:pt x="2793" y="5264"/>
+                    <a:pt x="2677" y="5246"/>
+                  </a:cubicBezTo>
+                  <a:cubicBezTo>
+                    <a:pt x="2663" y="5244"/>
+                    <a:pt x="2650" y="5242"/>
+                    <a:pt x="2637" y="5242"/>
+                  </a:cubicBezTo>
+                  <a:cubicBezTo>
+                    <a:pt x="2548" y="5242"/>
+                    <a:pt x="2474" y="5293"/>
+                    <a:pt x="2427" y="5371"/>
+                  </a:cubicBezTo>
+                  <a:lnTo>
+                    <a:pt x="2356" y="5496"/>
+                  </a:lnTo>
+                  <a:lnTo>
+                    <a:pt x="1749" y="5264"/>
+                  </a:lnTo>
+                  <a:lnTo>
+                    <a:pt x="1803" y="5103"/>
+                  </a:lnTo>
+                  <a:cubicBezTo>
+                    <a:pt x="1821" y="5014"/>
+                    <a:pt x="1785" y="4907"/>
+                    <a:pt x="1714" y="4853"/>
+                  </a:cubicBezTo>
+                  <a:cubicBezTo>
+                    <a:pt x="1500" y="4711"/>
+                    <a:pt x="1321" y="4532"/>
+                    <a:pt x="1178" y="4336"/>
+                  </a:cubicBezTo>
+                  <a:cubicBezTo>
+                    <a:pt x="1139" y="4270"/>
+                    <a:pt x="1070" y="4233"/>
+                    <a:pt x="1000" y="4233"/>
+                  </a:cubicBezTo>
+                  <a:cubicBezTo>
+                    <a:pt x="976" y="4233"/>
+                    <a:pt x="952" y="4238"/>
+                    <a:pt x="929" y="4247"/>
+                  </a:cubicBezTo>
+                  <a:lnTo>
+                    <a:pt x="786" y="4282"/>
+                  </a:lnTo>
+                  <a:lnTo>
+                    <a:pt x="536" y="3694"/>
+                  </a:lnTo>
+                  <a:lnTo>
+                    <a:pt x="661" y="3604"/>
+                  </a:lnTo>
+                  <a:cubicBezTo>
+                    <a:pt x="750" y="3569"/>
+                    <a:pt x="804" y="3462"/>
+                    <a:pt x="786" y="3372"/>
+                  </a:cubicBezTo>
+                  <a:cubicBezTo>
+                    <a:pt x="732" y="3123"/>
+                    <a:pt x="732" y="2873"/>
+                    <a:pt x="786" y="2641"/>
+                  </a:cubicBezTo>
+                  <a:cubicBezTo>
+                    <a:pt x="804" y="2534"/>
+                    <a:pt x="750" y="2445"/>
+                    <a:pt x="661" y="2391"/>
+                  </a:cubicBezTo>
+                  <a:lnTo>
+                    <a:pt x="536" y="2320"/>
+                  </a:lnTo>
+                  <a:lnTo>
+                    <a:pt x="768" y="1713"/>
+                  </a:lnTo>
+                  <a:lnTo>
+                    <a:pt x="929" y="1749"/>
+                  </a:lnTo>
+                  <a:cubicBezTo>
+                    <a:pt x="952" y="1758"/>
+                    <a:pt x="976" y="1762"/>
+                    <a:pt x="1000" y="1762"/>
+                  </a:cubicBezTo>
+                  <a:cubicBezTo>
+                    <a:pt x="1070" y="1762"/>
+                    <a:pt x="1139" y="1726"/>
+                    <a:pt x="1178" y="1660"/>
+                  </a:cubicBezTo>
+                  <a:cubicBezTo>
+                    <a:pt x="1321" y="1463"/>
+                    <a:pt x="1500" y="1285"/>
+                    <a:pt x="1696" y="1142"/>
+                  </a:cubicBezTo>
+                  <a:cubicBezTo>
+                    <a:pt x="1785" y="1089"/>
+                    <a:pt x="1803" y="982"/>
+                    <a:pt x="1785" y="892"/>
+                  </a:cubicBezTo>
+                  <a:lnTo>
+                    <a:pt x="1749" y="732"/>
+                  </a:lnTo>
+                  <a:lnTo>
+                    <a:pt x="2338" y="500"/>
+                  </a:lnTo>
+                  <a:lnTo>
+                    <a:pt x="2427" y="625"/>
+                  </a:lnTo>
+                  <a:cubicBezTo>
+                    <a:pt x="2463" y="714"/>
+                    <a:pt x="2570" y="750"/>
+                    <a:pt x="2659" y="750"/>
+                  </a:cubicBezTo>
+                  <a:cubicBezTo>
+                    <a:pt x="2797" y="720"/>
+                    <a:pt x="2934" y="707"/>
+                    <a:pt x="3069" y="707"/>
+                  </a:cubicBezTo>
+                  <a:cubicBezTo>
+                    <a:pt x="3179" y="707"/>
+                    <a:pt x="3287" y="716"/>
+                    <a:pt x="3391" y="732"/>
+                  </a:cubicBezTo>
+                  <a:cubicBezTo>
+                    <a:pt x="3409" y="735"/>
+                    <a:pt x="3426" y="736"/>
+                    <a:pt x="3443" y="736"/>
+                  </a:cubicBezTo>
+                  <a:cubicBezTo>
+                    <a:pt x="3527" y="736"/>
+                    <a:pt x="3596" y="699"/>
+                    <a:pt x="3641" y="625"/>
+                  </a:cubicBezTo>
+                  <a:lnTo>
+                    <a:pt x="3712" y="482"/>
+                  </a:lnTo>
+                  <a:close/>
+                  <a:moveTo>
+                    <a:pt x="3686" y="1"/>
+                  </a:moveTo>
+                  <a:cubicBezTo>
+                    <a:pt x="3550" y="1"/>
+                    <a:pt x="3415" y="80"/>
+                    <a:pt x="3337" y="196"/>
+                  </a:cubicBezTo>
+                  <a:lnTo>
+                    <a:pt x="3302" y="250"/>
+                  </a:lnTo>
+                  <a:cubicBezTo>
+                    <a:pt x="3213" y="241"/>
+                    <a:pt x="3119" y="237"/>
+                    <a:pt x="3025" y="237"/>
+                  </a:cubicBezTo>
+                  <a:cubicBezTo>
+                    <a:pt x="2931" y="237"/>
+                    <a:pt x="2838" y="241"/>
+                    <a:pt x="2749" y="250"/>
+                  </a:cubicBezTo>
+                  <a:lnTo>
+                    <a:pt x="2713" y="196"/>
+                  </a:lnTo>
+                  <a:cubicBezTo>
+                    <a:pt x="2647" y="78"/>
+                    <a:pt x="2514" y="8"/>
+                    <a:pt x="2369" y="8"/>
+                  </a:cubicBezTo>
+                  <a:cubicBezTo>
+                    <a:pt x="2318" y="8"/>
+                    <a:pt x="2265" y="17"/>
+                    <a:pt x="2213" y="36"/>
+                  </a:cubicBezTo>
+                  <a:lnTo>
+                    <a:pt x="1500" y="321"/>
+                  </a:lnTo>
+                  <a:cubicBezTo>
+                    <a:pt x="1321" y="411"/>
+                    <a:pt x="1214" y="607"/>
+                    <a:pt x="1268" y="803"/>
+                  </a:cubicBezTo>
+                  <a:lnTo>
+                    <a:pt x="1286" y="857"/>
+                  </a:lnTo>
+                  <a:cubicBezTo>
+                    <a:pt x="1143" y="982"/>
+                    <a:pt x="1018" y="1106"/>
+                    <a:pt x="893" y="1267"/>
+                  </a:cubicBezTo>
+                  <a:lnTo>
+                    <a:pt x="839" y="1249"/>
+                  </a:lnTo>
+                  <a:cubicBezTo>
+                    <a:pt x="802" y="1239"/>
+                    <a:pt x="764" y="1234"/>
+                    <a:pt x="727" y="1234"/>
+                  </a:cubicBezTo>
+                  <a:cubicBezTo>
+                    <a:pt x="572" y="1234"/>
+                    <a:pt x="430" y="1323"/>
+                    <a:pt x="358" y="1481"/>
+                  </a:cubicBezTo>
+                  <a:lnTo>
+                    <a:pt x="72" y="2195"/>
+                  </a:lnTo>
+                  <a:cubicBezTo>
+                    <a:pt x="1" y="2373"/>
+                    <a:pt x="72" y="2587"/>
+                    <a:pt x="251" y="2694"/>
+                  </a:cubicBezTo>
+                  <a:lnTo>
+                    <a:pt x="286" y="2712"/>
+                  </a:lnTo>
+                  <a:cubicBezTo>
+                    <a:pt x="268" y="2909"/>
+                    <a:pt x="268" y="3087"/>
+                    <a:pt x="304" y="3283"/>
+                  </a:cubicBezTo>
+                  <a:lnTo>
+                    <a:pt x="251" y="3319"/>
+                  </a:lnTo>
+                  <a:cubicBezTo>
+                    <a:pt x="72" y="3408"/>
+                    <a:pt x="1" y="3622"/>
+                    <a:pt x="72" y="3819"/>
+                  </a:cubicBezTo>
+                  <a:lnTo>
+                    <a:pt x="376" y="4514"/>
+                  </a:lnTo>
+                  <a:cubicBezTo>
+                    <a:pt x="433" y="4673"/>
+                    <a:pt x="584" y="4762"/>
+                    <a:pt x="743" y="4762"/>
+                  </a:cubicBezTo>
+                  <a:cubicBezTo>
+                    <a:pt x="781" y="4762"/>
+                    <a:pt x="820" y="4757"/>
+                    <a:pt x="857" y="4746"/>
+                  </a:cubicBezTo>
+                  <a:lnTo>
+                    <a:pt x="911" y="4746"/>
+                  </a:lnTo>
+                  <a:cubicBezTo>
+                    <a:pt x="1018" y="4889"/>
+                    <a:pt x="1161" y="5014"/>
+                    <a:pt x="1303" y="5139"/>
+                  </a:cubicBezTo>
+                  <a:lnTo>
+                    <a:pt x="1286" y="5192"/>
+                  </a:lnTo>
+                  <a:cubicBezTo>
+                    <a:pt x="1232" y="5389"/>
+                    <a:pt x="1339" y="5585"/>
+                    <a:pt x="1517" y="5674"/>
+                  </a:cubicBezTo>
+                  <a:lnTo>
+                    <a:pt x="2231" y="5960"/>
+                  </a:lnTo>
+                  <a:cubicBezTo>
+                    <a:pt x="2285" y="5977"/>
+                    <a:pt x="2338" y="5995"/>
+                    <a:pt x="2392" y="5995"/>
+                  </a:cubicBezTo>
+                  <a:cubicBezTo>
+                    <a:pt x="2517" y="5995"/>
+                    <a:pt x="2659" y="5906"/>
+                    <a:pt x="2731" y="5781"/>
+                  </a:cubicBezTo>
+                  <a:lnTo>
+                    <a:pt x="2766" y="5728"/>
+                  </a:lnTo>
+                  <a:cubicBezTo>
+                    <a:pt x="2856" y="5737"/>
+                    <a:pt x="2949" y="5741"/>
+                    <a:pt x="3043" y="5741"/>
+                  </a:cubicBezTo>
+                  <a:cubicBezTo>
+                    <a:pt x="3137" y="5741"/>
+                    <a:pt x="3230" y="5737"/>
+                    <a:pt x="3320" y="5728"/>
+                  </a:cubicBezTo>
+                  <a:lnTo>
+                    <a:pt x="3355" y="5781"/>
+                  </a:lnTo>
+                  <a:cubicBezTo>
+                    <a:pt x="3421" y="5914"/>
+                    <a:pt x="3566" y="5987"/>
+                    <a:pt x="3709" y="5987"/>
+                  </a:cubicBezTo>
+                  <a:cubicBezTo>
+                    <a:pt x="3759" y="5987"/>
+                    <a:pt x="3809" y="5978"/>
+                    <a:pt x="3855" y="5960"/>
+                  </a:cubicBezTo>
+                  <a:lnTo>
+                    <a:pt x="4569" y="5656"/>
+                  </a:lnTo>
+                  <a:cubicBezTo>
+                    <a:pt x="4747" y="5585"/>
+                    <a:pt x="4854" y="5371"/>
+                    <a:pt x="4801" y="5175"/>
+                  </a:cubicBezTo>
+                  <a:lnTo>
+                    <a:pt x="4783" y="5121"/>
+                  </a:lnTo>
+                  <a:cubicBezTo>
+                    <a:pt x="4925" y="5014"/>
+                    <a:pt x="5050" y="4871"/>
+                    <a:pt x="5175" y="4728"/>
+                  </a:cubicBezTo>
+                  <a:lnTo>
+                    <a:pt x="5229" y="4746"/>
+                  </a:lnTo>
+                  <a:cubicBezTo>
+                    <a:pt x="5263" y="4756"/>
+                    <a:pt x="5298" y="4760"/>
+                    <a:pt x="5333" y="4760"/>
+                  </a:cubicBezTo>
+                  <a:cubicBezTo>
+                    <a:pt x="5496" y="4760"/>
+                    <a:pt x="5652" y="4662"/>
+                    <a:pt x="5710" y="4514"/>
+                  </a:cubicBezTo>
+                  <a:lnTo>
+                    <a:pt x="5996" y="3801"/>
+                  </a:lnTo>
+                  <a:cubicBezTo>
+                    <a:pt x="6085" y="3604"/>
+                    <a:pt x="5996" y="3390"/>
+                    <a:pt x="5835" y="3301"/>
+                  </a:cubicBezTo>
+                  <a:lnTo>
+                    <a:pt x="5782" y="3265"/>
+                  </a:lnTo>
+                  <a:cubicBezTo>
+                    <a:pt x="5800" y="3087"/>
+                    <a:pt x="5800" y="2891"/>
+                    <a:pt x="5782" y="2712"/>
+                  </a:cubicBezTo>
+                  <a:lnTo>
+                    <a:pt x="5818" y="2677"/>
+                  </a:lnTo>
+                  <a:cubicBezTo>
+                    <a:pt x="5996" y="2570"/>
+                    <a:pt x="6067" y="2355"/>
+                    <a:pt x="5996" y="2177"/>
+                  </a:cubicBezTo>
+                  <a:lnTo>
+                    <a:pt x="5693" y="1463"/>
+                  </a:lnTo>
+                  <a:cubicBezTo>
+                    <a:pt x="5634" y="1316"/>
+                    <a:pt x="5490" y="1217"/>
+                    <a:pt x="5331" y="1217"/>
+                  </a:cubicBezTo>
+                  <a:cubicBezTo>
+                    <a:pt x="5298" y="1217"/>
+                    <a:pt x="5263" y="1222"/>
+                    <a:pt x="5229" y="1231"/>
+                  </a:cubicBezTo>
+                  <a:lnTo>
+                    <a:pt x="5175" y="1249"/>
+                  </a:lnTo>
+                  <a:cubicBezTo>
+                    <a:pt x="5050" y="1106"/>
+                    <a:pt x="4908" y="964"/>
+                    <a:pt x="4765" y="857"/>
+                  </a:cubicBezTo>
+                  <a:lnTo>
+                    <a:pt x="4783" y="803"/>
+                  </a:lnTo>
+                  <a:cubicBezTo>
+                    <a:pt x="4836" y="607"/>
+                    <a:pt x="4729" y="393"/>
+                    <a:pt x="4551" y="321"/>
+                  </a:cubicBezTo>
+                  <a:lnTo>
+                    <a:pt x="3837" y="36"/>
+                  </a:lnTo>
+                  <a:cubicBezTo>
+                    <a:pt x="3788" y="12"/>
+                    <a:pt x="3737" y="1"/>
+                    <a:pt x="3686" y="1"/>
+                  </a:cubicBezTo>
+                  <a:close/>
+                </a:path>
+              </a:pathLst>
+            </a:custGeom>
+            <a:solidFill>
+              <a:schemeClr val="accent2"/>
+            </a:solidFill>
+            <a:ln>
+              <a:noFill/>
+            </a:ln>
+          </p:spPr>
+          <p:txBody>
+            <a:bodyPr spcFirstLastPara="1" wrap="square" lIns="91425" tIns="91425" rIns="91425" bIns="91425" anchor="ctr" anchorCtr="0">
+              <a:noAutofit/>
+            </a:bodyPr>
+            <a:lstStyle/>
+            <a:p>
+              <a:pPr marL="0" lvl="0" indent="0" algn="l" rtl="0">
+                <a:spcBef>
+                  <a:spcPts val="0"/>
+                </a:spcBef>
+                <a:spcAft>
+                  <a:spcPts val="0"/>
+                </a:spcAft>
+                <a:buNone/>
+              </a:pPr>
+              <a:endParaRPr/>
+            </a:p>
+          </p:txBody>
+        </p:sp>
+        <p:sp>
+          <p:nvSpPr>
+            <p:cNvPr id="388" name="Google Shape;388;p38"/>
+            <p:cNvSpPr/>
+            <p:nvPr/>
+          </p:nvSpPr>
+          <p:spPr>
+            <a:xfrm>
+              <a:off x="5635798" y="2193678"/>
+              <a:ext cx="15737" cy="24439"/>
+            </a:xfrm>
+            <a:custGeom>
+              <a:avLst/>
+              <a:gdLst/>
+              <a:ahLst/>
+              <a:cxnLst/>
+              <a:rect l="l" t="t" r="r" b="b"/>
+              <a:pathLst>
+                <a:path w="483" h="750" extrusionOk="0">
+                  <a:moveTo>
+                    <a:pt x="233" y="0"/>
+                  </a:moveTo>
+                  <a:cubicBezTo>
+                    <a:pt x="108" y="0"/>
+                    <a:pt x="1" y="107"/>
+                    <a:pt x="1" y="250"/>
+                  </a:cubicBezTo>
+                  <a:lnTo>
+                    <a:pt x="1" y="500"/>
+                  </a:lnTo>
+                  <a:cubicBezTo>
+                    <a:pt x="1" y="642"/>
+                    <a:pt x="108" y="750"/>
+                    <a:pt x="233" y="750"/>
+                  </a:cubicBezTo>
+                  <a:cubicBezTo>
+                    <a:pt x="376" y="750"/>
+                    <a:pt x="483" y="642"/>
+                    <a:pt x="483" y="500"/>
+                  </a:cubicBezTo>
+                  <a:lnTo>
+                    <a:pt x="483" y="250"/>
+                  </a:lnTo>
+                  <a:cubicBezTo>
+                    <a:pt x="483" y="107"/>
+                    <a:pt x="376" y="0"/>
+                    <a:pt x="233" y="0"/>
+                  </a:cubicBezTo>
+                  <a:close/>
+                </a:path>
+              </a:pathLst>
+            </a:custGeom>
+            <a:solidFill>
+              <a:schemeClr val="accent2"/>
+            </a:solidFill>
+            <a:ln>
+              <a:noFill/>
+            </a:ln>
+          </p:spPr>
+          <p:txBody>
+            <a:bodyPr spcFirstLastPara="1" wrap="square" lIns="91425" tIns="91425" rIns="91425" bIns="91425" anchor="ctr" anchorCtr="0">
+              <a:noAutofit/>
+            </a:bodyPr>
+            <a:lstStyle/>
+            <a:p>
+              <a:pPr marL="0" lvl="0" indent="0" algn="l" rtl="0">
+                <a:spcBef>
+                  <a:spcPts val="0"/>
+                </a:spcBef>
+                <a:spcAft>
+                  <a:spcPts val="0"/>
+                </a:spcAft>
+                <a:buNone/>
+              </a:pPr>
+              <a:endParaRPr/>
+            </a:p>
+          </p:txBody>
+        </p:sp>
+        <p:sp>
+          <p:nvSpPr>
+            <p:cNvPr id="389" name="Google Shape;389;p38"/>
+            <p:cNvSpPr/>
+            <p:nvPr/>
+          </p:nvSpPr>
+          <p:spPr>
+            <a:xfrm>
+              <a:off x="5635798" y="2275629"/>
+              <a:ext cx="15737" cy="22125"/>
+            </a:xfrm>
+            <a:custGeom>
+              <a:avLst/>
+              <a:gdLst/>
+              <a:ahLst/>
+              <a:cxnLst/>
+              <a:rect l="l" t="t" r="r" b="b"/>
+              <a:pathLst>
+                <a:path w="483" h="679" extrusionOk="0">
+                  <a:moveTo>
+                    <a:pt x="233" y="1"/>
+                  </a:moveTo>
+                  <a:cubicBezTo>
+                    <a:pt x="108" y="1"/>
+                    <a:pt x="1" y="108"/>
+                    <a:pt x="1" y="233"/>
+                  </a:cubicBezTo>
+                  <a:lnTo>
+                    <a:pt x="1" y="429"/>
+                  </a:lnTo>
+                  <a:cubicBezTo>
+                    <a:pt x="1" y="572"/>
+                    <a:pt x="108" y="679"/>
+                    <a:pt x="233" y="679"/>
+                  </a:cubicBezTo>
+                  <a:cubicBezTo>
+                    <a:pt x="376" y="679"/>
+                    <a:pt x="483" y="572"/>
+                    <a:pt x="483" y="429"/>
+                  </a:cubicBezTo>
+                  <a:lnTo>
+                    <a:pt x="483" y="233"/>
+                  </a:lnTo>
+                  <a:cubicBezTo>
+                    <a:pt x="483" y="108"/>
+                    <a:pt x="376" y="1"/>
+                    <a:pt x="233" y="1"/>
+                  </a:cubicBezTo>
+                  <a:close/>
+                </a:path>
+              </a:pathLst>
+            </a:custGeom>
+            <a:solidFill>
+              <a:schemeClr val="accent2"/>
+            </a:solidFill>
+            <a:ln>
+              <a:noFill/>
+            </a:ln>
+          </p:spPr>
+          <p:txBody>
+            <a:bodyPr spcFirstLastPara="1" wrap="square" lIns="91425" tIns="91425" rIns="91425" bIns="91425" anchor="ctr" anchorCtr="0">
+              <a:noAutofit/>
+            </a:bodyPr>
+            <a:lstStyle/>
+            <a:p>
+              <a:pPr marL="0" lvl="0" indent="0" algn="l" rtl="0">
+                <a:spcBef>
+                  <a:spcPts val="0"/>
+                </a:spcBef>
+                <a:spcAft>
+                  <a:spcPts val="0"/>
+                </a:spcAft>
+                <a:buNone/>
+              </a:pPr>
+              <a:endParaRPr/>
+            </a:p>
+          </p:txBody>
+        </p:sp>
+        <p:sp>
+          <p:nvSpPr>
+            <p:cNvPr id="390" name="Google Shape;390;p38"/>
+            <p:cNvSpPr/>
+            <p:nvPr/>
+          </p:nvSpPr>
+          <p:spPr>
+            <a:xfrm>
+              <a:off x="5673593" y="2238449"/>
+              <a:ext cx="22124" cy="15119"/>
+            </a:xfrm>
+            <a:custGeom>
+              <a:avLst/>
+              <a:gdLst/>
+              <a:ahLst/>
+              <a:cxnLst/>
+              <a:rect l="l" t="t" r="r" b="b"/>
+              <a:pathLst>
+                <a:path w="679" h="464" extrusionOk="0">
+                  <a:moveTo>
+                    <a:pt x="233" y="0"/>
+                  </a:moveTo>
+                  <a:cubicBezTo>
+                    <a:pt x="108" y="0"/>
+                    <a:pt x="1" y="107"/>
+                    <a:pt x="1" y="232"/>
+                  </a:cubicBezTo>
+                  <a:cubicBezTo>
+                    <a:pt x="1" y="357"/>
+                    <a:pt x="108" y="464"/>
+                    <a:pt x="233" y="464"/>
+                  </a:cubicBezTo>
+                  <a:lnTo>
+                    <a:pt x="447" y="464"/>
+                  </a:lnTo>
+                  <a:cubicBezTo>
+                    <a:pt x="572" y="464"/>
+                    <a:pt x="679" y="357"/>
+                    <a:pt x="679" y="232"/>
+                  </a:cubicBezTo>
+                  <a:cubicBezTo>
+                    <a:pt x="679" y="107"/>
+                    <a:pt x="572" y="0"/>
+                    <a:pt x="447" y="0"/>
+                  </a:cubicBezTo>
+                  <a:close/>
+                </a:path>
+              </a:pathLst>
+            </a:custGeom>
+            <a:solidFill>
+              <a:schemeClr val="accent2"/>
+            </a:solidFill>
+            <a:ln>
+              <a:noFill/>
+            </a:ln>
+          </p:spPr>
+          <p:txBody>
+            <a:bodyPr spcFirstLastPara="1" wrap="square" lIns="91425" tIns="91425" rIns="91425" bIns="91425" anchor="ctr" anchorCtr="0">
+              <a:noAutofit/>
+            </a:bodyPr>
+            <a:lstStyle/>
+            <a:p>
+              <a:pPr marL="0" lvl="0" indent="0" algn="l" rtl="0">
+                <a:spcBef>
+                  <a:spcPts val="0"/>
+                </a:spcBef>
+                <a:spcAft>
+                  <a:spcPts val="0"/>
+                </a:spcAft>
+                <a:buNone/>
+              </a:pPr>
+              <a:endParaRPr/>
+            </a:p>
+          </p:txBody>
+        </p:sp>
+        <p:sp>
+          <p:nvSpPr>
+            <p:cNvPr id="391" name="Google Shape;391;p38"/>
+            <p:cNvSpPr/>
+            <p:nvPr/>
+          </p:nvSpPr>
+          <p:spPr>
+            <a:xfrm>
+              <a:off x="5592202" y="2238449"/>
+              <a:ext cx="22710" cy="15119"/>
+            </a:xfrm>
+            <a:custGeom>
+              <a:avLst/>
+              <a:gdLst/>
+              <a:ahLst/>
+              <a:cxnLst/>
+              <a:rect l="l" t="t" r="r" b="b"/>
+              <a:pathLst>
+                <a:path w="697" h="464" extrusionOk="0">
+                  <a:moveTo>
+                    <a:pt x="233" y="0"/>
+                  </a:moveTo>
+                  <a:cubicBezTo>
+                    <a:pt x="108" y="0"/>
+                    <a:pt x="1" y="107"/>
+                    <a:pt x="1" y="232"/>
+                  </a:cubicBezTo>
+                  <a:cubicBezTo>
+                    <a:pt x="1" y="357"/>
+                    <a:pt x="108" y="464"/>
+                    <a:pt x="233" y="464"/>
+                  </a:cubicBezTo>
+                  <a:lnTo>
+                    <a:pt x="465" y="464"/>
+                  </a:lnTo>
+                  <a:cubicBezTo>
+                    <a:pt x="590" y="464"/>
+                    <a:pt x="697" y="357"/>
+                    <a:pt x="697" y="232"/>
+                  </a:cubicBezTo>
+                  <a:cubicBezTo>
+                    <a:pt x="697" y="107"/>
+                    <a:pt x="590" y="0"/>
+                    <a:pt x="465" y="0"/>
+                  </a:cubicBezTo>
+                  <a:close/>
+                </a:path>
+              </a:pathLst>
+            </a:custGeom>
+            <a:solidFill>
+              <a:schemeClr val="accent2"/>
+            </a:solidFill>
+            <a:ln>
+              <a:noFill/>
+            </a:ln>
+          </p:spPr>
+          <p:txBody>
+            <a:bodyPr spcFirstLastPara="1" wrap="square" lIns="91425" tIns="91425" rIns="91425" bIns="91425" anchor="ctr" anchorCtr="0">
+              <a:noAutofit/>
+            </a:bodyPr>
+            <a:lstStyle/>
+            <a:p>
+              <a:pPr marL="0" lvl="0" indent="0" algn="l" rtl="0">
+                <a:spcBef>
+                  <a:spcPts val="0"/>
+                </a:spcBef>
+                <a:spcAft>
+                  <a:spcPts val="0"/>
+                </a:spcAft>
+                <a:buNone/>
+              </a:pPr>
+              <a:endParaRPr/>
+            </a:p>
+          </p:txBody>
+        </p:sp>
+        <p:sp>
+          <p:nvSpPr>
+            <p:cNvPr id="392" name="Google Shape;392;p38"/>
+            <p:cNvSpPr/>
+            <p:nvPr/>
+          </p:nvSpPr>
+          <p:spPr>
+            <a:xfrm>
+              <a:off x="5659648" y="2206614"/>
+              <a:ext cx="23883" cy="22549"/>
+            </a:xfrm>
+            <a:custGeom>
+              <a:avLst/>
+              <a:gdLst/>
+              <a:ahLst/>
+              <a:cxnLst/>
+              <a:rect l="l" t="t" r="r" b="b"/>
+              <a:pathLst>
+                <a:path w="733" h="692" extrusionOk="0">
+                  <a:moveTo>
+                    <a:pt x="473" y="0"/>
+                  </a:moveTo>
+                  <a:cubicBezTo>
+                    <a:pt x="411" y="0"/>
+                    <a:pt x="348" y="22"/>
+                    <a:pt x="304" y="67"/>
+                  </a:cubicBezTo>
+                  <a:lnTo>
+                    <a:pt x="108" y="281"/>
+                  </a:lnTo>
+                  <a:cubicBezTo>
+                    <a:pt x="0" y="370"/>
+                    <a:pt x="0" y="531"/>
+                    <a:pt x="108" y="620"/>
+                  </a:cubicBezTo>
+                  <a:cubicBezTo>
+                    <a:pt x="143" y="656"/>
+                    <a:pt x="215" y="692"/>
+                    <a:pt x="268" y="692"/>
+                  </a:cubicBezTo>
+                  <a:cubicBezTo>
+                    <a:pt x="322" y="692"/>
+                    <a:pt x="393" y="656"/>
+                    <a:pt x="429" y="620"/>
+                  </a:cubicBezTo>
+                  <a:lnTo>
+                    <a:pt x="643" y="406"/>
+                  </a:lnTo>
+                  <a:cubicBezTo>
+                    <a:pt x="732" y="317"/>
+                    <a:pt x="732" y="174"/>
+                    <a:pt x="643" y="67"/>
+                  </a:cubicBezTo>
+                  <a:cubicBezTo>
+                    <a:pt x="598" y="22"/>
+                    <a:pt x="536" y="0"/>
+                    <a:pt x="473" y="0"/>
+                  </a:cubicBezTo>
+                  <a:close/>
+                </a:path>
+              </a:pathLst>
+            </a:custGeom>
+            <a:solidFill>
+              <a:schemeClr val="accent2"/>
+            </a:solidFill>
+            <a:ln>
+              <a:noFill/>
+            </a:ln>
+          </p:spPr>
+          <p:txBody>
+            <a:bodyPr spcFirstLastPara="1" wrap="square" lIns="91425" tIns="91425" rIns="91425" bIns="91425" anchor="ctr" anchorCtr="0">
+              <a:noAutofit/>
+            </a:bodyPr>
+            <a:lstStyle/>
+            <a:p>
+              <a:pPr marL="0" lvl="0" indent="0" algn="l" rtl="0">
+                <a:spcBef>
+                  <a:spcPts val="0"/>
+                </a:spcBef>
+                <a:spcAft>
+                  <a:spcPts val="0"/>
+                </a:spcAft>
+                <a:buNone/>
+              </a:pPr>
+              <a:endParaRPr/>
+            </a:p>
+          </p:txBody>
+        </p:sp>
+        <p:sp>
+          <p:nvSpPr>
+            <p:cNvPr id="393" name="Google Shape;393;p38"/>
+            <p:cNvSpPr/>
+            <p:nvPr/>
+          </p:nvSpPr>
+          <p:spPr>
+            <a:xfrm>
+              <a:off x="5603834" y="2262497"/>
+              <a:ext cx="23883" cy="22484"/>
+            </a:xfrm>
+            <a:custGeom>
+              <a:avLst/>
+              <a:gdLst/>
+              <a:ahLst/>
+              <a:cxnLst/>
+              <a:rect l="l" t="t" r="r" b="b"/>
+              <a:pathLst>
+                <a:path w="733" h="690" extrusionOk="0">
+                  <a:moveTo>
+                    <a:pt x="465" y="0"/>
+                  </a:moveTo>
+                  <a:cubicBezTo>
+                    <a:pt x="405" y="0"/>
+                    <a:pt x="346" y="22"/>
+                    <a:pt x="304" y="65"/>
+                  </a:cubicBezTo>
+                  <a:lnTo>
+                    <a:pt x="108" y="279"/>
+                  </a:lnTo>
+                  <a:cubicBezTo>
+                    <a:pt x="1" y="368"/>
+                    <a:pt x="1" y="529"/>
+                    <a:pt x="108" y="618"/>
+                  </a:cubicBezTo>
+                  <a:cubicBezTo>
+                    <a:pt x="143" y="654"/>
+                    <a:pt x="215" y="689"/>
+                    <a:pt x="268" y="689"/>
+                  </a:cubicBezTo>
+                  <a:cubicBezTo>
+                    <a:pt x="322" y="689"/>
+                    <a:pt x="393" y="654"/>
+                    <a:pt x="429" y="618"/>
+                  </a:cubicBezTo>
+                  <a:lnTo>
+                    <a:pt x="643" y="404"/>
+                  </a:lnTo>
+                  <a:cubicBezTo>
+                    <a:pt x="732" y="315"/>
+                    <a:pt x="732" y="172"/>
+                    <a:pt x="643" y="83"/>
+                  </a:cubicBezTo>
+                  <a:cubicBezTo>
+                    <a:pt x="596" y="27"/>
+                    <a:pt x="530" y="0"/>
+                    <a:pt x="465" y="0"/>
+                  </a:cubicBezTo>
+                  <a:close/>
+                </a:path>
+              </a:pathLst>
+            </a:custGeom>
+            <a:solidFill>
+              <a:schemeClr val="accent2"/>
+            </a:solidFill>
+            <a:ln>
+              <a:noFill/>
+            </a:ln>
+          </p:spPr>
+          <p:txBody>
+            <a:bodyPr spcFirstLastPara="1" wrap="square" lIns="91425" tIns="91425" rIns="91425" bIns="91425" anchor="ctr" anchorCtr="0">
+              <a:noAutofit/>
+            </a:bodyPr>
+            <a:lstStyle/>
+            <a:p>
+              <a:pPr marL="0" lvl="0" indent="0" algn="l" rtl="0">
+                <a:spcBef>
+                  <a:spcPts val="0"/>
+                </a:spcBef>
+                <a:spcAft>
+                  <a:spcPts val="0"/>
+                </a:spcAft>
+                <a:buNone/>
+              </a:pPr>
+              <a:endParaRPr/>
+            </a:p>
+          </p:txBody>
+        </p:sp>
+        <p:sp>
+          <p:nvSpPr>
+            <p:cNvPr id="394" name="Google Shape;394;p38"/>
+            <p:cNvSpPr/>
+            <p:nvPr/>
+          </p:nvSpPr>
+          <p:spPr>
+            <a:xfrm>
+              <a:off x="5660235" y="2263507"/>
+              <a:ext cx="23296" cy="21474"/>
+            </a:xfrm>
+            <a:custGeom>
+              <a:avLst/>
+              <a:gdLst/>
+              <a:ahLst/>
+              <a:cxnLst/>
+              <a:rect l="l" t="t" r="r" b="b"/>
+              <a:pathLst>
+                <a:path w="715" h="659" extrusionOk="0">
+                  <a:moveTo>
+                    <a:pt x="252" y="0"/>
+                  </a:moveTo>
+                  <a:cubicBezTo>
+                    <a:pt x="186" y="0"/>
+                    <a:pt x="119" y="23"/>
+                    <a:pt x="72" y="70"/>
+                  </a:cubicBezTo>
+                  <a:cubicBezTo>
+                    <a:pt x="0" y="177"/>
+                    <a:pt x="0" y="319"/>
+                    <a:pt x="90" y="409"/>
+                  </a:cubicBezTo>
+                  <a:lnTo>
+                    <a:pt x="304" y="587"/>
+                  </a:lnTo>
+                  <a:cubicBezTo>
+                    <a:pt x="339" y="641"/>
+                    <a:pt x="393" y="658"/>
+                    <a:pt x="464" y="658"/>
+                  </a:cubicBezTo>
+                  <a:cubicBezTo>
+                    <a:pt x="518" y="658"/>
+                    <a:pt x="589" y="623"/>
+                    <a:pt x="625" y="569"/>
+                  </a:cubicBezTo>
+                  <a:cubicBezTo>
+                    <a:pt x="714" y="480"/>
+                    <a:pt x="714" y="337"/>
+                    <a:pt x="607" y="248"/>
+                  </a:cubicBezTo>
+                  <a:lnTo>
+                    <a:pt x="411" y="52"/>
+                  </a:lnTo>
+                  <a:cubicBezTo>
+                    <a:pt x="369" y="18"/>
+                    <a:pt x="311" y="0"/>
+                    <a:pt x="252" y="0"/>
+                  </a:cubicBezTo>
+                  <a:close/>
+                </a:path>
+              </a:pathLst>
+            </a:custGeom>
+            <a:solidFill>
+              <a:schemeClr val="accent2"/>
+            </a:solidFill>
+            <a:ln>
+              <a:noFill/>
+            </a:ln>
+          </p:spPr>
+          <p:txBody>
+            <a:bodyPr spcFirstLastPara="1" wrap="square" lIns="91425" tIns="91425" rIns="91425" bIns="91425" anchor="ctr" anchorCtr="0">
+              <a:noAutofit/>
+            </a:bodyPr>
+            <a:lstStyle/>
+            <a:p>
+              <a:pPr marL="0" lvl="0" indent="0" algn="l" rtl="0">
+                <a:spcBef>
+                  <a:spcPts val="0"/>
+                </a:spcBef>
+                <a:spcAft>
+                  <a:spcPts val="0"/>
+                </a:spcAft>
+                <a:buNone/>
+              </a:pPr>
+              <a:endParaRPr/>
+            </a:p>
+          </p:txBody>
+        </p:sp>
+        <p:sp>
+          <p:nvSpPr>
+            <p:cNvPr id="395" name="Google Shape;395;p38"/>
+            <p:cNvSpPr/>
+            <p:nvPr/>
+          </p:nvSpPr>
+          <p:spPr>
+            <a:xfrm>
+              <a:off x="5603834" y="2206614"/>
+              <a:ext cx="23883" cy="22549"/>
+            </a:xfrm>
+            <a:custGeom>
+              <a:avLst/>
+              <a:gdLst/>
+              <a:ahLst/>
+              <a:cxnLst/>
+              <a:rect l="l" t="t" r="r" b="b"/>
+              <a:pathLst>
+                <a:path w="733" h="692" extrusionOk="0">
+                  <a:moveTo>
+                    <a:pt x="268" y="0"/>
+                  </a:moveTo>
+                  <a:cubicBezTo>
+                    <a:pt x="210" y="0"/>
+                    <a:pt x="152" y="22"/>
+                    <a:pt x="108" y="67"/>
+                  </a:cubicBezTo>
+                  <a:cubicBezTo>
+                    <a:pt x="1" y="174"/>
+                    <a:pt x="1" y="317"/>
+                    <a:pt x="108" y="406"/>
+                  </a:cubicBezTo>
+                  <a:lnTo>
+                    <a:pt x="304" y="620"/>
+                  </a:lnTo>
+                  <a:cubicBezTo>
+                    <a:pt x="357" y="656"/>
+                    <a:pt x="411" y="692"/>
+                    <a:pt x="482" y="692"/>
+                  </a:cubicBezTo>
+                  <a:cubicBezTo>
+                    <a:pt x="536" y="692"/>
+                    <a:pt x="589" y="656"/>
+                    <a:pt x="643" y="620"/>
+                  </a:cubicBezTo>
+                  <a:cubicBezTo>
+                    <a:pt x="732" y="531"/>
+                    <a:pt x="732" y="370"/>
+                    <a:pt x="643" y="281"/>
+                  </a:cubicBezTo>
+                  <a:lnTo>
+                    <a:pt x="429" y="67"/>
+                  </a:lnTo>
+                  <a:cubicBezTo>
+                    <a:pt x="384" y="22"/>
+                    <a:pt x="326" y="0"/>
+                    <a:pt x="268" y="0"/>
+                  </a:cubicBezTo>
+                  <a:close/>
+                </a:path>
+              </a:pathLst>
+            </a:custGeom>
+            <a:solidFill>
+              <a:schemeClr val="accent2"/>
+            </a:solidFill>
+            <a:ln>
+              <a:noFill/>
+            </a:ln>
+          </p:spPr>
+          <p:txBody>
+            <a:bodyPr spcFirstLastPara="1" wrap="square" lIns="91425" tIns="91425" rIns="91425" bIns="91425" anchor="ctr" anchorCtr="0">
+              <a:noAutofit/>
+            </a:bodyPr>
+            <a:lstStyle/>
+            <a:p>
+              <a:pPr marL="0" lvl="0" indent="0" algn="l" rtl="0">
+                <a:spcBef>
+                  <a:spcPts val="0"/>
+                </a:spcBef>
+                <a:spcAft>
+                  <a:spcPts val="0"/>
+                </a:spcAft>
+                <a:buNone/>
+              </a:pPr>
+              <a:endParaRPr/>
+            </a:p>
+          </p:txBody>
+        </p:sp>
+        <p:sp>
+          <p:nvSpPr>
+            <p:cNvPr id="396" name="Google Shape;396;p38"/>
+            <p:cNvSpPr/>
+            <p:nvPr/>
+          </p:nvSpPr>
+          <p:spPr>
+            <a:xfrm>
+              <a:off x="5601521" y="2203551"/>
+              <a:ext cx="88396" cy="84330"/>
+            </a:xfrm>
+            <a:custGeom>
+              <a:avLst/>
+              <a:gdLst/>
+              <a:ahLst/>
+              <a:cxnLst/>
+              <a:rect l="l" t="t" r="r" b="b"/>
+              <a:pathLst>
+                <a:path w="2713" h="2588" extrusionOk="0">
+                  <a:moveTo>
+                    <a:pt x="1303" y="464"/>
+                  </a:moveTo>
+                  <a:cubicBezTo>
+                    <a:pt x="1517" y="464"/>
+                    <a:pt x="1731" y="554"/>
+                    <a:pt x="1874" y="714"/>
+                  </a:cubicBezTo>
+                  <a:cubicBezTo>
+                    <a:pt x="2213" y="1035"/>
+                    <a:pt x="2213" y="1553"/>
+                    <a:pt x="1874" y="1874"/>
+                  </a:cubicBezTo>
+                  <a:cubicBezTo>
+                    <a:pt x="1731" y="2035"/>
+                    <a:pt x="1517" y="2124"/>
+                    <a:pt x="1303" y="2124"/>
+                  </a:cubicBezTo>
+                  <a:cubicBezTo>
+                    <a:pt x="1071" y="2124"/>
+                    <a:pt x="874" y="2035"/>
+                    <a:pt x="714" y="1874"/>
+                  </a:cubicBezTo>
+                  <a:cubicBezTo>
+                    <a:pt x="553" y="1731"/>
+                    <a:pt x="464" y="1517"/>
+                    <a:pt x="464" y="1303"/>
+                  </a:cubicBezTo>
+                  <a:cubicBezTo>
+                    <a:pt x="464" y="1071"/>
+                    <a:pt x="553" y="875"/>
+                    <a:pt x="714" y="714"/>
+                  </a:cubicBezTo>
+                  <a:cubicBezTo>
+                    <a:pt x="874" y="554"/>
+                    <a:pt x="1071" y="464"/>
+                    <a:pt x="1303" y="464"/>
+                  </a:cubicBezTo>
+                  <a:close/>
+                  <a:moveTo>
+                    <a:pt x="1303" y="0"/>
+                  </a:moveTo>
+                  <a:cubicBezTo>
+                    <a:pt x="946" y="0"/>
+                    <a:pt x="625" y="143"/>
+                    <a:pt x="375" y="375"/>
+                  </a:cubicBezTo>
+                  <a:cubicBezTo>
+                    <a:pt x="143" y="625"/>
+                    <a:pt x="0" y="946"/>
+                    <a:pt x="0" y="1303"/>
+                  </a:cubicBezTo>
+                  <a:cubicBezTo>
+                    <a:pt x="0" y="1642"/>
+                    <a:pt x="143" y="1963"/>
+                    <a:pt x="375" y="2213"/>
+                  </a:cubicBezTo>
+                  <a:cubicBezTo>
+                    <a:pt x="625" y="2463"/>
+                    <a:pt x="946" y="2588"/>
+                    <a:pt x="1303" y="2588"/>
+                  </a:cubicBezTo>
+                  <a:cubicBezTo>
+                    <a:pt x="1642" y="2588"/>
+                    <a:pt x="1963" y="2463"/>
+                    <a:pt x="2213" y="2213"/>
+                  </a:cubicBezTo>
+                  <a:cubicBezTo>
+                    <a:pt x="2712" y="1713"/>
+                    <a:pt x="2712" y="893"/>
+                    <a:pt x="2213" y="375"/>
+                  </a:cubicBezTo>
+                  <a:cubicBezTo>
+                    <a:pt x="1963" y="143"/>
+                    <a:pt x="1642" y="0"/>
+                    <a:pt x="1303" y="0"/>
+                  </a:cubicBezTo>
+                  <a:close/>
+                </a:path>
+              </a:pathLst>
+            </a:custGeom>
+            <a:solidFill>
+              <a:schemeClr val="accent2"/>
+            </a:solidFill>
+            <a:ln>
+              <a:noFill/>
+            </a:ln>
+          </p:spPr>
+          <p:txBody>
+            <a:bodyPr spcFirstLastPara="1" wrap="square" lIns="91425" tIns="91425" rIns="91425" bIns="91425" anchor="ctr" anchorCtr="0">
+              <a:noAutofit/>
+            </a:bodyPr>
+            <a:lstStyle/>
+            <a:p>
+              <a:pPr marL="0" lvl="0" indent="0" algn="l" rtl="0">
+                <a:spcBef>
+                  <a:spcPts val="0"/>
+                </a:spcBef>
+                <a:spcAft>
+                  <a:spcPts val="0"/>
+                </a:spcAft>
+                <a:buNone/>
+              </a:pPr>
+              <a:endParaRPr/>
+            </a:p>
+          </p:txBody>
+        </p:sp>
+        <p:sp>
+          <p:nvSpPr>
+            <p:cNvPr id="397" name="Google Shape;397;p38"/>
+            <p:cNvSpPr/>
+            <p:nvPr/>
+          </p:nvSpPr>
+          <p:spPr>
+            <a:xfrm>
+              <a:off x="5635798" y="2237863"/>
+              <a:ext cx="15737" cy="15706"/>
+            </a:xfrm>
+            <a:custGeom>
+              <a:avLst/>
+              <a:gdLst/>
+              <a:ahLst/>
+              <a:cxnLst/>
+              <a:rect l="l" t="t" r="r" b="b"/>
+              <a:pathLst>
+                <a:path w="483" h="482" extrusionOk="0">
+                  <a:moveTo>
+                    <a:pt x="233" y="0"/>
+                  </a:moveTo>
+                  <a:cubicBezTo>
+                    <a:pt x="108" y="0"/>
+                    <a:pt x="1" y="107"/>
+                    <a:pt x="1" y="232"/>
+                  </a:cubicBezTo>
+                  <a:lnTo>
+                    <a:pt x="1" y="250"/>
+                  </a:lnTo>
+                  <a:cubicBezTo>
+                    <a:pt x="1" y="375"/>
+                    <a:pt x="108" y="482"/>
+                    <a:pt x="233" y="482"/>
+                  </a:cubicBezTo>
+                  <a:cubicBezTo>
+                    <a:pt x="376" y="482"/>
+                    <a:pt x="483" y="375"/>
+                    <a:pt x="483" y="250"/>
+                  </a:cubicBezTo>
+                  <a:lnTo>
+                    <a:pt x="483" y="232"/>
+                  </a:lnTo>
+                  <a:cubicBezTo>
+                    <a:pt x="483" y="107"/>
+                    <a:pt x="376" y="0"/>
+                    <a:pt x="233" y="0"/>
+                  </a:cubicBezTo>
+                  <a:close/>
+                </a:path>
+              </a:pathLst>
+            </a:custGeom>
+            <a:solidFill>
+              <a:schemeClr val="accent2"/>
+            </a:solidFill>
+            <a:ln>
+              <a:noFill/>
+            </a:ln>
+          </p:spPr>
+          <p:txBody>
+            <a:bodyPr spcFirstLastPara="1" wrap="square" lIns="91425" tIns="91425" rIns="91425" bIns="91425" anchor="ctr" anchorCtr="0">
+              <a:noAutofit/>
+            </a:bodyPr>
+            <a:lstStyle/>
+            <a:p>
+              <a:pPr marL="0" lvl="0" indent="0" algn="l" rtl="0">
+                <a:spcBef>
+                  <a:spcPts val="0"/>
+                </a:spcBef>
+                <a:spcAft>
+                  <a:spcPts val="0"/>
+                </a:spcAft>
+                <a:buNone/>
+              </a:pPr>
+              <a:endParaRPr/>
+            </a:p>
+          </p:txBody>
+        </p:sp>
+      </p:grpSp>
+      <p:sp>
+        <p:nvSpPr>
+          <p:cNvPr id="398" name="Google Shape;398;p38"/>
           <p:cNvSpPr txBox="1">
             <a:spLocks noGrp="1"/>
           </p:cNvSpPr>
           <p:nvPr>
-            <p:ph type="ctrTitle"/>
+            <p:ph type="body" idx="1"/>
           </p:nvPr>
         </p:nvSpPr>
         <p:spPr>
           <a:xfrm>
-            <a:off x="713250" y="992787"/>
-            <a:ext cx="7717500" cy="591300"/>
+            <a:off x="679133" y="1650394"/>
+            <a:ext cx="4588755" cy="2725680"/>
           </a:xfrm>
           <a:prstGeom prst="rect">
             <a:avLst/>
@@ -20115,6 +21685,133 @@
           </a:bodyPr>
           <a:lstStyle/>
           <a:p>
+            <a:pPr marL="320040" lvl="0" indent="-317500" algn="l" rtl="0">
+              <a:lnSpc>
+                <a:spcPct val="100000"/>
+              </a:lnSpc>
+              <a:spcBef>
+                <a:spcPts val="1000"/>
+              </a:spcBef>
+              <a:spcAft>
+                <a:spcPts val="0"/>
+              </a:spcAft>
+              <a:buClr>
+                <a:schemeClr val="dk1"/>
+              </a:buClr>
+              <a:buSzPts val="1400"/>
+              <a:buFont typeface="Manrope Medium"/>
+              <a:buChar char="●"/>
+            </a:pPr>
+            <a:r>
+              <a:rPr lang="en-US" dirty="0" err="1" smtClean="0"/>
+              <a:t>WeatherData</a:t>
+            </a:r>
+            <a:endParaRPr lang="en-US" dirty="0" smtClean="0"/>
+          </a:p>
+          <a:p>
+            <a:pPr marL="288290" lvl="0" indent="-285750" algn="l" rtl="0">
+              <a:lnSpc>
+                <a:spcPct val="100000"/>
+              </a:lnSpc>
+              <a:spcBef>
+                <a:spcPts val="1000"/>
+              </a:spcBef>
+              <a:spcAft>
+                <a:spcPts val="0"/>
+              </a:spcAft>
+              <a:buClr>
+                <a:schemeClr val="dk1"/>
+              </a:buClr>
+              <a:buSzPts val="1400"/>
+              <a:buFontTx/>
+              <a:buChar char="-"/>
+            </a:pPr>
+            <a:r>
+              <a:rPr lang="en-US" dirty="0" smtClean="0"/>
+              <a:t>Weather data implements the Subject interface.</a:t>
+            </a:r>
+          </a:p>
+          <a:p>
+            <a:pPr marL="288290" lvl="0" indent="-285750" algn="l" rtl="0">
+              <a:lnSpc>
+                <a:spcPct val="100000"/>
+              </a:lnSpc>
+              <a:spcBef>
+                <a:spcPts val="1000"/>
+              </a:spcBef>
+              <a:spcAft>
+                <a:spcPts val="0"/>
+              </a:spcAft>
+              <a:buClr>
+                <a:schemeClr val="dk1"/>
+              </a:buClr>
+              <a:buSzPts val="1400"/>
+              <a:buFontTx/>
+              <a:buChar char="-"/>
+            </a:pPr>
+            <a:r>
+              <a:rPr lang="en-US" dirty="0" smtClean="0"/>
+              <a:t>Contains three methods return the most recent weather measurements.</a:t>
+            </a:r>
+          </a:p>
+          <a:p>
+            <a:pPr marL="288290" lvl="0" indent="-285750" algn="l" rtl="0">
+              <a:lnSpc>
+                <a:spcPct val="100000"/>
+              </a:lnSpc>
+              <a:spcBef>
+                <a:spcPts val="1000"/>
+              </a:spcBef>
+              <a:spcAft>
+                <a:spcPts val="0"/>
+              </a:spcAft>
+              <a:buClr>
+                <a:schemeClr val="dk1"/>
+              </a:buClr>
+              <a:buSzPts val="1400"/>
+              <a:buFontTx/>
+              <a:buChar char="-"/>
+            </a:pPr>
+            <a:r>
+              <a:rPr lang="en-US" dirty="0" smtClean="0"/>
+              <a:t>Every time the weather measurements update, </a:t>
+            </a:r>
+            <a:r>
+              <a:rPr lang="en-US" dirty="0" err="1" smtClean="0"/>
+              <a:t>measurementsChanged</a:t>
+            </a:r>
+            <a:r>
+              <a:rPr lang="en-US" dirty="0" smtClean="0"/>
+              <a:t>() is called.</a:t>
+            </a:r>
+          </a:p>
+        </p:txBody>
+      </p:sp>
+      <p:sp>
+        <p:nvSpPr>
+          <p:cNvPr id="399" name="Google Shape;399;p38"/>
+          <p:cNvSpPr txBox="1">
+            <a:spLocks noGrp="1"/>
+          </p:cNvSpPr>
+          <p:nvPr>
+            <p:ph type="ctrTitle"/>
+          </p:nvPr>
+        </p:nvSpPr>
+        <p:spPr>
+          <a:xfrm>
+            <a:off x="679133" y="1029425"/>
+            <a:ext cx="7785733" cy="427425"/>
+          </a:xfrm>
+          <a:prstGeom prst="rect">
+            <a:avLst/>
+          </a:prstGeom>
+        </p:spPr>
+        <p:txBody>
+          <a:bodyPr spcFirstLastPara="1" wrap="square" lIns="91425" tIns="91425" rIns="91425" bIns="91425" anchor="b" anchorCtr="0">
+            <a:noAutofit/>
+          </a:bodyPr>
+          <a:lstStyle/>
+          <a:p>
             <a:pPr marL="0" lvl="0" indent="0" algn="ctr" rtl="0">
               <a:spcBef>
                 <a:spcPts val="0"/>
@@ -20126,35 +21823,18 @@
             </a:pPr>
             <a:r>
               <a:rPr lang="en" dirty="0" smtClean="0"/>
-              <a:t>Description</a:t>
+              <a:t>Explain</a:t>
             </a:r>
             <a:endParaRPr dirty="0"/>
           </a:p>
         </p:txBody>
       </p:sp>
-      <p:graphicFrame>
-        <p:nvGraphicFramePr>
-          <p:cNvPr id="6" name="Diagram 5"/>
-          <p:cNvGraphicFramePr/>
-          <p:nvPr>
-            <p:extLst>
-              <p:ext uri="{D42A27DB-BD31-4B8C-83A1-F6EECF244321}">
-                <p14:modId xmlns:p14="http://schemas.microsoft.com/office/powerpoint/2010/main" val="2407513278"/>
-              </p:ext>
-            </p:extLst>
-          </p:nvPr>
-        </p:nvGraphicFramePr>
-        <p:xfrm>
-          <a:off x="1118625" y="1581550"/>
-          <a:ext cx="6906750" cy="3039900"/>
-        </p:xfrm>
-        <a:graphic>
-          <a:graphicData uri="http://schemas.openxmlformats.org/drawingml/2006/diagram">
-            <dgm:relIds xmlns:dgm="http://schemas.openxmlformats.org/drawingml/2006/diagram" xmlns:r="http://schemas.openxmlformats.org/officeDocument/2006/relationships" r:dm="rId9" r:lo="rId10" r:qs="rId11" r:cs="rId12"/>
-          </a:graphicData>
-        </a:graphic>
-      </p:graphicFrame>
     </p:spTree>
+    <p:extLst>
+      <p:ext uri="{BB962C8B-B14F-4D97-AF65-F5344CB8AC3E}">
+        <p14:creationId xmlns:p14="http://schemas.microsoft.com/office/powerpoint/2010/main" val="2630275828"/>
+      </p:ext>
+    </p:extLst>
   </p:cSld>
   <p:clrMapOvr>
     <a:masterClrMapping/>
@@ -20875,809 +22555,6 @@
             </a:pPr>
             <a:r>
               <a:rPr lang="en" dirty="0" smtClean="0"/>
-              <a:t>Implementation (Subject)</a:t>
-            </a:r>
-            <a:endParaRPr dirty="0"/>
-          </a:p>
-        </p:txBody>
-      </p:sp>
-      <p:pic>
-        <p:nvPicPr>
-          <p:cNvPr id="2" name="Picture 1"/>
-          <p:cNvPicPr>
-            <a:picLocks noChangeAspect="1"/>
-          </p:cNvPicPr>
-          <p:nvPr/>
-        </p:nvPicPr>
-        <p:blipFill>
-          <a:blip r:embed="rId9"/>
-          <a:stretch>
-            <a:fillRect/>
-          </a:stretch>
-        </p:blipFill>
-        <p:spPr>
-          <a:xfrm>
-            <a:off x="167400" y="2452686"/>
-            <a:ext cx="2751169" cy="1173290"/>
-          </a:xfrm>
-          <a:prstGeom prst="rect">
-            <a:avLst/>
-          </a:prstGeom>
-        </p:spPr>
-      </p:pic>
-      <p:pic>
-        <p:nvPicPr>
-          <p:cNvPr id="3" name="Picture 2"/>
-          <p:cNvPicPr>
-            <a:picLocks noChangeAspect="1"/>
-          </p:cNvPicPr>
-          <p:nvPr/>
-        </p:nvPicPr>
-        <p:blipFill>
-          <a:blip r:embed="rId10"/>
-          <a:stretch>
-            <a:fillRect/>
-          </a:stretch>
-        </p:blipFill>
-        <p:spPr>
-          <a:xfrm>
-            <a:off x="2918569" y="1226287"/>
-            <a:ext cx="2725615" cy="3593805"/>
-          </a:xfrm>
-          <a:prstGeom prst="rect">
-            <a:avLst/>
-          </a:prstGeom>
-        </p:spPr>
-      </p:pic>
-      <p:pic>
-        <p:nvPicPr>
-          <p:cNvPr id="4" name="Picture 3"/>
-          <p:cNvPicPr>
-            <a:picLocks noChangeAspect="1"/>
-          </p:cNvPicPr>
-          <p:nvPr/>
-        </p:nvPicPr>
-        <p:blipFill rotWithShape="1">
-          <a:blip r:embed="rId11"/>
-          <a:srcRect l="8869"/>
-          <a:stretch/>
-        </p:blipFill>
-        <p:spPr>
-          <a:xfrm>
-            <a:off x="5200379" y="1596985"/>
-            <a:ext cx="3618271" cy="2747516"/>
-          </a:xfrm>
-          <a:prstGeom prst="rect">
-            <a:avLst/>
-          </a:prstGeom>
-        </p:spPr>
-      </p:pic>
-    </p:spTree>
-    <p:extLst>
-      <p:ext uri="{BB962C8B-B14F-4D97-AF65-F5344CB8AC3E}">
-        <p14:creationId xmlns:p14="http://schemas.microsoft.com/office/powerpoint/2010/main" val="3458960303"/>
-      </p:ext>
-    </p:extLst>
-  </p:cSld>
-  <p:clrMapOvr>
-    <a:masterClrMapping/>
-  </p:clrMapOvr>
-  <p:timing>
-    <p:tnLst>
-      <p:par>
-        <p:cTn id="1" dur="indefinite" restart="never" nodeType="tmRoot"/>
-      </p:par>
-    </p:tnLst>
-  </p:timing>
-</p:sld>
-</file>
-
-<file path=ppt/slides/slide13.xml><?xml version="1.0" encoding="utf-8"?>
-<p:sld xmlns:a="http://schemas.openxmlformats.org/drawingml/2006/main" xmlns:r="http://schemas.openxmlformats.org/officeDocument/2006/relationships" xmlns:p="http://schemas.openxmlformats.org/presentationml/2006/main">
-  <p:cSld>
-    <p:spTree>
-      <p:nvGrpSpPr>
-        <p:cNvPr id="1" name="Shape 199"/>
-        <p:cNvGrpSpPr/>
-        <p:nvPr/>
-      </p:nvGrpSpPr>
-      <p:grpSpPr>
-        <a:xfrm>
-          <a:off x="0" y="0"/>
-          <a:ext cx="0" cy="0"/>
-          <a:chOff x="0" y="0"/>
-          <a:chExt cx="0" cy="0"/>
-        </a:xfrm>
-      </p:grpSpPr>
-      <p:sp>
-        <p:nvSpPr>
-          <p:cNvPr id="200" name="Google Shape;200;p32">
-            <a:hlinkClick r:id="rId3" action="ppaction://hlinksldjump"/>
-          </p:cNvPr>
-          <p:cNvSpPr/>
-          <p:nvPr/>
-        </p:nvSpPr>
-        <p:spPr>
-          <a:xfrm>
-            <a:off x="7875150" y="325200"/>
-            <a:ext cx="943500" cy="384600"/>
-          </a:xfrm>
-          <a:prstGeom prst="round1Rect">
-            <a:avLst>
-              <a:gd name="adj" fmla="val 50000"/>
-            </a:avLst>
-          </a:prstGeom>
-          <a:noFill/>
-          <a:ln>
-            <a:noFill/>
-          </a:ln>
-        </p:spPr>
-        <p:txBody>
-          <a:bodyPr spcFirstLastPara="1" wrap="square" lIns="91425" tIns="91425" rIns="91425" bIns="91425" anchor="ctr" anchorCtr="0">
-            <a:noAutofit/>
-          </a:bodyPr>
-          <a:lstStyle/>
-          <a:p>
-            <a:pPr marL="0" lvl="0" indent="0" algn="ctr" rtl="0">
-              <a:spcBef>
-                <a:spcPts val="0"/>
-              </a:spcBef>
-              <a:spcAft>
-                <a:spcPts val="0"/>
-              </a:spcAft>
-              <a:buNone/>
-            </a:pPr>
-            <a:r>
-              <a:rPr lang="en" sz="1200">
-                <a:solidFill>
-                  <a:schemeClr val="lt1"/>
-                </a:solidFill>
-                <a:latin typeface="Be Vietnam Pro"/>
-                <a:ea typeface="Be Vietnam Pro"/>
-                <a:cs typeface="Be Vietnam Pro"/>
-                <a:sym typeface="Be Vietnam Pro"/>
-              </a:rPr>
-              <a:t>Expand</a:t>
-            </a:r>
-            <a:endParaRPr>
-              <a:solidFill>
-                <a:schemeClr val="lt1"/>
-              </a:solidFill>
-            </a:endParaRPr>
-          </a:p>
-        </p:txBody>
-      </p:sp>
-      <p:sp>
-        <p:nvSpPr>
-          <p:cNvPr id="201" name="Google Shape;201;p32">
-            <a:hlinkClick r:id="rId4" action="ppaction://hlinksldjump"/>
-          </p:cNvPr>
-          <p:cNvSpPr/>
-          <p:nvPr/>
-        </p:nvSpPr>
-        <p:spPr>
-          <a:xfrm>
-            <a:off x="2213575" y="325200"/>
-            <a:ext cx="943500" cy="384600"/>
-          </a:xfrm>
-          <a:prstGeom prst="roundRect">
-            <a:avLst>
-              <a:gd name="adj" fmla="val 5994"/>
-            </a:avLst>
-          </a:prstGeom>
-          <a:noFill/>
-          <a:ln>
-            <a:noFill/>
-          </a:ln>
-        </p:spPr>
-        <p:txBody>
-          <a:bodyPr spcFirstLastPara="1" wrap="square" lIns="0" tIns="0" rIns="0" bIns="0" anchor="ctr" anchorCtr="0">
-            <a:noAutofit/>
-          </a:bodyPr>
-          <a:lstStyle/>
-          <a:p>
-            <a:pPr marL="0" lvl="0" indent="0" algn="ctr" rtl="0">
-              <a:spcBef>
-                <a:spcPts val="0"/>
-              </a:spcBef>
-              <a:spcAft>
-                <a:spcPts val="0"/>
-              </a:spcAft>
-              <a:buNone/>
-            </a:pPr>
-            <a:r>
-              <a:rPr lang="en" sz="1200">
-                <a:solidFill>
-                  <a:schemeClr val="lt1"/>
-                </a:solidFill>
-                <a:latin typeface="Be Vietnam Pro"/>
-                <a:ea typeface="Be Vietnam Pro"/>
-                <a:cs typeface="Be Vietnam Pro"/>
-                <a:sym typeface="Be Vietnam Pro"/>
-              </a:rPr>
-              <a:t>Hook</a:t>
-            </a:r>
-            <a:endParaRPr sz="1200">
-              <a:solidFill>
-                <a:schemeClr val="lt1"/>
-              </a:solidFill>
-              <a:latin typeface="Be Vietnam Pro"/>
-              <a:ea typeface="Be Vietnam Pro"/>
-              <a:cs typeface="Be Vietnam Pro"/>
-              <a:sym typeface="Be Vietnam Pro"/>
-            </a:endParaRPr>
-          </a:p>
-        </p:txBody>
-      </p:sp>
-      <p:sp>
-        <p:nvSpPr>
-          <p:cNvPr id="202" name="Google Shape;202;p32">
-            <a:hlinkClick r:id="rId5" action="ppaction://hlinksldjump"/>
-          </p:cNvPr>
-          <p:cNvSpPr/>
-          <p:nvPr/>
-        </p:nvSpPr>
-        <p:spPr>
-          <a:xfrm>
-            <a:off x="3156900" y="325200"/>
-            <a:ext cx="943500" cy="384600"/>
-          </a:xfrm>
-          <a:prstGeom prst="roundRect">
-            <a:avLst>
-              <a:gd name="adj" fmla="val 5994"/>
-            </a:avLst>
-          </a:prstGeom>
-          <a:noFill/>
-          <a:ln>
-            <a:noFill/>
-          </a:ln>
-        </p:spPr>
-        <p:txBody>
-          <a:bodyPr spcFirstLastPara="1" wrap="square" lIns="0" tIns="0" rIns="0" bIns="0" anchor="ctr" anchorCtr="0">
-            <a:noAutofit/>
-          </a:bodyPr>
-          <a:lstStyle/>
-          <a:p>
-            <a:pPr marL="0" lvl="0" indent="0" algn="ctr" rtl="0">
-              <a:spcBef>
-                <a:spcPts val="0"/>
-              </a:spcBef>
-              <a:spcAft>
-                <a:spcPts val="0"/>
-              </a:spcAft>
-              <a:buNone/>
-            </a:pPr>
-            <a:r>
-              <a:rPr lang="en" sz="1200">
-                <a:solidFill>
-                  <a:schemeClr val="lt1"/>
-                </a:solidFill>
-                <a:latin typeface="Be Vietnam Pro"/>
-                <a:ea typeface="Be Vietnam Pro"/>
-                <a:cs typeface="Be Vietnam Pro"/>
-                <a:sym typeface="Be Vietnam Pro"/>
-              </a:rPr>
-              <a:t>Explore</a:t>
-            </a:r>
-            <a:endParaRPr sz="1200">
-              <a:solidFill>
-                <a:schemeClr val="lt1"/>
-              </a:solidFill>
-              <a:latin typeface="Be Vietnam Pro"/>
-              <a:ea typeface="Be Vietnam Pro"/>
-              <a:cs typeface="Be Vietnam Pro"/>
-              <a:sym typeface="Be Vietnam Pro"/>
-            </a:endParaRPr>
-          </a:p>
-        </p:txBody>
-      </p:sp>
-      <p:sp>
-        <p:nvSpPr>
-          <p:cNvPr id="203" name="Google Shape;203;p32">
-            <a:hlinkClick r:id="rId4" action="ppaction://hlinksldjump"/>
-          </p:cNvPr>
-          <p:cNvSpPr/>
-          <p:nvPr/>
-        </p:nvSpPr>
-        <p:spPr>
-          <a:xfrm>
-            <a:off x="4100250" y="325200"/>
-            <a:ext cx="943500" cy="384600"/>
-          </a:xfrm>
-          <a:prstGeom prst="roundRect">
-            <a:avLst>
-              <a:gd name="adj" fmla="val 5994"/>
-            </a:avLst>
-          </a:prstGeom>
-          <a:noFill/>
-          <a:ln>
-            <a:noFill/>
-          </a:ln>
-        </p:spPr>
-        <p:txBody>
-          <a:bodyPr spcFirstLastPara="1" wrap="square" lIns="0" tIns="0" rIns="0" bIns="0" anchor="ctr" anchorCtr="0">
-            <a:noAutofit/>
-          </a:bodyPr>
-          <a:lstStyle/>
-          <a:p>
-            <a:pPr marL="0" lvl="0" indent="0" algn="ctr" rtl="0">
-              <a:spcBef>
-                <a:spcPts val="0"/>
-              </a:spcBef>
-              <a:spcAft>
-                <a:spcPts val="0"/>
-              </a:spcAft>
-              <a:buNone/>
-            </a:pPr>
-            <a:r>
-              <a:rPr lang="en" sz="1200">
-                <a:solidFill>
-                  <a:schemeClr val="lt1"/>
-                </a:solidFill>
-                <a:latin typeface="Be Vietnam Pro"/>
-                <a:ea typeface="Be Vietnam Pro"/>
-                <a:cs typeface="Be Vietnam Pro"/>
-                <a:sym typeface="Be Vietnam Pro"/>
-              </a:rPr>
-              <a:t>Explain</a:t>
-            </a:r>
-            <a:endParaRPr sz="1200">
-              <a:solidFill>
-                <a:schemeClr val="lt1"/>
-              </a:solidFill>
-              <a:latin typeface="Be Vietnam Pro"/>
-              <a:ea typeface="Be Vietnam Pro"/>
-              <a:cs typeface="Be Vietnam Pro"/>
-              <a:sym typeface="Be Vietnam Pro"/>
-            </a:endParaRPr>
-          </a:p>
-        </p:txBody>
-      </p:sp>
-      <p:sp>
-        <p:nvSpPr>
-          <p:cNvPr id="204" name="Google Shape;204;p32">
-            <a:hlinkClick r:id="rId6" action="ppaction://hlinksldjump"/>
-          </p:cNvPr>
-          <p:cNvSpPr/>
-          <p:nvPr/>
-        </p:nvSpPr>
-        <p:spPr>
-          <a:xfrm>
-            <a:off x="5043600" y="325200"/>
-            <a:ext cx="943500" cy="384600"/>
-          </a:xfrm>
-          <a:prstGeom prst="roundRect">
-            <a:avLst>
-              <a:gd name="adj" fmla="val 5994"/>
-            </a:avLst>
-          </a:prstGeom>
-          <a:noFill/>
-          <a:ln>
-            <a:noFill/>
-          </a:ln>
-        </p:spPr>
-        <p:txBody>
-          <a:bodyPr spcFirstLastPara="1" wrap="square" lIns="0" tIns="0" rIns="0" bIns="0" anchor="ctr" anchorCtr="0">
-            <a:noAutofit/>
-          </a:bodyPr>
-          <a:lstStyle/>
-          <a:p>
-            <a:pPr marL="0" lvl="0" indent="0" algn="ctr" rtl="0">
-              <a:spcBef>
-                <a:spcPts val="0"/>
-              </a:spcBef>
-              <a:spcAft>
-                <a:spcPts val="0"/>
-              </a:spcAft>
-              <a:buNone/>
-            </a:pPr>
-            <a:r>
-              <a:rPr lang="en" sz="1200">
-                <a:solidFill>
-                  <a:schemeClr val="lt1"/>
-                </a:solidFill>
-                <a:latin typeface="Be Vietnam Pro"/>
-                <a:ea typeface="Be Vietnam Pro"/>
-                <a:cs typeface="Be Vietnam Pro"/>
-                <a:sym typeface="Be Vietnam Pro"/>
-              </a:rPr>
-              <a:t>Apply</a:t>
-            </a:r>
-            <a:endParaRPr sz="1200">
-              <a:solidFill>
-                <a:schemeClr val="lt1"/>
-              </a:solidFill>
-              <a:latin typeface="Be Vietnam Pro"/>
-              <a:ea typeface="Be Vietnam Pro"/>
-              <a:cs typeface="Be Vietnam Pro"/>
-              <a:sym typeface="Be Vietnam Pro"/>
-            </a:endParaRPr>
-          </a:p>
-        </p:txBody>
-      </p:sp>
-      <p:sp>
-        <p:nvSpPr>
-          <p:cNvPr id="205" name="Google Shape;205;p32">
-            <a:hlinkClick r:id="rId7" action="ppaction://hlinksldjump"/>
-          </p:cNvPr>
-          <p:cNvSpPr/>
-          <p:nvPr/>
-        </p:nvSpPr>
-        <p:spPr>
-          <a:xfrm>
-            <a:off x="5986950" y="325200"/>
-            <a:ext cx="943500" cy="384600"/>
-          </a:xfrm>
-          <a:prstGeom prst="roundRect">
-            <a:avLst>
-              <a:gd name="adj" fmla="val 5994"/>
-            </a:avLst>
-          </a:prstGeom>
-          <a:noFill/>
-          <a:ln>
-            <a:noFill/>
-          </a:ln>
-        </p:spPr>
-        <p:txBody>
-          <a:bodyPr spcFirstLastPara="1" wrap="square" lIns="0" tIns="0" rIns="0" bIns="0" anchor="ctr" anchorCtr="0">
-            <a:noAutofit/>
-          </a:bodyPr>
-          <a:lstStyle/>
-          <a:p>
-            <a:pPr marL="0" lvl="0" indent="0" algn="ctr" rtl="0">
-              <a:spcBef>
-                <a:spcPts val="0"/>
-              </a:spcBef>
-              <a:spcAft>
-                <a:spcPts val="0"/>
-              </a:spcAft>
-              <a:buNone/>
-            </a:pPr>
-            <a:r>
-              <a:rPr lang="en" sz="1200">
-                <a:solidFill>
-                  <a:schemeClr val="lt1"/>
-                </a:solidFill>
-                <a:latin typeface="Be Vietnam Pro"/>
-                <a:ea typeface="Be Vietnam Pro"/>
-                <a:cs typeface="Be Vietnam Pro"/>
-                <a:sym typeface="Be Vietnam Pro"/>
-              </a:rPr>
-              <a:t>Share</a:t>
-            </a:r>
-            <a:endParaRPr sz="1200">
-              <a:solidFill>
-                <a:schemeClr val="lt1"/>
-              </a:solidFill>
-              <a:latin typeface="Be Vietnam Pro"/>
-              <a:ea typeface="Be Vietnam Pro"/>
-              <a:cs typeface="Be Vietnam Pro"/>
-              <a:sym typeface="Be Vietnam Pro"/>
-            </a:endParaRPr>
-          </a:p>
-        </p:txBody>
-      </p:sp>
-      <p:sp>
-        <p:nvSpPr>
-          <p:cNvPr id="206" name="Google Shape;206;p32">
-            <a:hlinkClick r:id="rId8" action="ppaction://hlinksldjump"/>
-          </p:cNvPr>
-          <p:cNvSpPr/>
-          <p:nvPr/>
-        </p:nvSpPr>
-        <p:spPr>
-          <a:xfrm>
-            <a:off x="6930300" y="325200"/>
-            <a:ext cx="943500" cy="384600"/>
-          </a:xfrm>
-          <a:prstGeom prst="roundRect">
-            <a:avLst>
-              <a:gd name="adj" fmla="val 5994"/>
-            </a:avLst>
-          </a:prstGeom>
-          <a:noFill/>
-          <a:ln>
-            <a:noFill/>
-          </a:ln>
-        </p:spPr>
-        <p:txBody>
-          <a:bodyPr spcFirstLastPara="1" wrap="square" lIns="0" tIns="0" rIns="0" bIns="0" anchor="ctr" anchorCtr="0">
-            <a:noAutofit/>
-          </a:bodyPr>
-          <a:lstStyle/>
-          <a:p>
-            <a:pPr marL="0" lvl="0" indent="0" algn="ctr" rtl="0">
-              <a:spcBef>
-                <a:spcPts val="0"/>
-              </a:spcBef>
-              <a:spcAft>
-                <a:spcPts val="0"/>
-              </a:spcAft>
-              <a:buNone/>
-            </a:pPr>
-            <a:r>
-              <a:rPr lang="en" sz="1200">
-                <a:solidFill>
-                  <a:schemeClr val="lt1"/>
-                </a:solidFill>
-                <a:latin typeface="Be Vietnam Pro"/>
-                <a:ea typeface="Be Vietnam Pro"/>
-                <a:cs typeface="Be Vietnam Pro"/>
-                <a:sym typeface="Be Vietnam Pro"/>
-              </a:rPr>
-              <a:t>Evaluate</a:t>
-            </a:r>
-            <a:endParaRPr sz="1200">
-              <a:solidFill>
-                <a:schemeClr val="lt1"/>
-              </a:solidFill>
-              <a:latin typeface="Be Vietnam Pro"/>
-              <a:ea typeface="Be Vietnam Pro"/>
-              <a:cs typeface="Be Vietnam Pro"/>
-              <a:sym typeface="Be Vietnam Pro"/>
-            </a:endParaRPr>
-          </a:p>
-        </p:txBody>
-      </p:sp>
-      <p:sp>
-        <p:nvSpPr>
-          <p:cNvPr id="207" name="Google Shape;207;p32"/>
-          <p:cNvSpPr/>
-          <p:nvPr/>
-        </p:nvSpPr>
-        <p:spPr>
-          <a:xfrm>
-            <a:off x="1270200" y="325200"/>
-            <a:ext cx="943500" cy="384600"/>
-          </a:xfrm>
-          <a:prstGeom prst="roundRect">
-            <a:avLst>
-              <a:gd name="adj" fmla="val 5994"/>
-            </a:avLst>
-          </a:prstGeom>
-          <a:solidFill>
-            <a:schemeClr val="dk2"/>
-          </a:solidFill>
-          <a:ln>
-            <a:noFill/>
-          </a:ln>
-        </p:spPr>
-        <p:txBody>
-          <a:bodyPr spcFirstLastPara="1" wrap="square" lIns="0" tIns="0" rIns="0" bIns="0" anchor="ctr" anchorCtr="0">
-            <a:noAutofit/>
-          </a:bodyPr>
-          <a:lstStyle/>
-          <a:p>
-            <a:pPr marL="0" lvl="0" indent="0" algn="ctr" rtl="0">
-              <a:spcBef>
-                <a:spcPts val="0"/>
-              </a:spcBef>
-              <a:spcAft>
-                <a:spcPts val="0"/>
-              </a:spcAft>
-              <a:buNone/>
-            </a:pPr>
-            <a:r>
-              <a:rPr lang="en" sz="1200" b="1">
-                <a:solidFill>
-                  <a:schemeClr val="lt2"/>
-                </a:solidFill>
-                <a:latin typeface="Be Vietnam Pro"/>
-                <a:ea typeface="Be Vietnam Pro"/>
-                <a:cs typeface="Be Vietnam Pro"/>
-                <a:sym typeface="Be Vietnam Pro"/>
-              </a:rPr>
-              <a:t>Intro</a:t>
-            </a:r>
-            <a:endParaRPr sz="1200" b="1">
-              <a:solidFill>
-                <a:schemeClr val="lt2"/>
-              </a:solidFill>
-              <a:latin typeface="Be Vietnam Pro"/>
-              <a:ea typeface="Be Vietnam Pro"/>
-              <a:cs typeface="Be Vietnam Pro"/>
-              <a:sym typeface="Be Vietnam Pro"/>
-            </a:endParaRPr>
-          </a:p>
-        </p:txBody>
-      </p:sp>
-      <p:grpSp>
-        <p:nvGrpSpPr>
-          <p:cNvPr id="208" name="Google Shape;208;p32"/>
-          <p:cNvGrpSpPr/>
-          <p:nvPr/>
-        </p:nvGrpSpPr>
-        <p:grpSpPr>
-          <a:xfrm>
-            <a:off x="494850" y="447775"/>
-            <a:ext cx="591732" cy="139500"/>
-            <a:chOff x="494850" y="447775"/>
-            <a:chExt cx="591732" cy="139500"/>
-          </a:xfrm>
-        </p:grpSpPr>
-        <p:sp>
-          <p:nvSpPr>
-            <p:cNvPr id="209" name="Google Shape;209;p32"/>
-            <p:cNvSpPr/>
-            <p:nvPr/>
-          </p:nvSpPr>
-          <p:spPr>
-            <a:xfrm>
-              <a:off x="947082" y="447775"/>
-              <a:ext cx="139500" cy="139500"/>
-            </a:xfrm>
-            <a:prstGeom prst="ellipse">
-              <a:avLst/>
-            </a:prstGeom>
-            <a:solidFill>
-              <a:schemeClr val="accent3"/>
-            </a:solidFill>
-            <a:ln>
-              <a:noFill/>
-            </a:ln>
-          </p:spPr>
-          <p:txBody>
-            <a:bodyPr spcFirstLastPara="1" wrap="square" lIns="91425" tIns="91425" rIns="91425" bIns="91425" anchor="ctr" anchorCtr="0">
-              <a:noAutofit/>
-            </a:bodyPr>
-            <a:lstStyle/>
-            <a:p>
-              <a:pPr marL="0" lvl="0" indent="0" algn="l" rtl="0">
-                <a:spcBef>
-                  <a:spcPts val="0"/>
-                </a:spcBef>
-                <a:spcAft>
-                  <a:spcPts val="0"/>
-                </a:spcAft>
-                <a:buNone/>
-              </a:pPr>
-              <a:endParaRPr/>
-            </a:p>
-          </p:txBody>
-        </p:sp>
-        <p:sp>
-          <p:nvSpPr>
-            <p:cNvPr id="210" name="Google Shape;210;p32"/>
-            <p:cNvSpPr/>
-            <p:nvPr/>
-          </p:nvSpPr>
-          <p:spPr>
-            <a:xfrm>
-              <a:off x="720966" y="447775"/>
-              <a:ext cx="139500" cy="139500"/>
-            </a:xfrm>
-            <a:prstGeom prst="ellipse">
-              <a:avLst/>
-            </a:prstGeom>
-            <a:solidFill>
-              <a:schemeClr val="accent2"/>
-            </a:solidFill>
-            <a:ln>
-              <a:noFill/>
-            </a:ln>
-          </p:spPr>
-          <p:txBody>
-            <a:bodyPr spcFirstLastPara="1" wrap="square" lIns="91425" tIns="91425" rIns="91425" bIns="91425" anchor="ctr" anchorCtr="0">
-              <a:noAutofit/>
-            </a:bodyPr>
-            <a:lstStyle/>
-            <a:p>
-              <a:pPr marL="0" lvl="0" indent="0" algn="l" rtl="0">
-                <a:spcBef>
-                  <a:spcPts val="0"/>
-                </a:spcBef>
-                <a:spcAft>
-                  <a:spcPts val="0"/>
-                </a:spcAft>
-                <a:buNone/>
-              </a:pPr>
-              <a:endParaRPr/>
-            </a:p>
-          </p:txBody>
-        </p:sp>
-        <p:sp>
-          <p:nvSpPr>
-            <p:cNvPr id="211" name="Google Shape;211;p32"/>
-            <p:cNvSpPr/>
-            <p:nvPr/>
-          </p:nvSpPr>
-          <p:spPr>
-            <a:xfrm>
-              <a:off x="494850" y="447775"/>
-              <a:ext cx="139500" cy="139500"/>
-            </a:xfrm>
-            <a:prstGeom prst="ellipse">
-              <a:avLst/>
-            </a:prstGeom>
-            <a:solidFill>
-              <a:schemeClr val="accent1"/>
-            </a:solidFill>
-            <a:ln>
-              <a:noFill/>
-            </a:ln>
-          </p:spPr>
-          <p:txBody>
-            <a:bodyPr spcFirstLastPara="1" wrap="square" lIns="91425" tIns="91425" rIns="91425" bIns="91425" anchor="ctr" anchorCtr="0">
-              <a:noAutofit/>
-            </a:bodyPr>
-            <a:lstStyle/>
-            <a:p>
-              <a:pPr marL="0" lvl="0" indent="0" algn="l" rtl="0">
-                <a:spcBef>
-                  <a:spcPts val="0"/>
-                </a:spcBef>
-                <a:spcAft>
-                  <a:spcPts val="0"/>
-                </a:spcAft>
-                <a:buNone/>
-              </a:pPr>
-              <a:endParaRPr/>
-            </a:p>
-          </p:txBody>
-        </p:sp>
-      </p:grpSp>
-      <p:cxnSp>
-        <p:nvCxnSpPr>
-          <p:cNvPr id="212" name="Google Shape;212;p32"/>
-          <p:cNvCxnSpPr/>
-          <p:nvPr/>
-        </p:nvCxnSpPr>
-        <p:spPr>
-          <a:xfrm>
-            <a:off x="316341" y="676075"/>
-            <a:ext cx="8493600" cy="0"/>
-          </a:xfrm>
-          <a:prstGeom prst="straightConnector1">
-            <a:avLst/>
-          </a:prstGeom>
-          <a:noFill/>
-          <a:ln w="28575" cap="flat" cmpd="sng">
-            <a:solidFill>
-              <a:schemeClr val="lt2"/>
-            </a:solidFill>
-            <a:prstDash val="solid"/>
-            <a:round/>
-            <a:headEnd type="none" w="med" len="med"/>
-            <a:tailEnd type="none" w="med" len="med"/>
-          </a:ln>
-        </p:spPr>
-      </p:cxnSp>
-      <p:sp>
-        <p:nvSpPr>
-          <p:cNvPr id="215" name="Google Shape;215;p32"/>
-          <p:cNvSpPr txBox="1">
-            <a:spLocks noGrp="1"/>
-          </p:cNvSpPr>
-          <p:nvPr>
-            <p:ph type="ctrTitle"/>
-          </p:nvPr>
-        </p:nvSpPr>
-        <p:spPr>
-          <a:xfrm>
-            <a:off x="634350" y="731301"/>
-            <a:ext cx="7717500" cy="591300"/>
-          </a:xfrm>
-          <a:prstGeom prst="rect">
-            <a:avLst/>
-          </a:prstGeom>
-        </p:spPr>
-        <p:txBody>
-          <a:bodyPr spcFirstLastPara="1" wrap="square" lIns="91425" tIns="91425" rIns="91425" bIns="91425" anchor="t" anchorCtr="0">
-            <a:noAutofit/>
-          </a:bodyPr>
-          <a:lstStyle/>
-          <a:p>
-            <a:pPr marL="0" lvl="0" indent="0" algn="ctr" rtl="0">
-              <a:spcBef>
-                <a:spcPts val="0"/>
-              </a:spcBef>
-              <a:spcAft>
-                <a:spcPts val="0"/>
-              </a:spcAft>
-              <a:buNone/>
-            </a:pPr>
-            <a:r>
-              <a:rPr lang="en" dirty="0" smtClean="0"/>
               <a:t>Implementation (Observer)</a:t>
             </a:r>
             <a:endParaRPr dirty="0"/>
@@ -21760,6 +22637,2407 @@
     <p:extLst>
       <p:ext uri="{BB962C8B-B14F-4D97-AF65-F5344CB8AC3E}">
         <p14:creationId xmlns:p14="http://schemas.microsoft.com/office/powerpoint/2010/main" val="1785887572"/>
+      </p:ext>
+    </p:extLst>
+  </p:cSld>
+  <p:clrMapOvr>
+    <a:masterClrMapping/>
+  </p:clrMapOvr>
+  <p:timing>
+    <p:tnLst>
+      <p:par>
+        <p:cTn id="1" dur="indefinite" restart="never" nodeType="tmRoot"/>
+      </p:par>
+    </p:tnLst>
+  </p:timing>
+</p:sld>
+</file>
+
+<file path=ppt/slides/slide13.xml><?xml version="1.0" encoding="utf-8"?>
+<p:sld xmlns:a="http://schemas.openxmlformats.org/drawingml/2006/main" xmlns:r="http://schemas.openxmlformats.org/officeDocument/2006/relationships" xmlns:p="http://schemas.openxmlformats.org/presentationml/2006/main">
+  <p:cSld>
+    <p:spTree>
+      <p:nvGrpSpPr>
+        <p:cNvPr id="1" name="Shape 369"/>
+        <p:cNvGrpSpPr/>
+        <p:nvPr/>
+      </p:nvGrpSpPr>
+      <p:grpSpPr>
+        <a:xfrm>
+          <a:off x="0" y="0"/>
+          <a:ext cx="0" cy="0"/>
+          <a:chOff x="0" y="0"/>
+          <a:chExt cx="0" cy="0"/>
+        </a:xfrm>
+      </p:grpSpPr>
+      <p:sp>
+        <p:nvSpPr>
+          <p:cNvPr id="370" name="Google Shape;370;p38">
+            <a:hlinkClick r:id="rId3" action="ppaction://hlinksldjump"/>
+          </p:cNvPr>
+          <p:cNvSpPr/>
+          <p:nvPr/>
+        </p:nvSpPr>
+        <p:spPr>
+          <a:xfrm>
+            <a:off x="7875150" y="325200"/>
+            <a:ext cx="943500" cy="384600"/>
+          </a:xfrm>
+          <a:prstGeom prst="round1Rect">
+            <a:avLst>
+              <a:gd name="adj" fmla="val 50000"/>
+            </a:avLst>
+          </a:prstGeom>
+          <a:noFill/>
+          <a:ln>
+            <a:noFill/>
+          </a:ln>
+        </p:spPr>
+        <p:txBody>
+          <a:bodyPr spcFirstLastPara="1" wrap="square" lIns="91425" tIns="91425" rIns="91425" bIns="91425" anchor="ctr" anchorCtr="0">
+            <a:noAutofit/>
+          </a:bodyPr>
+          <a:lstStyle/>
+          <a:p>
+            <a:pPr marL="0" lvl="0" indent="0" algn="ctr" rtl="0">
+              <a:spcBef>
+                <a:spcPts val="0"/>
+              </a:spcBef>
+              <a:spcAft>
+                <a:spcPts val="0"/>
+              </a:spcAft>
+              <a:buNone/>
+            </a:pPr>
+            <a:r>
+              <a:rPr lang="en" sz="1200">
+                <a:solidFill>
+                  <a:schemeClr val="lt1"/>
+                </a:solidFill>
+                <a:latin typeface="Be Vietnam Pro"/>
+                <a:ea typeface="Be Vietnam Pro"/>
+                <a:cs typeface="Be Vietnam Pro"/>
+                <a:sym typeface="Be Vietnam Pro"/>
+              </a:rPr>
+              <a:t>Expand</a:t>
+            </a:r>
+            <a:endParaRPr>
+              <a:solidFill>
+                <a:schemeClr val="lt1"/>
+              </a:solidFill>
+            </a:endParaRPr>
+          </a:p>
+        </p:txBody>
+      </p:sp>
+      <p:sp>
+        <p:nvSpPr>
+          <p:cNvPr id="371" name="Google Shape;371;p38">
+            <a:hlinkClick r:id="rId4" action="ppaction://hlinksldjump"/>
+          </p:cNvPr>
+          <p:cNvSpPr/>
+          <p:nvPr/>
+        </p:nvSpPr>
+        <p:spPr>
+          <a:xfrm>
+            <a:off x="1270200" y="325200"/>
+            <a:ext cx="943500" cy="384600"/>
+          </a:xfrm>
+          <a:prstGeom prst="roundRect">
+            <a:avLst>
+              <a:gd name="adj" fmla="val 5994"/>
+            </a:avLst>
+          </a:prstGeom>
+          <a:noFill/>
+          <a:ln>
+            <a:noFill/>
+          </a:ln>
+        </p:spPr>
+        <p:txBody>
+          <a:bodyPr spcFirstLastPara="1" wrap="square" lIns="0" tIns="0" rIns="0" bIns="0" anchor="ctr" anchorCtr="0">
+            <a:noAutofit/>
+          </a:bodyPr>
+          <a:lstStyle/>
+          <a:p>
+            <a:pPr marL="0" lvl="0" indent="0" algn="ctr" rtl="0">
+              <a:spcBef>
+                <a:spcPts val="0"/>
+              </a:spcBef>
+              <a:spcAft>
+                <a:spcPts val="0"/>
+              </a:spcAft>
+              <a:buNone/>
+            </a:pPr>
+            <a:r>
+              <a:rPr lang="en" sz="1200">
+                <a:solidFill>
+                  <a:schemeClr val="lt1"/>
+                </a:solidFill>
+                <a:latin typeface="Be Vietnam Pro"/>
+                <a:ea typeface="Be Vietnam Pro"/>
+                <a:cs typeface="Be Vietnam Pro"/>
+                <a:sym typeface="Be Vietnam Pro"/>
+              </a:rPr>
+              <a:t>Intro</a:t>
+            </a:r>
+            <a:endParaRPr sz="1200">
+              <a:solidFill>
+                <a:schemeClr val="lt1"/>
+              </a:solidFill>
+              <a:latin typeface="Be Vietnam Pro"/>
+              <a:ea typeface="Be Vietnam Pro"/>
+              <a:cs typeface="Be Vietnam Pro"/>
+              <a:sym typeface="Be Vietnam Pro"/>
+            </a:endParaRPr>
+          </a:p>
+        </p:txBody>
+      </p:sp>
+      <p:sp>
+        <p:nvSpPr>
+          <p:cNvPr id="372" name="Google Shape;372;p38">
+            <a:hlinkClick r:id="rId5" action="ppaction://hlinksldjump"/>
+          </p:cNvPr>
+          <p:cNvSpPr/>
+          <p:nvPr/>
+        </p:nvSpPr>
+        <p:spPr>
+          <a:xfrm>
+            <a:off x="2213575" y="325200"/>
+            <a:ext cx="943500" cy="384600"/>
+          </a:xfrm>
+          <a:prstGeom prst="roundRect">
+            <a:avLst>
+              <a:gd name="adj" fmla="val 5994"/>
+            </a:avLst>
+          </a:prstGeom>
+          <a:noFill/>
+          <a:ln>
+            <a:noFill/>
+          </a:ln>
+        </p:spPr>
+        <p:txBody>
+          <a:bodyPr spcFirstLastPara="1" wrap="square" lIns="0" tIns="0" rIns="0" bIns="0" anchor="ctr" anchorCtr="0">
+            <a:noAutofit/>
+          </a:bodyPr>
+          <a:lstStyle/>
+          <a:p>
+            <a:pPr marL="0" lvl="0" indent="0" algn="ctr" rtl="0">
+              <a:spcBef>
+                <a:spcPts val="0"/>
+              </a:spcBef>
+              <a:spcAft>
+                <a:spcPts val="0"/>
+              </a:spcAft>
+              <a:buNone/>
+            </a:pPr>
+            <a:r>
+              <a:rPr lang="en" sz="1200">
+                <a:solidFill>
+                  <a:schemeClr val="lt1"/>
+                </a:solidFill>
+                <a:latin typeface="Be Vietnam Pro"/>
+                <a:ea typeface="Be Vietnam Pro"/>
+                <a:cs typeface="Be Vietnam Pro"/>
+                <a:sym typeface="Be Vietnam Pro"/>
+              </a:rPr>
+              <a:t>Hook</a:t>
+            </a:r>
+            <a:endParaRPr sz="1200">
+              <a:solidFill>
+                <a:schemeClr val="lt1"/>
+              </a:solidFill>
+              <a:latin typeface="Be Vietnam Pro"/>
+              <a:ea typeface="Be Vietnam Pro"/>
+              <a:cs typeface="Be Vietnam Pro"/>
+              <a:sym typeface="Be Vietnam Pro"/>
+            </a:endParaRPr>
+          </a:p>
+        </p:txBody>
+      </p:sp>
+      <p:sp>
+        <p:nvSpPr>
+          <p:cNvPr id="373" name="Google Shape;373;p38">
+            <a:hlinkClick r:id="rId6" action="ppaction://hlinksldjump"/>
+          </p:cNvPr>
+          <p:cNvSpPr/>
+          <p:nvPr/>
+        </p:nvSpPr>
+        <p:spPr>
+          <a:xfrm>
+            <a:off x="3156900" y="325200"/>
+            <a:ext cx="943500" cy="384600"/>
+          </a:xfrm>
+          <a:prstGeom prst="roundRect">
+            <a:avLst>
+              <a:gd name="adj" fmla="val 5994"/>
+            </a:avLst>
+          </a:prstGeom>
+          <a:noFill/>
+          <a:ln>
+            <a:noFill/>
+          </a:ln>
+        </p:spPr>
+        <p:txBody>
+          <a:bodyPr spcFirstLastPara="1" wrap="square" lIns="0" tIns="0" rIns="0" bIns="0" anchor="ctr" anchorCtr="0">
+            <a:noAutofit/>
+          </a:bodyPr>
+          <a:lstStyle/>
+          <a:p>
+            <a:pPr marL="0" lvl="0" indent="0" algn="ctr" rtl="0">
+              <a:spcBef>
+                <a:spcPts val="0"/>
+              </a:spcBef>
+              <a:spcAft>
+                <a:spcPts val="0"/>
+              </a:spcAft>
+              <a:buNone/>
+            </a:pPr>
+            <a:r>
+              <a:rPr lang="en" sz="1200">
+                <a:solidFill>
+                  <a:schemeClr val="lt1"/>
+                </a:solidFill>
+                <a:latin typeface="Be Vietnam Pro"/>
+                <a:ea typeface="Be Vietnam Pro"/>
+                <a:cs typeface="Be Vietnam Pro"/>
+                <a:sym typeface="Be Vietnam Pro"/>
+              </a:rPr>
+              <a:t>Explore</a:t>
+            </a:r>
+            <a:endParaRPr sz="1200">
+              <a:solidFill>
+                <a:schemeClr val="lt1"/>
+              </a:solidFill>
+              <a:latin typeface="Be Vietnam Pro"/>
+              <a:ea typeface="Be Vietnam Pro"/>
+              <a:cs typeface="Be Vietnam Pro"/>
+              <a:sym typeface="Be Vietnam Pro"/>
+            </a:endParaRPr>
+          </a:p>
+        </p:txBody>
+      </p:sp>
+      <p:sp>
+        <p:nvSpPr>
+          <p:cNvPr id="374" name="Google Shape;374;p38">
+            <a:hlinkClick r:id="rId5" action="ppaction://hlinksldjump"/>
+          </p:cNvPr>
+          <p:cNvSpPr/>
+          <p:nvPr/>
+        </p:nvSpPr>
+        <p:spPr>
+          <a:xfrm>
+            <a:off x="4100250" y="325200"/>
+            <a:ext cx="943500" cy="384600"/>
+          </a:xfrm>
+          <a:prstGeom prst="roundRect">
+            <a:avLst>
+              <a:gd name="adj" fmla="val 5994"/>
+            </a:avLst>
+          </a:prstGeom>
+          <a:solidFill>
+            <a:schemeClr val="dk2"/>
+          </a:solidFill>
+          <a:ln>
+            <a:noFill/>
+          </a:ln>
+        </p:spPr>
+        <p:txBody>
+          <a:bodyPr spcFirstLastPara="1" wrap="square" lIns="0" tIns="0" rIns="0" bIns="0" anchor="ctr" anchorCtr="0">
+            <a:noAutofit/>
+          </a:bodyPr>
+          <a:lstStyle/>
+          <a:p>
+            <a:pPr marL="0" lvl="0" indent="0" algn="ctr" rtl="0">
+              <a:spcBef>
+                <a:spcPts val="0"/>
+              </a:spcBef>
+              <a:spcAft>
+                <a:spcPts val="0"/>
+              </a:spcAft>
+              <a:buNone/>
+            </a:pPr>
+            <a:r>
+              <a:rPr lang="en" sz="1200" b="1">
+                <a:solidFill>
+                  <a:schemeClr val="accent2"/>
+                </a:solidFill>
+                <a:latin typeface="Be Vietnam Pro"/>
+                <a:ea typeface="Be Vietnam Pro"/>
+                <a:cs typeface="Be Vietnam Pro"/>
+                <a:sym typeface="Be Vietnam Pro"/>
+              </a:rPr>
+              <a:t>Explain</a:t>
+            </a:r>
+            <a:endParaRPr sz="1200" b="1">
+              <a:solidFill>
+                <a:schemeClr val="accent2"/>
+              </a:solidFill>
+              <a:latin typeface="Be Vietnam Pro"/>
+              <a:ea typeface="Be Vietnam Pro"/>
+              <a:cs typeface="Be Vietnam Pro"/>
+              <a:sym typeface="Be Vietnam Pro"/>
+            </a:endParaRPr>
+          </a:p>
+        </p:txBody>
+      </p:sp>
+      <p:sp>
+        <p:nvSpPr>
+          <p:cNvPr id="375" name="Google Shape;375;p38">
+            <a:hlinkClick r:id="rId7" action="ppaction://hlinksldjump"/>
+          </p:cNvPr>
+          <p:cNvSpPr/>
+          <p:nvPr/>
+        </p:nvSpPr>
+        <p:spPr>
+          <a:xfrm>
+            <a:off x="5043600" y="325200"/>
+            <a:ext cx="943500" cy="384600"/>
+          </a:xfrm>
+          <a:prstGeom prst="roundRect">
+            <a:avLst>
+              <a:gd name="adj" fmla="val 5994"/>
+            </a:avLst>
+          </a:prstGeom>
+          <a:noFill/>
+          <a:ln>
+            <a:noFill/>
+          </a:ln>
+        </p:spPr>
+        <p:txBody>
+          <a:bodyPr spcFirstLastPara="1" wrap="square" lIns="0" tIns="0" rIns="0" bIns="0" anchor="ctr" anchorCtr="0">
+            <a:noAutofit/>
+          </a:bodyPr>
+          <a:lstStyle/>
+          <a:p>
+            <a:pPr marL="0" lvl="0" indent="0" algn="ctr" rtl="0">
+              <a:spcBef>
+                <a:spcPts val="0"/>
+              </a:spcBef>
+              <a:spcAft>
+                <a:spcPts val="0"/>
+              </a:spcAft>
+              <a:buNone/>
+            </a:pPr>
+            <a:r>
+              <a:rPr lang="en" sz="1200">
+                <a:solidFill>
+                  <a:schemeClr val="lt1"/>
+                </a:solidFill>
+                <a:latin typeface="Be Vietnam Pro"/>
+                <a:ea typeface="Be Vietnam Pro"/>
+                <a:cs typeface="Be Vietnam Pro"/>
+                <a:sym typeface="Be Vietnam Pro"/>
+              </a:rPr>
+              <a:t>Apply</a:t>
+            </a:r>
+            <a:endParaRPr sz="1200">
+              <a:solidFill>
+                <a:schemeClr val="lt1"/>
+              </a:solidFill>
+              <a:latin typeface="Be Vietnam Pro"/>
+              <a:ea typeface="Be Vietnam Pro"/>
+              <a:cs typeface="Be Vietnam Pro"/>
+              <a:sym typeface="Be Vietnam Pro"/>
+            </a:endParaRPr>
+          </a:p>
+        </p:txBody>
+      </p:sp>
+      <p:sp>
+        <p:nvSpPr>
+          <p:cNvPr id="376" name="Google Shape;376;p38">
+            <a:hlinkClick r:id="rId8" action="ppaction://hlinksldjump"/>
+          </p:cNvPr>
+          <p:cNvSpPr/>
+          <p:nvPr/>
+        </p:nvSpPr>
+        <p:spPr>
+          <a:xfrm>
+            <a:off x="5986950" y="325200"/>
+            <a:ext cx="943500" cy="384600"/>
+          </a:xfrm>
+          <a:prstGeom prst="roundRect">
+            <a:avLst>
+              <a:gd name="adj" fmla="val 5994"/>
+            </a:avLst>
+          </a:prstGeom>
+          <a:noFill/>
+          <a:ln>
+            <a:noFill/>
+          </a:ln>
+        </p:spPr>
+        <p:txBody>
+          <a:bodyPr spcFirstLastPara="1" wrap="square" lIns="0" tIns="0" rIns="0" bIns="0" anchor="ctr" anchorCtr="0">
+            <a:noAutofit/>
+          </a:bodyPr>
+          <a:lstStyle/>
+          <a:p>
+            <a:pPr marL="0" lvl="0" indent="0" algn="ctr" rtl="0">
+              <a:spcBef>
+                <a:spcPts val="0"/>
+              </a:spcBef>
+              <a:spcAft>
+                <a:spcPts val="0"/>
+              </a:spcAft>
+              <a:buNone/>
+            </a:pPr>
+            <a:r>
+              <a:rPr lang="en" sz="1200">
+                <a:solidFill>
+                  <a:schemeClr val="lt1"/>
+                </a:solidFill>
+                <a:latin typeface="Be Vietnam Pro"/>
+                <a:ea typeface="Be Vietnam Pro"/>
+                <a:cs typeface="Be Vietnam Pro"/>
+                <a:sym typeface="Be Vietnam Pro"/>
+              </a:rPr>
+              <a:t>Share</a:t>
+            </a:r>
+            <a:endParaRPr sz="1200">
+              <a:solidFill>
+                <a:schemeClr val="lt1"/>
+              </a:solidFill>
+              <a:latin typeface="Be Vietnam Pro"/>
+              <a:ea typeface="Be Vietnam Pro"/>
+              <a:cs typeface="Be Vietnam Pro"/>
+              <a:sym typeface="Be Vietnam Pro"/>
+            </a:endParaRPr>
+          </a:p>
+        </p:txBody>
+      </p:sp>
+      <p:sp>
+        <p:nvSpPr>
+          <p:cNvPr id="377" name="Google Shape;377;p38">
+            <a:hlinkClick r:id="rId9" action="ppaction://hlinksldjump"/>
+          </p:cNvPr>
+          <p:cNvSpPr/>
+          <p:nvPr/>
+        </p:nvSpPr>
+        <p:spPr>
+          <a:xfrm>
+            <a:off x="6930300" y="325200"/>
+            <a:ext cx="943500" cy="384600"/>
+          </a:xfrm>
+          <a:prstGeom prst="roundRect">
+            <a:avLst>
+              <a:gd name="adj" fmla="val 5994"/>
+            </a:avLst>
+          </a:prstGeom>
+          <a:noFill/>
+          <a:ln>
+            <a:noFill/>
+          </a:ln>
+        </p:spPr>
+        <p:txBody>
+          <a:bodyPr spcFirstLastPara="1" wrap="square" lIns="0" tIns="0" rIns="0" bIns="0" anchor="ctr" anchorCtr="0">
+            <a:noAutofit/>
+          </a:bodyPr>
+          <a:lstStyle/>
+          <a:p>
+            <a:pPr marL="0" lvl="0" indent="0" algn="ctr" rtl="0">
+              <a:spcBef>
+                <a:spcPts val="0"/>
+              </a:spcBef>
+              <a:spcAft>
+                <a:spcPts val="0"/>
+              </a:spcAft>
+              <a:buNone/>
+            </a:pPr>
+            <a:r>
+              <a:rPr lang="en" sz="1200">
+                <a:solidFill>
+                  <a:schemeClr val="lt1"/>
+                </a:solidFill>
+                <a:latin typeface="Be Vietnam Pro"/>
+                <a:ea typeface="Be Vietnam Pro"/>
+                <a:cs typeface="Be Vietnam Pro"/>
+                <a:sym typeface="Be Vietnam Pro"/>
+              </a:rPr>
+              <a:t>Evaluate</a:t>
+            </a:r>
+            <a:endParaRPr sz="1200">
+              <a:solidFill>
+                <a:schemeClr val="lt1"/>
+              </a:solidFill>
+              <a:latin typeface="Be Vietnam Pro"/>
+              <a:ea typeface="Be Vietnam Pro"/>
+              <a:cs typeface="Be Vietnam Pro"/>
+              <a:sym typeface="Be Vietnam Pro"/>
+            </a:endParaRPr>
+          </a:p>
+        </p:txBody>
+      </p:sp>
+      <p:grpSp>
+        <p:nvGrpSpPr>
+          <p:cNvPr id="378" name="Google Shape;378;p38"/>
+          <p:cNvGrpSpPr/>
+          <p:nvPr/>
+        </p:nvGrpSpPr>
+        <p:grpSpPr>
+          <a:xfrm>
+            <a:off x="494850" y="447775"/>
+            <a:ext cx="591732" cy="139500"/>
+            <a:chOff x="494850" y="447775"/>
+            <a:chExt cx="591732" cy="139500"/>
+          </a:xfrm>
+        </p:grpSpPr>
+        <p:sp>
+          <p:nvSpPr>
+            <p:cNvPr id="379" name="Google Shape;379;p38"/>
+            <p:cNvSpPr/>
+            <p:nvPr/>
+          </p:nvSpPr>
+          <p:spPr>
+            <a:xfrm>
+              <a:off x="947082" y="447775"/>
+              <a:ext cx="139500" cy="139500"/>
+            </a:xfrm>
+            <a:prstGeom prst="ellipse">
+              <a:avLst/>
+            </a:prstGeom>
+            <a:solidFill>
+              <a:schemeClr val="accent3"/>
+            </a:solidFill>
+            <a:ln>
+              <a:noFill/>
+            </a:ln>
+          </p:spPr>
+          <p:txBody>
+            <a:bodyPr spcFirstLastPara="1" wrap="square" lIns="91425" tIns="91425" rIns="91425" bIns="91425" anchor="ctr" anchorCtr="0">
+              <a:noAutofit/>
+            </a:bodyPr>
+            <a:lstStyle/>
+            <a:p>
+              <a:pPr marL="0" lvl="0" indent="0" algn="l" rtl="0">
+                <a:spcBef>
+                  <a:spcPts val="0"/>
+                </a:spcBef>
+                <a:spcAft>
+                  <a:spcPts val="0"/>
+                </a:spcAft>
+                <a:buNone/>
+              </a:pPr>
+              <a:endParaRPr/>
+            </a:p>
+          </p:txBody>
+        </p:sp>
+        <p:sp>
+          <p:nvSpPr>
+            <p:cNvPr id="380" name="Google Shape;380;p38"/>
+            <p:cNvSpPr/>
+            <p:nvPr/>
+          </p:nvSpPr>
+          <p:spPr>
+            <a:xfrm>
+              <a:off x="720966" y="447775"/>
+              <a:ext cx="139500" cy="139500"/>
+            </a:xfrm>
+            <a:prstGeom prst="ellipse">
+              <a:avLst/>
+            </a:prstGeom>
+            <a:solidFill>
+              <a:schemeClr val="accent2"/>
+            </a:solidFill>
+            <a:ln>
+              <a:noFill/>
+            </a:ln>
+          </p:spPr>
+          <p:txBody>
+            <a:bodyPr spcFirstLastPara="1" wrap="square" lIns="91425" tIns="91425" rIns="91425" bIns="91425" anchor="ctr" anchorCtr="0">
+              <a:noAutofit/>
+            </a:bodyPr>
+            <a:lstStyle/>
+            <a:p>
+              <a:pPr marL="0" lvl="0" indent="0" algn="l" rtl="0">
+                <a:spcBef>
+                  <a:spcPts val="0"/>
+                </a:spcBef>
+                <a:spcAft>
+                  <a:spcPts val="0"/>
+                </a:spcAft>
+                <a:buNone/>
+              </a:pPr>
+              <a:endParaRPr/>
+            </a:p>
+          </p:txBody>
+        </p:sp>
+        <p:sp>
+          <p:nvSpPr>
+            <p:cNvPr id="381" name="Google Shape;381;p38"/>
+            <p:cNvSpPr/>
+            <p:nvPr/>
+          </p:nvSpPr>
+          <p:spPr>
+            <a:xfrm>
+              <a:off x="494850" y="447775"/>
+              <a:ext cx="139500" cy="139500"/>
+            </a:xfrm>
+            <a:prstGeom prst="ellipse">
+              <a:avLst/>
+            </a:prstGeom>
+            <a:solidFill>
+              <a:schemeClr val="accent1"/>
+            </a:solidFill>
+            <a:ln>
+              <a:noFill/>
+            </a:ln>
+          </p:spPr>
+          <p:txBody>
+            <a:bodyPr spcFirstLastPara="1" wrap="square" lIns="91425" tIns="91425" rIns="91425" bIns="91425" anchor="ctr" anchorCtr="0">
+              <a:noAutofit/>
+            </a:bodyPr>
+            <a:lstStyle/>
+            <a:p>
+              <a:pPr marL="0" lvl="0" indent="0" algn="l" rtl="0">
+                <a:spcBef>
+                  <a:spcPts val="0"/>
+                </a:spcBef>
+                <a:spcAft>
+                  <a:spcPts val="0"/>
+                </a:spcAft>
+                <a:buNone/>
+              </a:pPr>
+              <a:endParaRPr/>
+            </a:p>
+          </p:txBody>
+        </p:sp>
+      </p:grpSp>
+      <p:cxnSp>
+        <p:nvCxnSpPr>
+          <p:cNvPr id="382" name="Google Shape;382;p38"/>
+          <p:cNvCxnSpPr/>
+          <p:nvPr/>
+        </p:nvCxnSpPr>
+        <p:spPr>
+          <a:xfrm>
+            <a:off x="325200" y="709650"/>
+            <a:ext cx="8493600" cy="0"/>
+          </a:xfrm>
+          <a:prstGeom prst="straightConnector1">
+            <a:avLst/>
+          </a:prstGeom>
+          <a:noFill/>
+          <a:ln w="28575" cap="flat" cmpd="sng">
+            <a:solidFill>
+              <a:schemeClr val="lt2"/>
+            </a:solidFill>
+            <a:prstDash val="solid"/>
+            <a:round/>
+            <a:headEnd type="none" w="med" len="med"/>
+            <a:tailEnd type="none" w="med" len="med"/>
+          </a:ln>
+        </p:spPr>
+      </p:cxnSp>
+      <p:sp>
+        <p:nvSpPr>
+          <p:cNvPr id="383" name="Google Shape;383;p38"/>
+          <p:cNvSpPr/>
+          <p:nvPr/>
+        </p:nvSpPr>
+        <p:spPr>
+          <a:xfrm>
+            <a:off x="5896864" y="2016303"/>
+            <a:ext cx="1860600" cy="1797600"/>
+          </a:xfrm>
+          <a:prstGeom prst="ellipse">
+            <a:avLst/>
+          </a:prstGeom>
+          <a:noFill/>
+          <a:ln w="28575" cap="flat" cmpd="sng">
+            <a:solidFill>
+              <a:schemeClr val="accent2"/>
+            </a:solidFill>
+            <a:prstDash val="solid"/>
+            <a:round/>
+            <a:headEnd type="none" w="sm" len="sm"/>
+            <a:tailEnd type="none" w="sm" len="sm"/>
+          </a:ln>
+        </p:spPr>
+        <p:txBody>
+          <a:bodyPr spcFirstLastPara="1" wrap="square" lIns="91425" tIns="91425" rIns="91425" bIns="91425" anchor="ctr" anchorCtr="0">
+            <a:noAutofit/>
+          </a:bodyPr>
+          <a:lstStyle/>
+          <a:p>
+            <a:pPr marL="0" lvl="0" indent="0" algn="l" rtl="0">
+              <a:spcBef>
+                <a:spcPts val="0"/>
+              </a:spcBef>
+              <a:spcAft>
+                <a:spcPts val="0"/>
+              </a:spcAft>
+              <a:buNone/>
+            </a:pPr>
+            <a:endParaRPr/>
+          </a:p>
+        </p:txBody>
+      </p:sp>
+      <p:grpSp>
+        <p:nvGrpSpPr>
+          <p:cNvPr id="385" name="Google Shape;385;p38"/>
+          <p:cNvGrpSpPr/>
+          <p:nvPr/>
+        </p:nvGrpSpPr>
+        <p:grpSpPr>
+          <a:xfrm>
+            <a:off x="6437836" y="2527496"/>
+            <a:ext cx="778655" cy="775213"/>
+            <a:chOff x="5432907" y="2193678"/>
+            <a:chExt cx="262810" cy="261658"/>
+          </a:xfrm>
+        </p:grpSpPr>
+        <p:sp>
+          <p:nvSpPr>
+            <p:cNvPr id="386" name="Google Shape;386;p38"/>
+            <p:cNvSpPr/>
+            <p:nvPr/>
+          </p:nvSpPr>
+          <p:spPr>
+            <a:xfrm>
+              <a:off x="5467802" y="2298895"/>
+              <a:ext cx="128505" cy="117469"/>
+            </a:xfrm>
+            <a:custGeom>
+              <a:avLst/>
+              <a:gdLst/>
+              <a:ahLst/>
+              <a:cxnLst/>
+              <a:rect l="l" t="t" r="r" b="b"/>
+              <a:pathLst>
+                <a:path w="3944" h="3605" extrusionOk="0">
+                  <a:moveTo>
+                    <a:pt x="1963" y="465"/>
+                  </a:moveTo>
+                  <a:cubicBezTo>
+                    <a:pt x="2302" y="465"/>
+                    <a:pt x="2641" y="607"/>
+                    <a:pt x="2909" y="857"/>
+                  </a:cubicBezTo>
+                  <a:cubicBezTo>
+                    <a:pt x="3426" y="1375"/>
+                    <a:pt x="3426" y="2213"/>
+                    <a:pt x="2909" y="2731"/>
+                  </a:cubicBezTo>
+                  <a:cubicBezTo>
+                    <a:pt x="2650" y="2989"/>
+                    <a:pt x="2307" y="3119"/>
+                    <a:pt x="1963" y="3119"/>
+                  </a:cubicBezTo>
+                  <a:cubicBezTo>
+                    <a:pt x="1620" y="3119"/>
+                    <a:pt x="1276" y="2989"/>
+                    <a:pt x="1017" y="2731"/>
+                  </a:cubicBezTo>
+                  <a:cubicBezTo>
+                    <a:pt x="500" y="2213"/>
+                    <a:pt x="500" y="1375"/>
+                    <a:pt x="1017" y="857"/>
+                  </a:cubicBezTo>
+                  <a:cubicBezTo>
+                    <a:pt x="1285" y="607"/>
+                    <a:pt x="1624" y="465"/>
+                    <a:pt x="1963" y="465"/>
+                  </a:cubicBezTo>
+                  <a:close/>
+                  <a:moveTo>
+                    <a:pt x="1963" y="1"/>
+                  </a:moveTo>
+                  <a:cubicBezTo>
+                    <a:pt x="1504" y="1"/>
+                    <a:pt x="1044" y="179"/>
+                    <a:pt x="696" y="536"/>
+                  </a:cubicBezTo>
+                  <a:cubicBezTo>
+                    <a:pt x="0" y="1232"/>
+                    <a:pt x="0" y="2374"/>
+                    <a:pt x="696" y="3070"/>
+                  </a:cubicBezTo>
+                  <a:cubicBezTo>
+                    <a:pt x="1053" y="3426"/>
+                    <a:pt x="1499" y="3605"/>
+                    <a:pt x="1963" y="3605"/>
+                  </a:cubicBezTo>
+                  <a:cubicBezTo>
+                    <a:pt x="2427" y="3605"/>
+                    <a:pt x="2891" y="3426"/>
+                    <a:pt x="3230" y="3070"/>
+                  </a:cubicBezTo>
+                  <a:cubicBezTo>
+                    <a:pt x="3944" y="2374"/>
+                    <a:pt x="3944" y="1232"/>
+                    <a:pt x="3230" y="536"/>
+                  </a:cubicBezTo>
+                  <a:cubicBezTo>
+                    <a:pt x="2882" y="179"/>
+                    <a:pt x="2423" y="1"/>
+                    <a:pt x="1963" y="1"/>
+                  </a:cubicBezTo>
+                  <a:close/>
+                </a:path>
+              </a:pathLst>
+            </a:custGeom>
+            <a:solidFill>
+              <a:schemeClr val="accent2"/>
+            </a:solidFill>
+            <a:ln>
+              <a:noFill/>
+            </a:ln>
+          </p:spPr>
+          <p:txBody>
+            <a:bodyPr spcFirstLastPara="1" wrap="square" lIns="91425" tIns="91425" rIns="91425" bIns="91425" anchor="ctr" anchorCtr="0">
+              <a:noAutofit/>
+            </a:bodyPr>
+            <a:lstStyle/>
+            <a:p>
+              <a:pPr marL="0" lvl="0" indent="0" algn="l" rtl="0">
+                <a:spcBef>
+                  <a:spcPts val="0"/>
+                </a:spcBef>
+                <a:spcAft>
+                  <a:spcPts val="0"/>
+                </a:spcAft>
+                <a:buNone/>
+              </a:pPr>
+              <a:endParaRPr/>
+            </a:p>
+          </p:txBody>
+        </p:sp>
+        <p:sp>
+          <p:nvSpPr>
+            <p:cNvPr id="387" name="Google Shape;387;p38"/>
+            <p:cNvSpPr/>
+            <p:nvPr/>
+          </p:nvSpPr>
+          <p:spPr>
+            <a:xfrm>
+              <a:off x="5432907" y="2259956"/>
+              <a:ext cx="198297" cy="195380"/>
+            </a:xfrm>
+            <a:custGeom>
+              <a:avLst/>
+              <a:gdLst/>
+              <a:ahLst/>
+              <a:cxnLst/>
+              <a:rect l="l" t="t" r="r" b="b"/>
+              <a:pathLst>
+                <a:path w="6086" h="5996" extrusionOk="0">
+                  <a:moveTo>
+                    <a:pt x="3712" y="482"/>
+                  </a:moveTo>
+                  <a:lnTo>
+                    <a:pt x="4319" y="732"/>
+                  </a:lnTo>
+                  <a:lnTo>
+                    <a:pt x="4283" y="892"/>
+                  </a:lnTo>
+                  <a:cubicBezTo>
+                    <a:pt x="4247" y="982"/>
+                    <a:pt x="4283" y="1071"/>
+                    <a:pt x="4372" y="1142"/>
+                  </a:cubicBezTo>
+                  <a:cubicBezTo>
+                    <a:pt x="4569" y="1285"/>
+                    <a:pt x="4747" y="1463"/>
+                    <a:pt x="4890" y="1660"/>
+                  </a:cubicBezTo>
+                  <a:cubicBezTo>
+                    <a:pt x="4934" y="1719"/>
+                    <a:pt x="5015" y="1753"/>
+                    <a:pt x="5092" y="1753"/>
+                  </a:cubicBezTo>
+                  <a:cubicBezTo>
+                    <a:pt x="5108" y="1753"/>
+                    <a:pt x="5124" y="1752"/>
+                    <a:pt x="5140" y="1749"/>
+                  </a:cubicBezTo>
+                  <a:lnTo>
+                    <a:pt x="5282" y="1695"/>
+                  </a:lnTo>
+                  <a:lnTo>
+                    <a:pt x="5532" y="2302"/>
+                  </a:lnTo>
+                  <a:lnTo>
+                    <a:pt x="5407" y="2373"/>
+                  </a:lnTo>
+                  <a:cubicBezTo>
+                    <a:pt x="5318" y="2427"/>
+                    <a:pt x="5264" y="2516"/>
+                    <a:pt x="5282" y="2623"/>
+                  </a:cubicBezTo>
+                  <a:cubicBezTo>
+                    <a:pt x="5336" y="2873"/>
+                    <a:pt x="5336" y="3105"/>
+                    <a:pt x="5300" y="3355"/>
+                  </a:cubicBezTo>
+                  <a:cubicBezTo>
+                    <a:pt x="5282" y="3462"/>
+                    <a:pt x="5318" y="3551"/>
+                    <a:pt x="5407" y="3604"/>
+                  </a:cubicBezTo>
+                  <a:lnTo>
+                    <a:pt x="5550" y="3676"/>
+                  </a:lnTo>
+                  <a:lnTo>
+                    <a:pt x="5300" y="4282"/>
+                  </a:lnTo>
+                  <a:lnTo>
+                    <a:pt x="5140" y="4229"/>
+                  </a:lnTo>
+                  <a:cubicBezTo>
+                    <a:pt x="5124" y="4226"/>
+                    <a:pt x="5108" y="4224"/>
+                    <a:pt x="5092" y="4224"/>
+                  </a:cubicBezTo>
+                  <a:cubicBezTo>
+                    <a:pt x="5015" y="4224"/>
+                    <a:pt x="4934" y="4259"/>
+                    <a:pt x="4890" y="4318"/>
+                  </a:cubicBezTo>
+                  <a:cubicBezTo>
+                    <a:pt x="4747" y="4532"/>
+                    <a:pt x="4569" y="4693"/>
+                    <a:pt x="4372" y="4853"/>
+                  </a:cubicBezTo>
+                  <a:cubicBezTo>
+                    <a:pt x="4301" y="4907"/>
+                    <a:pt x="4265" y="4996"/>
+                    <a:pt x="4283" y="5103"/>
+                  </a:cubicBezTo>
+                  <a:lnTo>
+                    <a:pt x="4319" y="5246"/>
+                  </a:lnTo>
+                  <a:lnTo>
+                    <a:pt x="3730" y="5496"/>
+                  </a:lnTo>
+                  <a:lnTo>
+                    <a:pt x="3659" y="5371"/>
+                  </a:lnTo>
+                  <a:cubicBezTo>
+                    <a:pt x="3612" y="5293"/>
+                    <a:pt x="3525" y="5242"/>
+                    <a:pt x="3444" y="5242"/>
+                  </a:cubicBezTo>
+                  <a:cubicBezTo>
+                    <a:pt x="3432" y="5242"/>
+                    <a:pt x="3420" y="5244"/>
+                    <a:pt x="3409" y="5246"/>
+                  </a:cubicBezTo>
+                  <a:cubicBezTo>
+                    <a:pt x="3284" y="5264"/>
+                    <a:pt x="3159" y="5273"/>
+                    <a:pt x="3036" y="5273"/>
+                  </a:cubicBezTo>
+                  <a:cubicBezTo>
+                    <a:pt x="2914" y="5273"/>
+                    <a:pt x="2793" y="5264"/>
+                    <a:pt x="2677" y="5246"/>
+                  </a:cubicBezTo>
+                  <a:cubicBezTo>
+                    <a:pt x="2663" y="5244"/>
+                    <a:pt x="2650" y="5242"/>
+                    <a:pt x="2637" y="5242"/>
+                  </a:cubicBezTo>
+                  <a:cubicBezTo>
+                    <a:pt x="2548" y="5242"/>
+                    <a:pt x="2474" y="5293"/>
+                    <a:pt x="2427" y="5371"/>
+                  </a:cubicBezTo>
+                  <a:lnTo>
+                    <a:pt x="2356" y="5496"/>
+                  </a:lnTo>
+                  <a:lnTo>
+                    <a:pt x="1749" y="5264"/>
+                  </a:lnTo>
+                  <a:lnTo>
+                    <a:pt x="1803" y="5103"/>
+                  </a:lnTo>
+                  <a:cubicBezTo>
+                    <a:pt x="1821" y="5014"/>
+                    <a:pt x="1785" y="4907"/>
+                    <a:pt x="1714" y="4853"/>
+                  </a:cubicBezTo>
+                  <a:cubicBezTo>
+                    <a:pt x="1500" y="4711"/>
+                    <a:pt x="1321" y="4532"/>
+                    <a:pt x="1178" y="4336"/>
+                  </a:cubicBezTo>
+                  <a:cubicBezTo>
+                    <a:pt x="1139" y="4270"/>
+                    <a:pt x="1070" y="4233"/>
+                    <a:pt x="1000" y="4233"/>
+                  </a:cubicBezTo>
+                  <a:cubicBezTo>
+                    <a:pt x="976" y="4233"/>
+                    <a:pt x="952" y="4238"/>
+                    <a:pt x="929" y="4247"/>
+                  </a:cubicBezTo>
+                  <a:lnTo>
+                    <a:pt x="786" y="4282"/>
+                  </a:lnTo>
+                  <a:lnTo>
+                    <a:pt x="536" y="3694"/>
+                  </a:lnTo>
+                  <a:lnTo>
+                    <a:pt x="661" y="3604"/>
+                  </a:lnTo>
+                  <a:cubicBezTo>
+                    <a:pt x="750" y="3569"/>
+                    <a:pt x="804" y="3462"/>
+                    <a:pt x="786" y="3372"/>
+                  </a:cubicBezTo>
+                  <a:cubicBezTo>
+                    <a:pt x="732" y="3123"/>
+                    <a:pt x="732" y="2873"/>
+                    <a:pt x="786" y="2641"/>
+                  </a:cubicBezTo>
+                  <a:cubicBezTo>
+                    <a:pt x="804" y="2534"/>
+                    <a:pt x="750" y="2445"/>
+                    <a:pt x="661" y="2391"/>
+                  </a:cubicBezTo>
+                  <a:lnTo>
+                    <a:pt x="536" y="2320"/>
+                  </a:lnTo>
+                  <a:lnTo>
+                    <a:pt x="768" y="1713"/>
+                  </a:lnTo>
+                  <a:lnTo>
+                    <a:pt x="929" y="1749"/>
+                  </a:lnTo>
+                  <a:cubicBezTo>
+                    <a:pt x="952" y="1758"/>
+                    <a:pt x="976" y="1762"/>
+                    <a:pt x="1000" y="1762"/>
+                  </a:cubicBezTo>
+                  <a:cubicBezTo>
+                    <a:pt x="1070" y="1762"/>
+                    <a:pt x="1139" y="1726"/>
+                    <a:pt x="1178" y="1660"/>
+                  </a:cubicBezTo>
+                  <a:cubicBezTo>
+                    <a:pt x="1321" y="1463"/>
+                    <a:pt x="1500" y="1285"/>
+                    <a:pt x="1696" y="1142"/>
+                  </a:cubicBezTo>
+                  <a:cubicBezTo>
+                    <a:pt x="1785" y="1089"/>
+                    <a:pt x="1803" y="982"/>
+                    <a:pt x="1785" y="892"/>
+                  </a:cubicBezTo>
+                  <a:lnTo>
+                    <a:pt x="1749" y="732"/>
+                  </a:lnTo>
+                  <a:lnTo>
+                    <a:pt x="2338" y="500"/>
+                  </a:lnTo>
+                  <a:lnTo>
+                    <a:pt x="2427" y="625"/>
+                  </a:lnTo>
+                  <a:cubicBezTo>
+                    <a:pt x="2463" y="714"/>
+                    <a:pt x="2570" y="750"/>
+                    <a:pt x="2659" y="750"/>
+                  </a:cubicBezTo>
+                  <a:cubicBezTo>
+                    <a:pt x="2797" y="720"/>
+                    <a:pt x="2934" y="707"/>
+                    <a:pt x="3069" y="707"/>
+                  </a:cubicBezTo>
+                  <a:cubicBezTo>
+                    <a:pt x="3179" y="707"/>
+                    <a:pt x="3287" y="716"/>
+                    <a:pt x="3391" y="732"/>
+                  </a:cubicBezTo>
+                  <a:cubicBezTo>
+                    <a:pt x="3409" y="735"/>
+                    <a:pt x="3426" y="736"/>
+                    <a:pt x="3443" y="736"/>
+                  </a:cubicBezTo>
+                  <a:cubicBezTo>
+                    <a:pt x="3527" y="736"/>
+                    <a:pt x="3596" y="699"/>
+                    <a:pt x="3641" y="625"/>
+                  </a:cubicBezTo>
+                  <a:lnTo>
+                    <a:pt x="3712" y="482"/>
+                  </a:lnTo>
+                  <a:close/>
+                  <a:moveTo>
+                    <a:pt x="3686" y="1"/>
+                  </a:moveTo>
+                  <a:cubicBezTo>
+                    <a:pt x="3550" y="1"/>
+                    <a:pt x="3415" y="80"/>
+                    <a:pt x="3337" y="196"/>
+                  </a:cubicBezTo>
+                  <a:lnTo>
+                    <a:pt x="3302" y="250"/>
+                  </a:lnTo>
+                  <a:cubicBezTo>
+                    <a:pt x="3213" y="241"/>
+                    <a:pt x="3119" y="237"/>
+                    <a:pt x="3025" y="237"/>
+                  </a:cubicBezTo>
+                  <a:cubicBezTo>
+                    <a:pt x="2931" y="237"/>
+                    <a:pt x="2838" y="241"/>
+                    <a:pt x="2749" y="250"/>
+                  </a:cubicBezTo>
+                  <a:lnTo>
+                    <a:pt x="2713" y="196"/>
+                  </a:lnTo>
+                  <a:cubicBezTo>
+                    <a:pt x="2647" y="78"/>
+                    <a:pt x="2514" y="8"/>
+                    <a:pt x="2369" y="8"/>
+                  </a:cubicBezTo>
+                  <a:cubicBezTo>
+                    <a:pt x="2318" y="8"/>
+                    <a:pt x="2265" y="17"/>
+                    <a:pt x="2213" y="36"/>
+                  </a:cubicBezTo>
+                  <a:lnTo>
+                    <a:pt x="1500" y="321"/>
+                  </a:lnTo>
+                  <a:cubicBezTo>
+                    <a:pt x="1321" y="411"/>
+                    <a:pt x="1214" y="607"/>
+                    <a:pt x="1268" y="803"/>
+                  </a:cubicBezTo>
+                  <a:lnTo>
+                    <a:pt x="1286" y="857"/>
+                  </a:lnTo>
+                  <a:cubicBezTo>
+                    <a:pt x="1143" y="982"/>
+                    <a:pt x="1018" y="1106"/>
+                    <a:pt x="893" y="1267"/>
+                  </a:cubicBezTo>
+                  <a:lnTo>
+                    <a:pt x="839" y="1249"/>
+                  </a:lnTo>
+                  <a:cubicBezTo>
+                    <a:pt x="802" y="1239"/>
+                    <a:pt x="764" y="1234"/>
+                    <a:pt x="727" y="1234"/>
+                  </a:cubicBezTo>
+                  <a:cubicBezTo>
+                    <a:pt x="572" y="1234"/>
+                    <a:pt x="430" y="1323"/>
+                    <a:pt x="358" y="1481"/>
+                  </a:cubicBezTo>
+                  <a:lnTo>
+                    <a:pt x="72" y="2195"/>
+                  </a:lnTo>
+                  <a:cubicBezTo>
+                    <a:pt x="1" y="2373"/>
+                    <a:pt x="72" y="2587"/>
+                    <a:pt x="251" y="2694"/>
+                  </a:cubicBezTo>
+                  <a:lnTo>
+                    <a:pt x="286" y="2712"/>
+                  </a:lnTo>
+                  <a:cubicBezTo>
+                    <a:pt x="268" y="2909"/>
+                    <a:pt x="268" y="3087"/>
+                    <a:pt x="304" y="3283"/>
+                  </a:cubicBezTo>
+                  <a:lnTo>
+                    <a:pt x="251" y="3319"/>
+                  </a:lnTo>
+                  <a:cubicBezTo>
+                    <a:pt x="72" y="3408"/>
+                    <a:pt x="1" y="3622"/>
+                    <a:pt x="72" y="3819"/>
+                  </a:cubicBezTo>
+                  <a:lnTo>
+                    <a:pt x="376" y="4514"/>
+                  </a:lnTo>
+                  <a:cubicBezTo>
+                    <a:pt x="433" y="4673"/>
+                    <a:pt x="584" y="4762"/>
+                    <a:pt x="743" y="4762"/>
+                  </a:cubicBezTo>
+                  <a:cubicBezTo>
+                    <a:pt x="781" y="4762"/>
+                    <a:pt x="820" y="4757"/>
+                    <a:pt x="857" y="4746"/>
+                  </a:cubicBezTo>
+                  <a:lnTo>
+                    <a:pt x="911" y="4746"/>
+                  </a:lnTo>
+                  <a:cubicBezTo>
+                    <a:pt x="1018" y="4889"/>
+                    <a:pt x="1161" y="5014"/>
+                    <a:pt x="1303" y="5139"/>
+                  </a:cubicBezTo>
+                  <a:lnTo>
+                    <a:pt x="1286" y="5192"/>
+                  </a:lnTo>
+                  <a:cubicBezTo>
+                    <a:pt x="1232" y="5389"/>
+                    <a:pt x="1339" y="5585"/>
+                    <a:pt x="1517" y="5674"/>
+                  </a:cubicBezTo>
+                  <a:lnTo>
+                    <a:pt x="2231" y="5960"/>
+                  </a:lnTo>
+                  <a:cubicBezTo>
+                    <a:pt x="2285" y="5977"/>
+                    <a:pt x="2338" y="5995"/>
+                    <a:pt x="2392" y="5995"/>
+                  </a:cubicBezTo>
+                  <a:cubicBezTo>
+                    <a:pt x="2517" y="5995"/>
+                    <a:pt x="2659" y="5906"/>
+                    <a:pt x="2731" y="5781"/>
+                  </a:cubicBezTo>
+                  <a:lnTo>
+                    <a:pt x="2766" y="5728"/>
+                  </a:lnTo>
+                  <a:cubicBezTo>
+                    <a:pt x="2856" y="5737"/>
+                    <a:pt x="2949" y="5741"/>
+                    <a:pt x="3043" y="5741"/>
+                  </a:cubicBezTo>
+                  <a:cubicBezTo>
+                    <a:pt x="3137" y="5741"/>
+                    <a:pt x="3230" y="5737"/>
+                    <a:pt x="3320" y="5728"/>
+                  </a:cubicBezTo>
+                  <a:lnTo>
+                    <a:pt x="3355" y="5781"/>
+                  </a:lnTo>
+                  <a:cubicBezTo>
+                    <a:pt x="3421" y="5914"/>
+                    <a:pt x="3566" y="5987"/>
+                    <a:pt x="3709" y="5987"/>
+                  </a:cubicBezTo>
+                  <a:cubicBezTo>
+                    <a:pt x="3759" y="5987"/>
+                    <a:pt x="3809" y="5978"/>
+                    <a:pt x="3855" y="5960"/>
+                  </a:cubicBezTo>
+                  <a:lnTo>
+                    <a:pt x="4569" y="5656"/>
+                  </a:lnTo>
+                  <a:cubicBezTo>
+                    <a:pt x="4747" y="5585"/>
+                    <a:pt x="4854" y="5371"/>
+                    <a:pt x="4801" y="5175"/>
+                  </a:cubicBezTo>
+                  <a:lnTo>
+                    <a:pt x="4783" y="5121"/>
+                  </a:lnTo>
+                  <a:cubicBezTo>
+                    <a:pt x="4925" y="5014"/>
+                    <a:pt x="5050" y="4871"/>
+                    <a:pt x="5175" y="4728"/>
+                  </a:cubicBezTo>
+                  <a:lnTo>
+                    <a:pt x="5229" y="4746"/>
+                  </a:lnTo>
+                  <a:cubicBezTo>
+                    <a:pt x="5263" y="4756"/>
+                    <a:pt x="5298" y="4760"/>
+                    <a:pt x="5333" y="4760"/>
+                  </a:cubicBezTo>
+                  <a:cubicBezTo>
+                    <a:pt x="5496" y="4760"/>
+                    <a:pt x="5652" y="4662"/>
+                    <a:pt x="5710" y="4514"/>
+                  </a:cubicBezTo>
+                  <a:lnTo>
+                    <a:pt x="5996" y="3801"/>
+                  </a:lnTo>
+                  <a:cubicBezTo>
+                    <a:pt x="6085" y="3604"/>
+                    <a:pt x="5996" y="3390"/>
+                    <a:pt x="5835" y="3301"/>
+                  </a:cubicBezTo>
+                  <a:lnTo>
+                    <a:pt x="5782" y="3265"/>
+                  </a:lnTo>
+                  <a:cubicBezTo>
+                    <a:pt x="5800" y="3087"/>
+                    <a:pt x="5800" y="2891"/>
+                    <a:pt x="5782" y="2712"/>
+                  </a:cubicBezTo>
+                  <a:lnTo>
+                    <a:pt x="5818" y="2677"/>
+                  </a:lnTo>
+                  <a:cubicBezTo>
+                    <a:pt x="5996" y="2570"/>
+                    <a:pt x="6067" y="2355"/>
+                    <a:pt x="5996" y="2177"/>
+                  </a:cubicBezTo>
+                  <a:lnTo>
+                    <a:pt x="5693" y="1463"/>
+                  </a:lnTo>
+                  <a:cubicBezTo>
+                    <a:pt x="5634" y="1316"/>
+                    <a:pt x="5490" y="1217"/>
+                    <a:pt x="5331" y="1217"/>
+                  </a:cubicBezTo>
+                  <a:cubicBezTo>
+                    <a:pt x="5298" y="1217"/>
+                    <a:pt x="5263" y="1222"/>
+                    <a:pt x="5229" y="1231"/>
+                  </a:cubicBezTo>
+                  <a:lnTo>
+                    <a:pt x="5175" y="1249"/>
+                  </a:lnTo>
+                  <a:cubicBezTo>
+                    <a:pt x="5050" y="1106"/>
+                    <a:pt x="4908" y="964"/>
+                    <a:pt x="4765" y="857"/>
+                  </a:cubicBezTo>
+                  <a:lnTo>
+                    <a:pt x="4783" y="803"/>
+                  </a:lnTo>
+                  <a:cubicBezTo>
+                    <a:pt x="4836" y="607"/>
+                    <a:pt x="4729" y="393"/>
+                    <a:pt x="4551" y="321"/>
+                  </a:cubicBezTo>
+                  <a:lnTo>
+                    <a:pt x="3837" y="36"/>
+                  </a:lnTo>
+                  <a:cubicBezTo>
+                    <a:pt x="3788" y="12"/>
+                    <a:pt x="3737" y="1"/>
+                    <a:pt x="3686" y="1"/>
+                  </a:cubicBezTo>
+                  <a:close/>
+                </a:path>
+              </a:pathLst>
+            </a:custGeom>
+            <a:solidFill>
+              <a:schemeClr val="accent2"/>
+            </a:solidFill>
+            <a:ln>
+              <a:noFill/>
+            </a:ln>
+          </p:spPr>
+          <p:txBody>
+            <a:bodyPr spcFirstLastPara="1" wrap="square" lIns="91425" tIns="91425" rIns="91425" bIns="91425" anchor="ctr" anchorCtr="0">
+              <a:noAutofit/>
+            </a:bodyPr>
+            <a:lstStyle/>
+            <a:p>
+              <a:pPr marL="0" lvl="0" indent="0" algn="l" rtl="0">
+                <a:spcBef>
+                  <a:spcPts val="0"/>
+                </a:spcBef>
+                <a:spcAft>
+                  <a:spcPts val="0"/>
+                </a:spcAft>
+                <a:buNone/>
+              </a:pPr>
+              <a:endParaRPr/>
+            </a:p>
+          </p:txBody>
+        </p:sp>
+        <p:sp>
+          <p:nvSpPr>
+            <p:cNvPr id="388" name="Google Shape;388;p38"/>
+            <p:cNvSpPr/>
+            <p:nvPr/>
+          </p:nvSpPr>
+          <p:spPr>
+            <a:xfrm>
+              <a:off x="5635798" y="2193678"/>
+              <a:ext cx="15737" cy="24439"/>
+            </a:xfrm>
+            <a:custGeom>
+              <a:avLst/>
+              <a:gdLst/>
+              <a:ahLst/>
+              <a:cxnLst/>
+              <a:rect l="l" t="t" r="r" b="b"/>
+              <a:pathLst>
+                <a:path w="483" h="750" extrusionOk="0">
+                  <a:moveTo>
+                    <a:pt x="233" y="0"/>
+                  </a:moveTo>
+                  <a:cubicBezTo>
+                    <a:pt x="108" y="0"/>
+                    <a:pt x="1" y="107"/>
+                    <a:pt x="1" y="250"/>
+                  </a:cubicBezTo>
+                  <a:lnTo>
+                    <a:pt x="1" y="500"/>
+                  </a:lnTo>
+                  <a:cubicBezTo>
+                    <a:pt x="1" y="642"/>
+                    <a:pt x="108" y="750"/>
+                    <a:pt x="233" y="750"/>
+                  </a:cubicBezTo>
+                  <a:cubicBezTo>
+                    <a:pt x="376" y="750"/>
+                    <a:pt x="483" y="642"/>
+                    <a:pt x="483" y="500"/>
+                  </a:cubicBezTo>
+                  <a:lnTo>
+                    <a:pt x="483" y="250"/>
+                  </a:lnTo>
+                  <a:cubicBezTo>
+                    <a:pt x="483" y="107"/>
+                    <a:pt x="376" y="0"/>
+                    <a:pt x="233" y="0"/>
+                  </a:cubicBezTo>
+                  <a:close/>
+                </a:path>
+              </a:pathLst>
+            </a:custGeom>
+            <a:solidFill>
+              <a:schemeClr val="accent2"/>
+            </a:solidFill>
+            <a:ln>
+              <a:noFill/>
+            </a:ln>
+          </p:spPr>
+          <p:txBody>
+            <a:bodyPr spcFirstLastPara="1" wrap="square" lIns="91425" tIns="91425" rIns="91425" bIns="91425" anchor="ctr" anchorCtr="0">
+              <a:noAutofit/>
+            </a:bodyPr>
+            <a:lstStyle/>
+            <a:p>
+              <a:pPr marL="0" lvl="0" indent="0" algn="l" rtl="0">
+                <a:spcBef>
+                  <a:spcPts val="0"/>
+                </a:spcBef>
+                <a:spcAft>
+                  <a:spcPts val="0"/>
+                </a:spcAft>
+                <a:buNone/>
+              </a:pPr>
+              <a:endParaRPr/>
+            </a:p>
+          </p:txBody>
+        </p:sp>
+        <p:sp>
+          <p:nvSpPr>
+            <p:cNvPr id="389" name="Google Shape;389;p38"/>
+            <p:cNvSpPr/>
+            <p:nvPr/>
+          </p:nvSpPr>
+          <p:spPr>
+            <a:xfrm>
+              <a:off x="5635798" y="2275629"/>
+              <a:ext cx="15737" cy="22125"/>
+            </a:xfrm>
+            <a:custGeom>
+              <a:avLst/>
+              <a:gdLst/>
+              <a:ahLst/>
+              <a:cxnLst/>
+              <a:rect l="l" t="t" r="r" b="b"/>
+              <a:pathLst>
+                <a:path w="483" h="679" extrusionOk="0">
+                  <a:moveTo>
+                    <a:pt x="233" y="1"/>
+                  </a:moveTo>
+                  <a:cubicBezTo>
+                    <a:pt x="108" y="1"/>
+                    <a:pt x="1" y="108"/>
+                    <a:pt x="1" y="233"/>
+                  </a:cubicBezTo>
+                  <a:lnTo>
+                    <a:pt x="1" y="429"/>
+                  </a:lnTo>
+                  <a:cubicBezTo>
+                    <a:pt x="1" y="572"/>
+                    <a:pt x="108" y="679"/>
+                    <a:pt x="233" y="679"/>
+                  </a:cubicBezTo>
+                  <a:cubicBezTo>
+                    <a:pt x="376" y="679"/>
+                    <a:pt x="483" y="572"/>
+                    <a:pt x="483" y="429"/>
+                  </a:cubicBezTo>
+                  <a:lnTo>
+                    <a:pt x="483" y="233"/>
+                  </a:lnTo>
+                  <a:cubicBezTo>
+                    <a:pt x="483" y="108"/>
+                    <a:pt x="376" y="1"/>
+                    <a:pt x="233" y="1"/>
+                  </a:cubicBezTo>
+                  <a:close/>
+                </a:path>
+              </a:pathLst>
+            </a:custGeom>
+            <a:solidFill>
+              <a:schemeClr val="accent2"/>
+            </a:solidFill>
+            <a:ln>
+              <a:noFill/>
+            </a:ln>
+          </p:spPr>
+          <p:txBody>
+            <a:bodyPr spcFirstLastPara="1" wrap="square" lIns="91425" tIns="91425" rIns="91425" bIns="91425" anchor="ctr" anchorCtr="0">
+              <a:noAutofit/>
+            </a:bodyPr>
+            <a:lstStyle/>
+            <a:p>
+              <a:pPr marL="0" lvl="0" indent="0" algn="l" rtl="0">
+                <a:spcBef>
+                  <a:spcPts val="0"/>
+                </a:spcBef>
+                <a:spcAft>
+                  <a:spcPts val="0"/>
+                </a:spcAft>
+                <a:buNone/>
+              </a:pPr>
+              <a:endParaRPr/>
+            </a:p>
+          </p:txBody>
+        </p:sp>
+        <p:sp>
+          <p:nvSpPr>
+            <p:cNvPr id="390" name="Google Shape;390;p38"/>
+            <p:cNvSpPr/>
+            <p:nvPr/>
+          </p:nvSpPr>
+          <p:spPr>
+            <a:xfrm>
+              <a:off x="5673593" y="2238449"/>
+              <a:ext cx="22124" cy="15119"/>
+            </a:xfrm>
+            <a:custGeom>
+              <a:avLst/>
+              <a:gdLst/>
+              <a:ahLst/>
+              <a:cxnLst/>
+              <a:rect l="l" t="t" r="r" b="b"/>
+              <a:pathLst>
+                <a:path w="679" h="464" extrusionOk="0">
+                  <a:moveTo>
+                    <a:pt x="233" y="0"/>
+                  </a:moveTo>
+                  <a:cubicBezTo>
+                    <a:pt x="108" y="0"/>
+                    <a:pt x="1" y="107"/>
+                    <a:pt x="1" y="232"/>
+                  </a:cubicBezTo>
+                  <a:cubicBezTo>
+                    <a:pt x="1" y="357"/>
+                    <a:pt x="108" y="464"/>
+                    <a:pt x="233" y="464"/>
+                  </a:cubicBezTo>
+                  <a:lnTo>
+                    <a:pt x="447" y="464"/>
+                  </a:lnTo>
+                  <a:cubicBezTo>
+                    <a:pt x="572" y="464"/>
+                    <a:pt x="679" y="357"/>
+                    <a:pt x="679" y="232"/>
+                  </a:cubicBezTo>
+                  <a:cubicBezTo>
+                    <a:pt x="679" y="107"/>
+                    <a:pt x="572" y="0"/>
+                    <a:pt x="447" y="0"/>
+                  </a:cubicBezTo>
+                  <a:close/>
+                </a:path>
+              </a:pathLst>
+            </a:custGeom>
+            <a:solidFill>
+              <a:schemeClr val="accent2"/>
+            </a:solidFill>
+            <a:ln>
+              <a:noFill/>
+            </a:ln>
+          </p:spPr>
+          <p:txBody>
+            <a:bodyPr spcFirstLastPara="1" wrap="square" lIns="91425" tIns="91425" rIns="91425" bIns="91425" anchor="ctr" anchorCtr="0">
+              <a:noAutofit/>
+            </a:bodyPr>
+            <a:lstStyle/>
+            <a:p>
+              <a:pPr marL="0" lvl="0" indent="0" algn="l" rtl="0">
+                <a:spcBef>
+                  <a:spcPts val="0"/>
+                </a:spcBef>
+                <a:spcAft>
+                  <a:spcPts val="0"/>
+                </a:spcAft>
+                <a:buNone/>
+              </a:pPr>
+              <a:endParaRPr/>
+            </a:p>
+          </p:txBody>
+        </p:sp>
+        <p:sp>
+          <p:nvSpPr>
+            <p:cNvPr id="391" name="Google Shape;391;p38"/>
+            <p:cNvSpPr/>
+            <p:nvPr/>
+          </p:nvSpPr>
+          <p:spPr>
+            <a:xfrm>
+              <a:off x="5592202" y="2238449"/>
+              <a:ext cx="22710" cy="15119"/>
+            </a:xfrm>
+            <a:custGeom>
+              <a:avLst/>
+              <a:gdLst/>
+              <a:ahLst/>
+              <a:cxnLst/>
+              <a:rect l="l" t="t" r="r" b="b"/>
+              <a:pathLst>
+                <a:path w="697" h="464" extrusionOk="0">
+                  <a:moveTo>
+                    <a:pt x="233" y="0"/>
+                  </a:moveTo>
+                  <a:cubicBezTo>
+                    <a:pt x="108" y="0"/>
+                    <a:pt x="1" y="107"/>
+                    <a:pt x="1" y="232"/>
+                  </a:cubicBezTo>
+                  <a:cubicBezTo>
+                    <a:pt x="1" y="357"/>
+                    <a:pt x="108" y="464"/>
+                    <a:pt x="233" y="464"/>
+                  </a:cubicBezTo>
+                  <a:lnTo>
+                    <a:pt x="465" y="464"/>
+                  </a:lnTo>
+                  <a:cubicBezTo>
+                    <a:pt x="590" y="464"/>
+                    <a:pt x="697" y="357"/>
+                    <a:pt x="697" y="232"/>
+                  </a:cubicBezTo>
+                  <a:cubicBezTo>
+                    <a:pt x="697" y="107"/>
+                    <a:pt x="590" y="0"/>
+                    <a:pt x="465" y="0"/>
+                  </a:cubicBezTo>
+                  <a:close/>
+                </a:path>
+              </a:pathLst>
+            </a:custGeom>
+            <a:solidFill>
+              <a:schemeClr val="accent2"/>
+            </a:solidFill>
+            <a:ln>
+              <a:noFill/>
+            </a:ln>
+          </p:spPr>
+          <p:txBody>
+            <a:bodyPr spcFirstLastPara="1" wrap="square" lIns="91425" tIns="91425" rIns="91425" bIns="91425" anchor="ctr" anchorCtr="0">
+              <a:noAutofit/>
+            </a:bodyPr>
+            <a:lstStyle/>
+            <a:p>
+              <a:pPr marL="0" lvl="0" indent="0" algn="l" rtl="0">
+                <a:spcBef>
+                  <a:spcPts val="0"/>
+                </a:spcBef>
+                <a:spcAft>
+                  <a:spcPts val="0"/>
+                </a:spcAft>
+                <a:buNone/>
+              </a:pPr>
+              <a:endParaRPr/>
+            </a:p>
+          </p:txBody>
+        </p:sp>
+        <p:sp>
+          <p:nvSpPr>
+            <p:cNvPr id="392" name="Google Shape;392;p38"/>
+            <p:cNvSpPr/>
+            <p:nvPr/>
+          </p:nvSpPr>
+          <p:spPr>
+            <a:xfrm>
+              <a:off x="5659648" y="2206614"/>
+              <a:ext cx="23883" cy="22549"/>
+            </a:xfrm>
+            <a:custGeom>
+              <a:avLst/>
+              <a:gdLst/>
+              <a:ahLst/>
+              <a:cxnLst/>
+              <a:rect l="l" t="t" r="r" b="b"/>
+              <a:pathLst>
+                <a:path w="733" h="692" extrusionOk="0">
+                  <a:moveTo>
+                    <a:pt x="473" y="0"/>
+                  </a:moveTo>
+                  <a:cubicBezTo>
+                    <a:pt x="411" y="0"/>
+                    <a:pt x="348" y="22"/>
+                    <a:pt x="304" y="67"/>
+                  </a:cubicBezTo>
+                  <a:lnTo>
+                    <a:pt x="108" y="281"/>
+                  </a:lnTo>
+                  <a:cubicBezTo>
+                    <a:pt x="0" y="370"/>
+                    <a:pt x="0" y="531"/>
+                    <a:pt x="108" y="620"/>
+                  </a:cubicBezTo>
+                  <a:cubicBezTo>
+                    <a:pt x="143" y="656"/>
+                    <a:pt x="215" y="692"/>
+                    <a:pt x="268" y="692"/>
+                  </a:cubicBezTo>
+                  <a:cubicBezTo>
+                    <a:pt x="322" y="692"/>
+                    <a:pt x="393" y="656"/>
+                    <a:pt x="429" y="620"/>
+                  </a:cubicBezTo>
+                  <a:lnTo>
+                    <a:pt x="643" y="406"/>
+                  </a:lnTo>
+                  <a:cubicBezTo>
+                    <a:pt x="732" y="317"/>
+                    <a:pt x="732" y="174"/>
+                    <a:pt x="643" y="67"/>
+                  </a:cubicBezTo>
+                  <a:cubicBezTo>
+                    <a:pt x="598" y="22"/>
+                    <a:pt x="536" y="0"/>
+                    <a:pt x="473" y="0"/>
+                  </a:cubicBezTo>
+                  <a:close/>
+                </a:path>
+              </a:pathLst>
+            </a:custGeom>
+            <a:solidFill>
+              <a:schemeClr val="accent2"/>
+            </a:solidFill>
+            <a:ln>
+              <a:noFill/>
+            </a:ln>
+          </p:spPr>
+          <p:txBody>
+            <a:bodyPr spcFirstLastPara="1" wrap="square" lIns="91425" tIns="91425" rIns="91425" bIns="91425" anchor="ctr" anchorCtr="0">
+              <a:noAutofit/>
+            </a:bodyPr>
+            <a:lstStyle/>
+            <a:p>
+              <a:pPr marL="0" lvl="0" indent="0" algn="l" rtl="0">
+                <a:spcBef>
+                  <a:spcPts val="0"/>
+                </a:spcBef>
+                <a:spcAft>
+                  <a:spcPts val="0"/>
+                </a:spcAft>
+                <a:buNone/>
+              </a:pPr>
+              <a:endParaRPr/>
+            </a:p>
+          </p:txBody>
+        </p:sp>
+        <p:sp>
+          <p:nvSpPr>
+            <p:cNvPr id="393" name="Google Shape;393;p38"/>
+            <p:cNvSpPr/>
+            <p:nvPr/>
+          </p:nvSpPr>
+          <p:spPr>
+            <a:xfrm>
+              <a:off x="5603834" y="2262497"/>
+              <a:ext cx="23883" cy="22484"/>
+            </a:xfrm>
+            <a:custGeom>
+              <a:avLst/>
+              <a:gdLst/>
+              <a:ahLst/>
+              <a:cxnLst/>
+              <a:rect l="l" t="t" r="r" b="b"/>
+              <a:pathLst>
+                <a:path w="733" h="690" extrusionOk="0">
+                  <a:moveTo>
+                    <a:pt x="465" y="0"/>
+                  </a:moveTo>
+                  <a:cubicBezTo>
+                    <a:pt x="405" y="0"/>
+                    <a:pt x="346" y="22"/>
+                    <a:pt x="304" y="65"/>
+                  </a:cubicBezTo>
+                  <a:lnTo>
+                    <a:pt x="108" y="279"/>
+                  </a:lnTo>
+                  <a:cubicBezTo>
+                    <a:pt x="1" y="368"/>
+                    <a:pt x="1" y="529"/>
+                    <a:pt x="108" y="618"/>
+                  </a:cubicBezTo>
+                  <a:cubicBezTo>
+                    <a:pt x="143" y="654"/>
+                    <a:pt x="215" y="689"/>
+                    <a:pt x="268" y="689"/>
+                  </a:cubicBezTo>
+                  <a:cubicBezTo>
+                    <a:pt x="322" y="689"/>
+                    <a:pt x="393" y="654"/>
+                    <a:pt x="429" y="618"/>
+                  </a:cubicBezTo>
+                  <a:lnTo>
+                    <a:pt x="643" y="404"/>
+                  </a:lnTo>
+                  <a:cubicBezTo>
+                    <a:pt x="732" y="315"/>
+                    <a:pt x="732" y="172"/>
+                    <a:pt x="643" y="83"/>
+                  </a:cubicBezTo>
+                  <a:cubicBezTo>
+                    <a:pt x="596" y="27"/>
+                    <a:pt x="530" y="0"/>
+                    <a:pt x="465" y="0"/>
+                  </a:cubicBezTo>
+                  <a:close/>
+                </a:path>
+              </a:pathLst>
+            </a:custGeom>
+            <a:solidFill>
+              <a:schemeClr val="accent2"/>
+            </a:solidFill>
+            <a:ln>
+              <a:noFill/>
+            </a:ln>
+          </p:spPr>
+          <p:txBody>
+            <a:bodyPr spcFirstLastPara="1" wrap="square" lIns="91425" tIns="91425" rIns="91425" bIns="91425" anchor="ctr" anchorCtr="0">
+              <a:noAutofit/>
+            </a:bodyPr>
+            <a:lstStyle/>
+            <a:p>
+              <a:pPr marL="0" lvl="0" indent="0" algn="l" rtl="0">
+                <a:spcBef>
+                  <a:spcPts val="0"/>
+                </a:spcBef>
+                <a:spcAft>
+                  <a:spcPts val="0"/>
+                </a:spcAft>
+                <a:buNone/>
+              </a:pPr>
+              <a:endParaRPr/>
+            </a:p>
+          </p:txBody>
+        </p:sp>
+        <p:sp>
+          <p:nvSpPr>
+            <p:cNvPr id="394" name="Google Shape;394;p38"/>
+            <p:cNvSpPr/>
+            <p:nvPr/>
+          </p:nvSpPr>
+          <p:spPr>
+            <a:xfrm>
+              <a:off x="5660235" y="2263507"/>
+              <a:ext cx="23296" cy="21474"/>
+            </a:xfrm>
+            <a:custGeom>
+              <a:avLst/>
+              <a:gdLst/>
+              <a:ahLst/>
+              <a:cxnLst/>
+              <a:rect l="l" t="t" r="r" b="b"/>
+              <a:pathLst>
+                <a:path w="715" h="659" extrusionOk="0">
+                  <a:moveTo>
+                    <a:pt x="252" y="0"/>
+                  </a:moveTo>
+                  <a:cubicBezTo>
+                    <a:pt x="186" y="0"/>
+                    <a:pt x="119" y="23"/>
+                    <a:pt x="72" y="70"/>
+                  </a:cubicBezTo>
+                  <a:cubicBezTo>
+                    <a:pt x="0" y="177"/>
+                    <a:pt x="0" y="319"/>
+                    <a:pt x="90" y="409"/>
+                  </a:cubicBezTo>
+                  <a:lnTo>
+                    <a:pt x="304" y="587"/>
+                  </a:lnTo>
+                  <a:cubicBezTo>
+                    <a:pt x="339" y="641"/>
+                    <a:pt x="393" y="658"/>
+                    <a:pt x="464" y="658"/>
+                  </a:cubicBezTo>
+                  <a:cubicBezTo>
+                    <a:pt x="518" y="658"/>
+                    <a:pt x="589" y="623"/>
+                    <a:pt x="625" y="569"/>
+                  </a:cubicBezTo>
+                  <a:cubicBezTo>
+                    <a:pt x="714" y="480"/>
+                    <a:pt x="714" y="337"/>
+                    <a:pt x="607" y="248"/>
+                  </a:cubicBezTo>
+                  <a:lnTo>
+                    <a:pt x="411" y="52"/>
+                  </a:lnTo>
+                  <a:cubicBezTo>
+                    <a:pt x="369" y="18"/>
+                    <a:pt x="311" y="0"/>
+                    <a:pt x="252" y="0"/>
+                  </a:cubicBezTo>
+                  <a:close/>
+                </a:path>
+              </a:pathLst>
+            </a:custGeom>
+            <a:solidFill>
+              <a:schemeClr val="accent2"/>
+            </a:solidFill>
+            <a:ln>
+              <a:noFill/>
+            </a:ln>
+          </p:spPr>
+          <p:txBody>
+            <a:bodyPr spcFirstLastPara="1" wrap="square" lIns="91425" tIns="91425" rIns="91425" bIns="91425" anchor="ctr" anchorCtr="0">
+              <a:noAutofit/>
+            </a:bodyPr>
+            <a:lstStyle/>
+            <a:p>
+              <a:pPr marL="0" lvl="0" indent="0" algn="l" rtl="0">
+                <a:spcBef>
+                  <a:spcPts val="0"/>
+                </a:spcBef>
+                <a:spcAft>
+                  <a:spcPts val="0"/>
+                </a:spcAft>
+                <a:buNone/>
+              </a:pPr>
+              <a:endParaRPr/>
+            </a:p>
+          </p:txBody>
+        </p:sp>
+        <p:sp>
+          <p:nvSpPr>
+            <p:cNvPr id="395" name="Google Shape;395;p38"/>
+            <p:cNvSpPr/>
+            <p:nvPr/>
+          </p:nvSpPr>
+          <p:spPr>
+            <a:xfrm>
+              <a:off x="5603834" y="2206614"/>
+              <a:ext cx="23883" cy="22549"/>
+            </a:xfrm>
+            <a:custGeom>
+              <a:avLst/>
+              <a:gdLst/>
+              <a:ahLst/>
+              <a:cxnLst/>
+              <a:rect l="l" t="t" r="r" b="b"/>
+              <a:pathLst>
+                <a:path w="733" h="692" extrusionOk="0">
+                  <a:moveTo>
+                    <a:pt x="268" y="0"/>
+                  </a:moveTo>
+                  <a:cubicBezTo>
+                    <a:pt x="210" y="0"/>
+                    <a:pt x="152" y="22"/>
+                    <a:pt x="108" y="67"/>
+                  </a:cubicBezTo>
+                  <a:cubicBezTo>
+                    <a:pt x="1" y="174"/>
+                    <a:pt x="1" y="317"/>
+                    <a:pt x="108" y="406"/>
+                  </a:cubicBezTo>
+                  <a:lnTo>
+                    <a:pt x="304" y="620"/>
+                  </a:lnTo>
+                  <a:cubicBezTo>
+                    <a:pt x="357" y="656"/>
+                    <a:pt x="411" y="692"/>
+                    <a:pt x="482" y="692"/>
+                  </a:cubicBezTo>
+                  <a:cubicBezTo>
+                    <a:pt x="536" y="692"/>
+                    <a:pt x="589" y="656"/>
+                    <a:pt x="643" y="620"/>
+                  </a:cubicBezTo>
+                  <a:cubicBezTo>
+                    <a:pt x="732" y="531"/>
+                    <a:pt x="732" y="370"/>
+                    <a:pt x="643" y="281"/>
+                  </a:cubicBezTo>
+                  <a:lnTo>
+                    <a:pt x="429" y="67"/>
+                  </a:lnTo>
+                  <a:cubicBezTo>
+                    <a:pt x="384" y="22"/>
+                    <a:pt x="326" y="0"/>
+                    <a:pt x="268" y="0"/>
+                  </a:cubicBezTo>
+                  <a:close/>
+                </a:path>
+              </a:pathLst>
+            </a:custGeom>
+            <a:solidFill>
+              <a:schemeClr val="accent2"/>
+            </a:solidFill>
+            <a:ln>
+              <a:noFill/>
+            </a:ln>
+          </p:spPr>
+          <p:txBody>
+            <a:bodyPr spcFirstLastPara="1" wrap="square" lIns="91425" tIns="91425" rIns="91425" bIns="91425" anchor="ctr" anchorCtr="0">
+              <a:noAutofit/>
+            </a:bodyPr>
+            <a:lstStyle/>
+            <a:p>
+              <a:pPr marL="0" lvl="0" indent="0" algn="l" rtl="0">
+                <a:spcBef>
+                  <a:spcPts val="0"/>
+                </a:spcBef>
+                <a:spcAft>
+                  <a:spcPts val="0"/>
+                </a:spcAft>
+                <a:buNone/>
+              </a:pPr>
+              <a:endParaRPr/>
+            </a:p>
+          </p:txBody>
+        </p:sp>
+        <p:sp>
+          <p:nvSpPr>
+            <p:cNvPr id="396" name="Google Shape;396;p38"/>
+            <p:cNvSpPr/>
+            <p:nvPr/>
+          </p:nvSpPr>
+          <p:spPr>
+            <a:xfrm>
+              <a:off x="5601521" y="2203551"/>
+              <a:ext cx="88396" cy="84330"/>
+            </a:xfrm>
+            <a:custGeom>
+              <a:avLst/>
+              <a:gdLst/>
+              <a:ahLst/>
+              <a:cxnLst/>
+              <a:rect l="l" t="t" r="r" b="b"/>
+              <a:pathLst>
+                <a:path w="2713" h="2588" extrusionOk="0">
+                  <a:moveTo>
+                    <a:pt x="1303" y="464"/>
+                  </a:moveTo>
+                  <a:cubicBezTo>
+                    <a:pt x="1517" y="464"/>
+                    <a:pt x="1731" y="554"/>
+                    <a:pt x="1874" y="714"/>
+                  </a:cubicBezTo>
+                  <a:cubicBezTo>
+                    <a:pt x="2213" y="1035"/>
+                    <a:pt x="2213" y="1553"/>
+                    <a:pt x="1874" y="1874"/>
+                  </a:cubicBezTo>
+                  <a:cubicBezTo>
+                    <a:pt x="1731" y="2035"/>
+                    <a:pt x="1517" y="2124"/>
+                    <a:pt x="1303" y="2124"/>
+                  </a:cubicBezTo>
+                  <a:cubicBezTo>
+                    <a:pt x="1071" y="2124"/>
+                    <a:pt x="874" y="2035"/>
+                    <a:pt x="714" y="1874"/>
+                  </a:cubicBezTo>
+                  <a:cubicBezTo>
+                    <a:pt x="553" y="1731"/>
+                    <a:pt x="464" y="1517"/>
+                    <a:pt x="464" y="1303"/>
+                  </a:cubicBezTo>
+                  <a:cubicBezTo>
+                    <a:pt x="464" y="1071"/>
+                    <a:pt x="553" y="875"/>
+                    <a:pt x="714" y="714"/>
+                  </a:cubicBezTo>
+                  <a:cubicBezTo>
+                    <a:pt x="874" y="554"/>
+                    <a:pt x="1071" y="464"/>
+                    <a:pt x="1303" y="464"/>
+                  </a:cubicBezTo>
+                  <a:close/>
+                  <a:moveTo>
+                    <a:pt x="1303" y="0"/>
+                  </a:moveTo>
+                  <a:cubicBezTo>
+                    <a:pt x="946" y="0"/>
+                    <a:pt x="625" y="143"/>
+                    <a:pt x="375" y="375"/>
+                  </a:cubicBezTo>
+                  <a:cubicBezTo>
+                    <a:pt x="143" y="625"/>
+                    <a:pt x="0" y="946"/>
+                    <a:pt x="0" y="1303"/>
+                  </a:cubicBezTo>
+                  <a:cubicBezTo>
+                    <a:pt x="0" y="1642"/>
+                    <a:pt x="143" y="1963"/>
+                    <a:pt x="375" y="2213"/>
+                  </a:cubicBezTo>
+                  <a:cubicBezTo>
+                    <a:pt x="625" y="2463"/>
+                    <a:pt x="946" y="2588"/>
+                    <a:pt x="1303" y="2588"/>
+                  </a:cubicBezTo>
+                  <a:cubicBezTo>
+                    <a:pt x="1642" y="2588"/>
+                    <a:pt x="1963" y="2463"/>
+                    <a:pt x="2213" y="2213"/>
+                  </a:cubicBezTo>
+                  <a:cubicBezTo>
+                    <a:pt x="2712" y="1713"/>
+                    <a:pt x="2712" y="893"/>
+                    <a:pt x="2213" y="375"/>
+                  </a:cubicBezTo>
+                  <a:cubicBezTo>
+                    <a:pt x="1963" y="143"/>
+                    <a:pt x="1642" y="0"/>
+                    <a:pt x="1303" y="0"/>
+                  </a:cubicBezTo>
+                  <a:close/>
+                </a:path>
+              </a:pathLst>
+            </a:custGeom>
+            <a:solidFill>
+              <a:schemeClr val="accent2"/>
+            </a:solidFill>
+            <a:ln>
+              <a:noFill/>
+            </a:ln>
+          </p:spPr>
+          <p:txBody>
+            <a:bodyPr spcFirstLastPara="1" wrap="square" lIns="91425" tIns="91425" rIns="91425" bIns="91425" anchor="ctr" anchorCtr="0">
+              <a:noAutofit/>
+            </a:bodyPr>
+            <a:lstStyle/>
+            <a:p>
+              <a:pPr marL="0" lvl="0" indent="0" algn="l" rtl="0">
+                <a:spcBef>
+                  <a:spcPts val="0"/>
+                </a:spcBef>
+                <a:spcAft>
+                  <a:spcPts val="0"/>
+                </a:spcAft>
+                <a:buNone/>
+              </a:pPr>
+              <a:endParaRPr/>
+            </a:p>
+          </p:txBody>
+        </p:sp>
+        <p:sp>
+          <p:nvSpPr>
+            <p:cNvPr id="397" name="Google Shape;397;p38"/>
+            <p:cNvSpPr/>
+            <p:nvPr/>
+          </p:nvSpPr>
+          <p:spPr>
+            <a:xfrm>
+              <a:off x="5635798" y="2237863"/>
+              <a:ext cx="15737" cy="15706"/>
+            </a:xfrm>
+            <a:custGeom>
+              <a:avLst/>
+              <a:gdLst/>
+              <a:ahLst/>
+              <a:cxnLst/>
+              <a:rect l="l" t="t" r="r" b="b"/>
+              <a:pathLst>
+                <a:path w="483" h="482" extrusionOk="0">
+                  <a:moveTo>
+                    <a:pt x="233" y="0"/>
+                  </a:moveTo>
+                  <a:cubicBezTo>
+                    <a:pt x="108" y="0"/>
+                    <a:pt x="1" y="107"/>
+                    <a:pt x="1" y="232"/>
+                  </a:cubicBezTo>
+                  <a:lnTo>
+                    <a:pt x="1" y="250"/>
+                  </a:lnTo>
+                  <a:cubicBezTo>
+                    <a:pt x="1" y="375"/>
+                    <a:pt x="108" y="482"/>
+                    <a:pt x="233" y="482"/>
+                  </a:cubicBezTo>
+                  <a:cubicBezTo>
+                    <a:pt x="376" y="482"/>
+                    <a:pt x="483" y="375"/>
+                    <a:pt x="483" y="250"/>
+                  </a:cubicBezTo>
+                  <a:lnTo>
+                    <a:pt x="483" y="232"/>
+                  </a:lnTo>
+                  <a:cubicBezTo>
+                    <a:pt x="483" y="107"/>
+                    <a:pt x="376" y="0"/>
+                    <a:pt x="233" y="0"/>
+                  </a:cubicBezTo>
+                  <a:close/>
+                </a:path>
+              </a:pathLst>
+            </a:custGeom>
+            <a:solidFill>
+              <a:schemeClr val="accent2"/>
+            </a:solidFill>
+            <a:ln>
+              <a:noFill/>
+            </a:ln>
+          </p:spPr>
+          <p:txBody>
+            <a:bodyPr spcFirstLastPara="1" wrap="square" lIns="91425" tIns="91425" rIns="91425" bIns="91425" anchor="ctr" anchorCtr="0">
+              <a:noAutofit/>
+            </a:bodyPr>
+            <a:lstStyle/>
+            <a:p>
+              <a:pPr marL="0" lvl="0" indent="0" algn="l" rtl="0">
+                <a:spcBef>
+                  <a:spcPts val="0"/>
+                </a:spcBef>
+                <a:spcAft>
+                  <a:spcPts val="0"/>
+                </a:spcAft>
+                <a:buNone/>
+              </a:pPr>
+              <a:endParaRPr/>
+            </a:p>
+          </p:txBody>
+        </p:sp>
+      </p:grpSp>
+      <p:sp>
+        <p:nvSpPr>
+          <p:cNvPr id="398" name="Google Shape;398;p38"/>
+          <p:cNvSpPr txBox="1">
+            <a:spLocks noGrp="1"/>
+          </p:cNvSpPr>
+          <p:nvPr>
+            <p:ph type="body" idx="1"/>
+          </p:nvPr>
+        </p:nvSpPr>
+        <p:spPr>
+          <a:xfrm>
+            <a:off x="679133" y="1871329"/>
+            <a:ext cx="3860100" cy="2289509"/>
+          </a:xfrm>
+          <a:prstGeom prst="rect">
+            <a:avLst/>
+          </a:prstGeom>
+        </p:spPr>
+        <p:txBody>
+          <a:bodyPr spcFirstLastPara="1" wrap="square" lIns="91425" tIns="91425" rIns="91425" bIns="91425" anchor="t" anchorCtr="0">
+            <a:noAutofit/>
+          </a:bodyPr>
+          <a:lstStyle/>
+          <a:p>
+            <a:pPr marL="320040" lvl="0" indent="-317500" algn="l" rtl="0">
+              <a:lnSpc>
+                <a:spcPct val="100000"/>
+              </a:lnSpc>
+              <a:spcBef>
+                <a:spcPts val="1000"/>
+              </a:spcBef>
+              <a:spcAft>
+                <a:spcPts val="0"/>
+              </a:spcAft>
+              <a:buClr>
+                <a:schemeClr val="dk1"/>
+              </a:buClr>
+              <a:buSzPts val="1400"/>
+              <a:buFont typeface="Manrope Medium"/>
+              <a:buChar char="●"/>
+            </a:pPr>
+            <a:r>
+              <a:rPr lang="en-US" dirty="0" smtClean="0"/>
+              <a:t>Observer</a:t>
+            </a:r>
+          </a:p>
+          <a:p>
+            <a:pPr marL="288290" lvl="0" indent="-285750" algn="l" rtl="0">
+              <a:lnSpc>
+                <a:spcPct val="100000"/>
+              </a:lnSpc>
+              <a:spcBef>
+                <a:spcPts val="1000"/>
+              </a:spcBef>
+              <a:spcAft>
+                <a:spcPts val="0"/>
+              </a:spcAft>
+              <a:buClr>
+                <a:schemeClr val="dk1"/>
+              </a:buClr>
+              <a:buSzPts val="1400"/>
+              <a:buFontTx/>
+              <a:buChar char="-"/>
+            </a:pPr>
+            <a:r>
+              <a:rPr lang="en-US" dirty="0" smtClean="0"/>
+              <a:t>All observers need to implement the observer interface.</a:t>
+            </a:r>
+          </a:p>
+          <a:p>
+            <a:pPr marL="288290" lvl="0" indent="-285750" algn="l" rtl="0">
+              <a:lnSpc>
+                <a:spcPct val="100000"/>
+              </a:lnSpc>
+              <a:spcBef>
+                <a:spcPts val="1000"/>
+              </a:spcBef>
+              <a:spcAft>
+                <a:spcPts val="0"/>
+              </a:spcAft>
+              <a:buClr>
+                <a:schemeClr val="dk1"/>
+              </a:buClr>
+              <a:buSzPts val="1400"/>
+              <a:buFontTx/>
+              <a:buChar char="-"/>
+            </a:pPr>
+            <a:r>
+              <a:rPr lang="en-US" dirty="0" smtClean="0"/>
+              <a:t>The update() gets called when the Subject’s state changes.</a:t>
+            </a:r>
+          </a:p>
+        </p:txBody>
+      </p:sp>
+      <p:sp>
+        <p:nvSpPr>
+          <p:cNvPr id="399" name="Google Shape;399;p38"/>
+          <p:cNvSpPr txBox="1">
+            <a:spLocks noGrp="1"/>
+          </p:cNvSpPr>
+          <p:nvPr>
+            <p:ph type="ctrTitle"/>
+          </p:nvPr>
+        </p:nvSpPr>
+        <p:spPr>
+          <a:xfrm>
+            <a:off x="679133" y="1029425"/>
+            <a:ext cx="7785733" cy="427425"/>
+          </a:xfrm>
+          <a:prstGeom prst="rect">
+            <a:avLst/>
+          </a:prstGeom>
+        </p:spPr>
+        <p:txBody>
+          <a:bodyPr spcFirstLastPara="1" wrap="square" lIns="91425" tIns="91425" rIns="91425" bIns="91425" anchor="b" anchorCtr="0">
+            <a:noAutofit/>
+          </a:bodyPr>
+          <a:lstStyle/>
+          <a:p>
+            <a:pPr marL="0" lvl="0" indent="0" algn="ctr" rtl="0">
+              <a:spcBef>
+                <a:spcPts val="0"/>
+              </a:spcBef>
+              <a:spcAft>
+                <a:spcPts val="0"/>
+              </a:spcAft>
+              <a:buNone/>
+            </a:pPr>
+            <a:r>
+              <a:rPr lang="en" dirty="0" smtClean="0"/>
+              <a:t>Explain</a:t>
+            </a:r>
+            <a:endParaRPr dirty="0"/>
+          </a:p>
+        </p:txBody>
+      </p:sp>
+    </p:spTree>
+    <p:extLst>
+      <p:ext uri="{BB962C8B-B14F-4D97-AF65-F5344CB8AC3E}">
+        <p14:creationId xmlns:p14="http://schemas.microsoft.com/office/powerpoint/2010/main" val="1983640867"/>
       </p:ext>
     </p:extLst>
   </p:cSld>
@@ -24389,7 +27667,7 @@
         </p:nvSpPr>
         <p:spPr>
           <a:xfrm>
-            <a:off x="815137" y="3579626"/>
+            <a:off x="790716" y="2849524"/>
             <a:ext cx="7513675" cy="645042"/>
           </a:xfrm>
           <a:prstGeom prst="rect">
@@ -27676,23 +30954,33 @@
               <a:buChar char="ü"/>
             </a:pPr>
             <a:r>
-              <a:rPr lang="en-US" i="1" dirty="0"/>
+              <a:rPr lang="en-US" i="1" dirty="0">
+                <a:latin typeface="Manrope Medium" panose="020B0604020202020204" charset="0"/>
+              </a:rPr>
               <a:t>Open/Closed Principle</a:t>
             </a:r>
             <a:r>
-              <a:rPr lang="en-US" dirty="0"/>
+              <a:rPr lang="en-US" dirty="0">
+                <a:latin typeface="Manrope Medium" panose="020B0604020202020204" charset="0"/>
+              </a:rPr>
               <a:t>. </a:t>
             </a:r>
             <a:r>
-              <a:rPr lang="en-US" dirty="0" smtClean="0"/>
+              <a:rPr lang="en-US" dirty="0" smtClean="0">
+                <a:latin typeface="Manrope Medium" panose="020B0604020202020204" charset="0"/>
+              </a:rPr>
               <a:t>You </a:t>
             </a:r>
             <a:r>
-              <a:rPr lang="en-US" dirty="0"/>
+              <a:rPr lang="en-US" dirty="0">
+                <a:latin typeface="Manrope Medium" panose="020B0604020202020204" charset="0"/>
+              </a:rPr>
               <a:t>can introduce new subscriber classes without having to change the publisher’s code (and vice versa if there’s a publisher interface</a:t>
             </a:r>
             <a:r>
-              <a:rPr lang="en-US" dirty="0" smtClean="0"/>
+              <a:rPr lang="en-US" dirty="0" smtClean="0">
+                <a:latin typeface="Manrope Medium" panose="020B0604020202020204" charset="0"/>
+              </a:rPr>
               <a:t>).</a:t>
             </a:r>
           </a:p>
@@ -27701,7 +30989,9 @@
               <a:buFont typeface="Wingdings" panose="05000000000000000000" pitchFamily="2" charset="2"/>
               <a:buChar char="ü"/>
             </a:pPr>
-            <a:endParaRPr lang="en-US" dirty="0"/>
+            <a:endParaRPr lang="en-US" dirty="0">
+              <a:latin typeface="Manrope Medium" panose="020B0604020202020204" charset="0"/>
+            </a:endParaRPr>
           </a:p>
           <a:p>
             <a:pPr marL="285750" indent="-285750">
@@ -27709,7 +30999,9 @@
               <a:buChar char="ü"/>
             </a:pPr>
             <a:r>
-              <a:rPr lang="en-US" dirty="0" smtClean="0"/>
+              <a:rPr lang="en-US" dirty="0" smtClean="0">
+                <a:latin typeface="Manrope Medium" panose="020B0604020202020204" charset="0"/>
+              </a:rPr>
               <a:t>Relations can be established between objects at run time.</a:t>
             </a:r>
           </a:p>
@@ -27718,7 +31010,9 @@
               <a:buFont typeface="Wingdings" panose="05000000000000000000" pitchFamily="2" charset="2"/>
               <a:buChar char="ü"/>
             </a:pPr>
-            <a:endParaRPr lang="en-US" dirty="0"/>
+            <a:endParaRPr lang="en-US" dirty="0">
+              <a:latin typeface="Manrope Medium" panose="020B0604020202020204" charset="0"/>
+            </a:endParaRPr>
           </a:p>
           <a:p>
             <a:pPr marL="285750" indent="-285750">
@@ -27726,10 +31020,14 @@
               <a:buChar char="×"/>
             </a:pPr>
             <a:r>
-              <a:rPr lang="en-US" dirty="0" smtClean="0"/>
+              <a:rPr lang="en-US" dirty="0" smtClean="0">
+                <a:latin typeface="Manrope Medium" panose="020B0604020202020204" charset="0"/>
+              </a:rPr>
               <a:t>Subscribers are notified in random orders. </a:t>
             </a:r>
-            <a:endParaRPr lang="en-US" dirty="0"/>
+            <a:endParaRPr lang="en-US" dirty="0">
+              <a:latin typeface="Manrope Medium" panose="020B0604020202020204" charset="0"/>
+            </a:endParaRPr>
           </a:p>
         </p:txBody>
       </p:sp>
@@ -28513,7 +31811,7 @@
   <p:cSld>
     <p:spTree>
       <p:nvGrpSpPr>
-        <p:cNvPr id="1" name="Shape 369"/>
+        <p:cNvPr id="1" name="Shape 199"/>
         <p:cNvGrpSpPr/>
         <p:nvPr/>
       </p:nvGrpSpPr>
@@ -28527,7 +31825,7 @@
       </p:grpSpPr>
       <p:sp>
         <p:nvSpPr>
-          <p:cNvPr id="370" name="Google Shape;370;p38">
+          <p:cNvPr id="200" name="Google Shape;200;p32">
             <a:hlinkClick r:id="rId3" action="ppaction://hlinksldjump"/>
           </p:cNvPr>
           <p:cNvSpPr/>
@@ -28585,70 +31883,8 @@
       </p:sp>
       <p:sp>
         <p:nvSpPr>
-          <p:cNvPr id="371" name="Google Shape;371;p38">
+          <p:cNvPr id="201" name="Google Shape;201;p32">
             <a:hlinkClick r:id="rId4" action="ppaction://hlinksldjump"/>
-          </p:cNvPr>
-          <p:cNvSpPr/>
-          <p:nvPr/>
-        </p:nvSpPr>
-        <p:spPr>
-          <a:xfrm>
-            <a:off x="1270200" y="325200"/>
-            <a:ext cx="943500" cy="384600"/>
-          </a:xfrm>
-          <a:prstGeom prst="roundRect">
-            <a:avLst>
-              <a:gd name="adj" fmla="val 5994"/>
-            </a:avLst>
-          </a:prstGeom>
-          <a:noFill/>
-          <a:ln>
-            <a:noFill/>
-          </a:ln>
-        </p:spPr>
-        <p:txBody>
-          <a:bodyPr spcFirstLastPara="1" wrap="square" lIns="0" tIns="0" rIns="0" bIns="0" anchor="ctr" anchorCtr="0">
-            <a:noAutofit/>
-          </a:bodyPr>
-          <a:lstStyle/>
-          <a:p>
-            <a:pPr marL="0" lvl="0" indent="0" algn="ctr" rtl="0">
-              <a:spcBef>
-                <a:spcPts val="0"/>
-              </a:spcBef>
-              <a:spcAft>
-                <a:spcPts val="0"/>
-              </a:spcAft>
-              <a:buNone/>
-            </a:pPr>
-            <a:r>
-              <a:rPr lang="en" sz="1200">
-                <a:solidFill>
-                  <a:schemeClr val="lt1"/>
-                </a:solidFill>
-                <a:latin typeface="Be Vietnam Pro"/>
-                <a:ea typeface="Be Vietnam Pro"/>
-                <a:cs typeface="Be Vietnam Pro"/>
-                <a:sym typeface="Be Vietnam Pro"/>
-              </a:rPr>
-              <a:t>Intro</a:t>
-            </a:r>
-            <a:endParaRPr sz="1200">
-              <a:solidFill>
-                <a:schemeClr val="lt1"/>
-              </a:solidFill>
-              <a:latin typeface="Be Vietnam Pro"/>
-              <a:ea typeface="Be Vietnam Pro"/>
-              <a:cs typeface="Be Vietnam Pro"/>
-              <a:sym typeface="Be Vietnam Pro"/>
-            </a:endParaRPr>
-          </a:p>
-        </p:txBody>
-      </p:sp>
-      <p:sp>
-        <p:nvSpPr>
-          <p:cNvPr id="372" name="Google Shape;372;p38">
-            <a:hlinkClick r:id="rId5" action="ppaction://hlinksldjump"/>
           </p:cNvPr>
           <p:cNvSpPr/>
           <p:nvPr/>
@@ -28709,8 +31945,8 @@
       </p:sp>
       <p:sp>
         <p:nvSpPr>
-          <p:cNvPr id="373" name="Google Shape;373;p38">
-            <a:hlinkClick r:id="rId6" action="ppaction://hlinksldjump"/>
+          <p:cNvPr id="202" name="Google Shape;202;p32">
+            <a:hlinkClick r:id="rId5" action="ppaction://hlinksldjump"/>
           </p:cNvPr>
           <p:cNvSpPr/>
           <p:nvPr/>
@@ -28771,8 +32007,8 @@
       </p:sp>
       <p:sp>
         <p:nvSpPr>
-          <p:cNvPr id="374" name="Google Shape;374;p38">
-            <a:hlinkClick r:id="rId5" action="ppaction://hlinksldjump"/>
+          <p:cNvPr id="203" name="Google Shape;203;p32">
+            <a:hlinkClick r:id="rId4" action="ppaction://hlinksldjump"/>
           </p:cNvPr>
           <p:cNvSpPr/>
           <p:nvPr/>
@@ -28787,9 +32023,7 @@
               <a:gd name="adj" fmla="val 5994"/>
             </a:avLst>
           </a:prstGeom>
-          <a:solidFill>
-            <a:schemeClr val="dk2"/>
-          </a:solidFill>
+          <a:noFill/>
           <a:ln>
             <a:noFill/>
           </a:ln>
@@ -28810,9 +32044,9 @@
               <a:buNone/>
             </a:pPr>
             <a:r>
-              <a:rPr lang="en" sz="1200" b="1">
+              <a:rPr lang="en" sz="1200">
                 <a:solidFill>
-                  <a:schemeClr val="accent2"/>
+                  <a:schemeClr val="lt1"/>
                 </a:solidFill>
                 <a:latin typeface="Be Vietnam Pro"/>
                 <a:ea typeface="Be Vietnam Pro"/>
@@ -28821,9 +32055,9 @@
               </a:rPr>
               <a:t>Explain</a:t>
             </a:r>
-            <a:endParaRPr sz="1200" b="1">
+            <a:endParaRPr sz="1200">
               <a:solidFill>
-                <a:schemeClr val="accent2"/>
+                <a:schemeClr val="lt1"/>
               </a:solidFill>
               <a:latin typeface="Be Vietnam Pro"/>
               <a:ea typeface="Be Vietnam Pro"/>
@@ -28835,8 +32069,8 @@
       </p:sp>
       <p:sp>
         <p:nvSpPr>
-          <p:cNvPr id="375" name="Google Shape;375;p38">
-            <a:hlinkClick r:id="rId7" action="ppaction://hlinksldjump"/>
+          <p:cNvPr id="204" name="Google Shape;204;p32">
+            <a:hlinkClick r:id="rId6" action="ppaction://hlinksldjump"/>
           </p:cNvPr>
           <p:cNvSpPr/>
           <p:nvPr/>
@@ -28897,8 +32131,8 @@
       </p:sp>
       <p:sp>
         <p:nvSpPr>
-          <p:cNvPr id="376" name="Google Shape;376;p38">
-            <a:hlinkClick r:id="rId8" action="ppaction://hlinksldjump"/>
+          <p:cNvPr id="205" name="Google Shape;205;p32">
+            <a:hlinkClick r:id="rId7" action="ppaction://hlinksldjump"/>
           </p:cNvPr>
           <p:cNvSpPr/>
           <p:nvPr/>
@@ -28959,8 +32193,8 @@
       </p:sp>
       <p:sp>
         <p:nvSpPr>
-          <p:cNvPr id="377" name="Google Shape;377;p38">
-            <a:hlinkClick r:id="rId9" action="ppaction://hlinksldjump"/>
+          <p:cNvPr id="206" name="Google Shape;206;p32">
+            <a:hlinkClick r:id="rId8" action="ppaction://hlinksldjump"/>
           </p:cNvPr>
           <p:cNvSpPr/>
           <p:nvPr/>
@@ -29019,9 +32253,71 @@
           </a:p>
         </p:txBody>
       </p:sp>
+      <p:sp>
+        <p:nvSpPr>
+          <p:cNvPr id="207" name="Google Shape;207;p32"/>
+          <p:cNvSpPr/>
+          <p:nvPr/>
+        </p:nvSpPr>
+        <p:spPr>
+          <a:xfrm>
+            <a:off x="1270200" y="325200"/>
+            <a:ext cx="943500" cy="384600"/>
+          </a:xfrm>
+          <a:prstGeom prst="roundRect">
+            <a:avLst>
+              <a:gd name="adj" fmla="val 5994"/>
+            </a:avLst>
+          </a:prstGeom>
+          <a:solidFill>
+            <a:schemeClr val="dk2"/>
+          </a:solidFill>
+          <a:ln>
+            <a:noFill/>
+          </a:ln>
+        </p:spPr>
+        <p:txBody>
+          <a:bodyPr spcFirstLastPara="1" wrap="square" lIns="0" tIns="0" rIns="0" bIns="0" anchor="ctr" anchorCtr="0">
+            <a:noAutofit/>
+          </a:bodyPr>
+          <a:lstStyle/>
+          <a:p>
+            <a:pPr marL="0" lvl="0" indent="0" algn="ctr" rtl="0">
+              <a:spcBef>
+                <a:spcPts val="0"/>
+              </a:spcBef>
+              <a:spcAft>
+                <a:spcPts val="0"/>
+              </a:spcAft>
+              <a:buNone/>
+            </a:pPr>
+            <a:r>
+              <a:rPr lang="en" sz="1200" b="1">
+                <a:solidFill>
+                  <a:schemeClr val="lt2"/>
+                </a:solidFill>
+                <a:latin typeface="Be Vietnam Pro"/>
+                <a:ea typeface="Be Vietnam Pro"/>
+                <a:cs typeface="Be Vietnam Pro"/>
+                <a:sym typeface="Be Vietnam Pro"/>
+              </a:rPr>
+              <a:t>Intro</a:t>
+            </a:r>
+            <a:endParaRPr sz="1200" b="1">
+              <a:solidFill>
+                <a:schemeClr val="lt2"/>
+              </a:solidFill>
+              <a:latin typeface="Be Vietnam Pro"/>
+              <a:ea typeface="Be Vietnam Pro"/>
+              <a:cs typeface="Be Vietnam Pro"/>
+              <a:sym typeface="Be Vietnam Pro"/>
+            </a:endParaRPr>
+          </a:p>
+        </p:txBody>
+      </p:sp>
       <p:grpSp>
         <p:nvGrpSpPr>
-          <p:cNvPr id="378" name="Google Shape;378;p38"/>
+          <p:cNvPr id="208" name="Google Shape;208;p32"/>
           <p:cNvGrpSpPr/>
           <p:nvPr/>
         </p:nvGrpSpPr>
@@ -29035,7 +32331,7 @@
         </p:grpSpPr>
         <p:sp>
           <p:nvSpPr>
-            <p:cNvPr id="379" name="Google Shape;379;p38"/>
+            <p:cNvPr id="209" name="Google Shape;209;p32"/>
             <p:cNvSpPr/>
             <p:nvPr/>
           </p:nvSpPr>
@@ -29075,7 +32371,7 @@
         </p:sp>
         <p:sp>
           <p:nvSpPr>
-            <p:cNvPr id="380" name="Google Shape;380;p38"/>
+            <p:cNvPr id="210" name="Google Shape;210;p32"/>
             <p:cNvSpPr/>
             <p:nvPr/>
           </p:nvSpPr>
@@ -29115,7 +32411,7 @@
         </p:sp>
         <p:sp>
           <p:nvSpPr>
-            <p:cNvPr id="381" name="Google Shape;381;p38"/>
+            <p:cNvPr id="211" name="Google Shape;211;p32"/>
             <p:cNvSpPr/>
             <p:nvPr/>
           </p:nvSpPr>
@@ -29156,7 +32452,7 @@
       </p:grpSp>
       <p:cxnSp>
         <p:nvCxnSpPr>
-          <p:cNvPr id="382" name="Google Shape;382;p38"/>
+          <p:cNvPr id="212" name="Google Shape;212;p32"/>
           <p:cNvCxnSpPr/>
           <p:nvPr/>
         </p:nvCxnSpPr>
@@ -29182,1590 +32478,18 @@
       </p:cxnSp>
       <p:sp>
         <p:nvSpPr>
-          <p:cNvPr id="383" name="Google Shape;383;p38"/>
-          <p:cNvSpPr/>
-          <p:nvPr/>
-        </p:nvSpPr>
-        <p:spPr>
-          <a:xfrm>
-            <a:off x="6046781" y="2114434"/>
-            <a:ext cx="1860600" cy="1797600"/>
-          </a:xfrm>
-          <a:prstGeom prst="ellipse">
-            <a:avLst/>
-          </a:prstGeom>
-          <a:noFill/>
-          <a:ln w="28575" cap="flat" cmpd="sng">
-            <a:solidFill>
-              <a:schemeClr val="accent2"/>
-            </a:solidFill>
-            <a:prstDash val="solid"/>
-            <a:round/>
-            <a:headEnd type="none" w="sm" len="sm"/>
-            <a:tailEnd type="none" w="sm" len="sm"/>
-          </a:ln>
-        </p:spPr>
-        <p:txBody>
-          <a:bodyPr spcFirstLastPara="1" wrap="square" lIns="91425" tIns="91425" rIns="91425" bIns="91425" anchor="ctr" anchorCtr="0">
-            <a:noAutofit/>
-          </a:bodyPr>
-          <a:lstStyle/>
-          <a:p>
-            <a:pPr marL="0" lvl="0" indent="0" algn="l" rtl="0">
-              <a:spcBef>
-                <a:spcPts val="0"/>
-              </a:spcBef>
-              <a:spcAft>
-                <a:spcPts val="0"/>
-              </a:spcAft>
-              <a:buNone/>
-            </a:pPr>
-            <a:endParaRPr/>
-          </a:p>
-        </p:txBody>
-      </p:sp>
-      <p:grpSp>
-        <p:nvGrpSpPr>
-          <p:cNvPr id="385" name="Google Shape;385;p38"/>
-          <p:cNvGrpSpPr/>
-          <p:nvPr/>
-        </p:nvGrpSpPr>
-        <p:grpSpPr>
-          <a:xfrm>
-            <a:off x="6587753" y="2625627"/>
-            <a:ext cx="778655" cy="775213"/>
-            <a:chOff x="5432907" y="2193678"/>
-            <a:chExt cx="262810" cy="261658"/>
-          </a:xfrm>
-        </p:grpSpPr>
-        <p:sp>
-          <p:nvSpPr>
-            <p:cNvPr id="386" name="Google Shape;386;p38"/>
-            <p:cNvSpPr/>
-            <p:nvPr/>
-          </p:nvSpPr>
-          <p:spPr>
-            <a:xfrm>
-              <a:off x="5467802" y="2298895"/>
-              <a:ext cx="128505" cy="117469"/>
-            </a:xfrm>
-            <a:custGeom>
-              <a:avLst/>
-              <a:gdLst/>
-              <a:ahLst/>
-              <a:cxnLst/>
-              <a:rect l="l" t="t" r="r" b="b"/>
-              <a:pathLst>
-                <a:path w="3944" h="3605" extrusionOk="0">
-                  <a:moveTo>
-                    <a:pt x="1963" y="465"/>
-                  </a:moveTo>
-                  <a:cubicBezTo>
-                    <a:pt x="2302" y="465"/>
-                    <a:pt x="2641" y="607"/>
-                    <a:pt x="2909" y="857"/>
-                  </a:cubicBezTo>
-                  <a:cubicBezTo>
-                    <a:pt x="3426" y="1375"/>
-                    <a:pt x="3426" y="2213"/>
-                    <a:pt x="2909" y="2731"/>
-                  </a:cubicBezTo>
-                  <a:cubicBezTo>
-                    <a:pt x="2650" y="2989"/>
-                    <a:pt x="2307" y="3119"/>
-                    <a:pt x="1963" y="3119"/>
-                  </a:cubicBezTo>
-                  <a:cubicBezTo>
-                    <a:pt x="1620" y="3119"/>
-                    <a:pt x="1276" y="2989"/>
-                    <a:pt x="1017" y="2731"/>
-                  </a:cubicBezTo>
-                  <a:cubicBezTo>
-                    <a:pt x="500" y="2213"/>
-                    <a:pt x="500" y="1375"/>
-                    <a:pt x="1017" y="857"/>
-                  </a:cubicBezTo>
-                  <a:cubicBezTo>
-                    <a:pt x="1285" y="607"/>
-                    <a:pt x="1624" y="465"/>
-                    <a:pt x="1963" y="465"/>
-                  </a:cubicBezTo>
-                  <a:close/>
-                  <a:moveTo>
-                    <a:pt x="1963" y="1"/>
-                  </a:moveTo>
-                  <a:cubicBezTo>
-                    <a:pt x="1504" y="1"/>
-                    <a:pt x="1044" y="179"/>
-                    <a:pt x="696" y="536"/>
-                  </a:cubicBezTo>
-                  <a:cubicBezTo>
-                    <a:pt x="0" y="1232"/>
-                    <a:pt x="0" y="2374"/>
-                    <a:pt x="696" y="3070"/>
-                  </a:cubicBezTo>
-                  <a:cubicBezTo>
-                    <a:pt x="1053" y="3426"/>
-                    <a:pt x="1499" y="3605"/>
-                    <a:pt x="1963" y="3605"/>
-                  </a:cubicBezTo>
-                  <a:cubicBezTo>
-                    <a:pt x="2427" y="3605"/>
-                    <a:pt x="2891" y="3426"/>
-                    <a:pt x="3230" y="3070"/>
-                  </a:cubicBezTo>
-                  <a:cubicBezTo>
-                    <a:pt x="3944" y="2374"/>
-                    <a:pt x="3944" y="1232"/>
-                    <a:pt x="3230" y="536"/>
-                  </a:cubicBezTo>
-                  <a:cubicBezTo>
-                    <a:pt x="2882" y="179"/>
-                    <a:pt x="2423" y="1"/>
-                    <a:pt x="1963" y="1"/>
-                  </a:cubicBezTo>
-                  <a:close/>
-                </a:path>
-              </a:pathLst>
-            </a:custGeom>
-            <a:solidFill>
-              <a:schemeClr val="accent2"/>
-            </a:solidFill>
-            <a:ln>
-              <a:noFill/>
-            </a:ln>
-          </p:spPr>
-          <p:txBody>
-            <a:bodyPr spcFirstLastPara="1" wrap="square" lIns="91425" tIns="91425" rIns="91425" bIns="91425" anchor="ctr" anchorCtr="0">
-              <a:noAutofit/>
-            </a:bodyPr>
-            <a:lstStyle/>
-            <a:p>
-              <a:pPr marL="0" lvl="0" indent="0" algn="l" rtl="0">
-                <a:spcBef>
-                  <a:spcPts val="0"/>
-                </a:spcBef>
-                <a:spcAft>
-                  <a:spcPts val="0"/>
-                </a:spcAft>
-                <a:buNone/>
-              </a:pPr>
-              <a:endParaRPr/>
-            </a:p>
-          </p:txBody>
-        </p:sp>
-        <p:sp>
-          <p:nvSpPr>
-            <p:cNvPr id="387" name="Google Shape;387;p38"/>
-            <p:cNvSpPr/>
-            <p:nvPr/>
-          </p:nvSpPr>
-          <p:spPr>
-            <a:xfrm>
-              <a:off x="5432907" y="2259956"/>
-              <a:ext cx="198297" cy="195380"/>
-            </a:xfrm>
-            <a:custGeom>
-              <a:avLst/>
-              <a:gdLst/>
-              <a:ahLst/>
-              <a:cxnLst/>
-              <a:rect l="l" t="t" r="r" b="b"/>
-              <a:pathLst>
-                <a:path w="6086" h="5996" extrusionOk="0">
-                  <a:moveTo>
-                    <a:pt x="3712" y="482"/>
-                  </a:moveTo>
-                  <a:lnTo>
-                    <a:pt x="4319" y="732"/>
-                  </a:lnTo>
-                  <a:lnTo>
-                    <a:pt x="4283" y="892"/>
-                  </a:lnTo>
-                  <a:cubicBezTo>
-                    <a:pt x="4247" y="982"/>
-                    <a:pt x="4283" y="1071"/>
-                    <a:pt x="4372" y="1142"/>
-                  </a:cubicBezTo>
-                  <a:cubicBezTo>
-                    <a:pt x="4569" y="1285"/>
-                    <a:pt x="4747" y="1463"/>
-                    <a:pt x="4890" y="1660"/>
-                  </a:cubicBezTo>
-                  <a:cubicBezTo>
-                    <a:pt x="4934" y="1719"/>
-                    <a:pt x="5015" y="1753"/>
-                    <a:pt x="5092" y="1753"/>
-                  </a:cubicBezTo>
-                  <a:cubicBezTo>
-                    <a:pt x="5108" y="1753"/>
-                    <a:pt x="5124" y="1752"/>
-                    <a:pt x="5140" y="1749"/>
-                  </a:cubicBezTo>
-                  <a:lnTo>
-                    <a:pt x="5282" y="1695"/>
-                  </a:lnTo>
-                  <a:lnTo>
-                    <a:pt x="5532" y="2302"/>
-                  </a:lnTo>
-                  <a:lnTo>
-                    <a:pt x="5407" y="2373"/>
-                  </a:lnTo>
-                  <a:cubicBezTo>
-                    <a:pt x="5318" y="2427"/>
-                    <a:pt x="5264" y="2516"/>
-                    <a:pt x="5282" y="2623"/>
-                  </a:cubicBezTo>
-                  <a:cubicBezTo>
-                    <a:pt x="5336" y="2873"/>
-                    <a:pt x="5336" y="3105"/>
-                    <a:pt x="5300" y="3355"/>
-                  </a:cubicBezTo>
-                  <a:cubicBezTo>
-                    <a:pt x="5282" y="3462"/>
-                    <a:pt x="5318" y="3551"/>
-                    <a:pt x="5407" y="3604"/>
-                  </a:cubicBezTo>
-                  <a:lnTo>
-                    <a:pt x="5550" y="3676"/>
-                  </a:lnTo>
-                  <a:lnTo>
-                    <a:pt x="5300" y="4282"/>
-                  </a:lnTo>
-                  <a:lnTo>
-                    <a:pt x="5140" y="4229"/>
-                  </a:lnTo>
-                  <a:cubicBezTo>
-                    <a:pt x="5124" y="4226"/>
-                    <a:pt x="5108" y="4224"/>
-                    <a:pt x="5092" y="4224"/>
-                  </a:cubicBezTo>
-                  <a:cubicBezTo>
-                    <a:pt x="5015" y="4224"/>
-                    <a:pt x="4934" y="4259"/>
-                    <a:pt x="4890" y="4318"/>
-                  </a:cubicBezTo>
-                  <a:cubicBezTo>
-                    <a:pt x="4747" y="4532"/>
-                    <a:pt x="4569" y="4693"/>
-                    <a:pt x="4372" y="4853"/>
-                  </a:cubicBezTo>
-                  <a:cubicBezTo>
-                    <a:pt x="4301" y="4907"/>
-                    <a:pt x="4265" y="4996"/>
-                    <a:pt x="4283" y="5103"/>
-                  </a:cubicBezTo>
-                  <a:lnTo>
-                    <a:pt x="4319" y="5246"/>
-                  </a:lnTo>
-                  <a:lnTo>
-                    <a:pt x="3730" y="5496"/>
-                  </a:lnTo>
-                  <a:lnTo>
-                    <a:pt x="3659" y="5371"/>
-                  </a:lnTo>
-                  <a:cubicBezTo>
-                    <a:pt x="3612" y="5293"/>
-                    <a:pt x="3525" y="5242"/>
-                    <a:pt x="3444" y="5242"/>
-                  </a:cubicBezTo>
-                  <a:cubicBezTo>
-                    <a:pt x="3432" y="5242"/>
-                    <a:pt x="3420" y="5244"/>
-                    <a:pt x="3409" y="5246"/>
-                  </a:cubicBezTo>
-                  <a:cubicBezTo>
-                    <a:pt x="3284" y="5264"/>
-                    <a:pt x="3159" y="5273"/>
-                    <a:pt x="3036" y="5273"/>
-                  </a:cubicBezTo>
-                  <a:cubicBezTo>
-                    <a:pt x="2914" y="5273"/>
-                    <a:pt x="2793" y="5264"/>
-                    <a:pt x="2677" y="5246"/>
-                  </a:cubicBezTo>
-                  <a:cubicBezTo>
-                    <a:pt x="2663" y="5244"/>
-                    <a:pt x="2650" y="5242"/>
-                    <a:pt x="2637" y="5242"/>
-                  </a:cubicBezTo>
-                  <a:cubicBezTo>
-                    <a:pt x="2548" y="5242"/>
-                    <a:pt x="2474" y="5293"/>
-                    <a:pt x="2427" y="5371"/>
-                  </a:cubicBezTo>
-                  <a:lnTo>
-                    <a:pt x="2356" y="5496"/>
-                  </a:lnTo>
-                  <a:lnTo>
-                    <a:pt x="1749" y="5264"/>
-                  </a:lnTo>
-                  <a:lnTo>
-                    <a:pt x="1803" y="5103"/>
-                  </a:lnTo>
-                  <a:cubicBezTo>
-                    <a:pt x="1821" y="5014"/>
-                    <a:pt x="1785" y="4907"/>
-                    <a:pt x="1714" y="4853"/>
-                  </a:cubicBezTo>
-                  <a:cubicBezTo>
-                    <a:pt x="1500" y="4711"/>
-                    <a:pt x="1321" y="4532"/>
-                    <a:pt x="1178" y="4336"/>
-                  </a:cubicBezTo>
-                  <a:cubicBezTo>
-                    <a:pt x="1139" y="4270"/>
-                    <a:pt x="1070" y="4233"/>
-                    <a:pt x="1000" y="4233"/>
-                  </a:cubicBezTo>
-                  <a:cubicBezTo>
-                    <a:pt x="976" y="4233"/>
-                    <a:pt x="952" y="4238"/>
-                    <a:pt x="929" y="4247"/>
-                  </a:cubicBezTo>
-                  <a:lnTo>
-                    <a:pt x="786" y="4282"/>
-                  </a:lnTo>
-                  <a:lnTo>
-                    <a:pt x="536" y="3694"/>
-                  </a:lnTo>
-                  <a:lnTo>
-                    <a:pt x="661" y="3604"/>
-                  </a:lnTo>
-                  <a:cubicBezTo>
-                    <a:pt x="750" y="3569"/>
-                    <a:pt x="804" y="3462"/>
-                    <a:pt x="786" y="3372"/>
-                  </a:cubicBezTo>
-                  <a:cubicBezTo>
-                    <a:pt x="732" y="3123"/>
-                    <a:pt x="732" y="2873"/>
-                    <a:pt x="786" y="2641"/>
-                  </a:cubicBezTo>
-                  <a:cubicBezTo>
-                    <a:pt x="804" y="2534"/>
-                    <a:pt x="750" y="2445"/>
-                    <a:pt x="661" y="2391"/>
-                  </a:cubicBezTo>
-                  <a:lnTo>
-                    <a:pt x="536" y="2320"/>
-                  </a:lnTo>
-                  <a:lnTo>
-                    <a:pt x="768" y="1713"/>
-                  </a:lnTo>
-                  <a:lnTo>
-                    <a:pt x="929" y="1749"/>
-                  </a:lnTo>
-                  <a:cubicBezTo>
-                    <a:pt x="952" y="1758"/>
-                    <a:pt x="976" y="1762"/>
-                    <a:pt x="1000" y="1762"/>
-                  </a:cubicBezTo>
-                  <a:cubicBezTo>
-                    <a:pt x="1070" y="1762"/>
-                    <a:pt x="1139" y="1726"/>
-                    <a:pt x="1178" y="1660"/>
-                  </a:cubicBezTo>
-                  <a:cubicBezTo>
-                    <a:pt x="1321" y="1463"/>
-                    <a:pt x="1500" y="1285"/>
-                    <a:pt x="1696" y="1142"/>
-                  </a:cubicBezTo>
-                  <a:cubicBezTo>
-                    <a:pt x="1785" y="1089"/>
-                    <a:pt x="1803" y="982"/>
-                    <a:pt x="1785" y="892"/>
-                  </a:cubicBezTo>
-                  <a:lnTo>
-                    <a:pt x="1749" y="732"/>
-                  </a:lnTo>
-                  <a:lnTo>
-                    <a:pt x="2338" y="500"/>
-                  </a:lnTo>
-                  <a:lnTo>
-                    <a:pt x="2427" y="625"/>
-                  </a:lnTo>
-                  <a:cubicBezTo>
-                    <a:pt x="2463" y="714"/>
-                    <a:pt x="2570" y="750"/>
-                    <a:pt x="2659" y="750"/>
-                  </a:cubicBezTo>
-                  <a:cubicBezTo>
-                    <a:pt x="2797" y="720"/>
-                    <a:pt x="2934" y="707"/>
-                    <a:pt x="3069" y="707"/>
-                  </a:cubicBezTo>
-                  <a:cubicBezTo>
-                    <a:pt x="3179" y="707"/>
-                    <a:pt x="3287" y="716"/>
-                    <a:pt x="3391" y="732"/>
-                  </a:cubicBezTo>
-                  <a:cubicBezTo>
-                    <a:pt x="3409" y="735"/>
-                    <a:pt x="3426" y="736"/>
-                    <a:pt x="3443" y="736"/>
-                  </a:cubicBezTo>
-                  <a:cubicBezTo>
-                    <a:pt x="3527" y="736"/>
-                    <a:pt x="3596" y="699"/>
-                    <a:pt x="3641" y="625"/>
-                  </a:cubicBezTo>
-                  <a:lnTo>
-                    <a:pt x="3712" y="482"/>
-                  </a:lnTo>
-                  <a:close/>
-                  <a:moveTo>
-                    <a:pt x="3686" y="1"/>
-                  </a:moveTo>
-                  <a:cubicBezTo>
-                    <a:pt x="3550" y="1"/>
-                    <a:pt x="3415" y="80"/>
-                    <a:pt x="3337" y="196"/>
-                  </a:cubicBezTo>
-                  <a:lnTo>
-                    <a:pt x="3302" y="250"/>
-                  </a:lnTo>
-                  <a:cubicBezTo>
-                    <a:pt x="3213" y="241"/>
-                    <a:pt x="3119" y="237"/>
-                    <a:pt x="3025" y="237"/>
-                  </a:cubicBezTo>
-                  <a:cubicBezTo>
-                    <a:pt x="2931" y="237"/>
-                    <a:pt x="2838" y="241"/>
-                    <a:pt x="2749" y="250"/>
-                  </a:cubicBezTo>
-                  <a:lnTo>
-                    <a:pt x="2713" y="196"/>
-                  </a:lnTo>
-                  <a:cubicBezTo>
-                    <a:pt x="2647" y="78"/>
-                    <a:pt x="2514" y="8"/>
-                    <a:pt x="2369" y="8"/>
-                  </a:cubicBezTo>
-                  <a:cubicBezTo>
-                    <a:pt x="2318" y="8"/>
-                    <a:pt x="2265" y="17"/>
-                    <a:pt x="2213" y="36"/>
-                  </a:cubicBezTo>
-                  <a:lnTo>
-                    <a:pt x="1500" y="321"/>
-                  </a:lnTo>
-                  <a:cubicBezTo>
-                    <a:pt x="1321" y="411"/>
-                    <a:pt x="1214" y="607"/>
-                    <a:pt x="1268" y="803"/>
-                  </a:cubicBezTo>
-                  <a:lnTo>
-                    <a:pt x="1286" y="857"/>
-                  </a:lnTo>
-                  <a:cubicBezTo>
-                    <a:pt x="1143" y="982"/>
-                    <a:pt x="1018" y="1106"/>
-                    <a:pt x="893" y="1267"/>
-                  </a:cubicBezTo>
-                  <a:lnTo>
-                    <a:pt x="839" y="1249"/>
-                  </a:lnTo>
-                  <a:cubicBezTo>
-                    <a:pt x="802" y="1239"/>
-                    <a:pt x="764" y="1234"/>
-                    <a:pt x="727" y="1234"/>
-                  </a:cubicBezTo>
-                  <a:cubicBezTo>
-                    <a:pt x="572" y="1234"/>
-                    <a:pt x="430" y="1323"/>
-                    <a:pt x="358" y="1481"/>
-                  </a:cubicBezTo>
-                  <a:lnTo>
-                    <a:pt x="72" y="2195"/>
-                  </a:lnTo>
-                  <a:cubicBezTo>
-                    <a:pt x="1" y="2373"/>
-                    <a:pt x="72" y="2587"/>
-                    <a:pt x="251" y="2694"/>
-                  </a:cubicBezTo>
-                  <a:lnTo>
-                    <a:pt x="286" y="2712"/>
-                  </a:lnTo>
-                  <a:cubicBezTo>
-                    <a:pt x="268" y="2909"/>
-                    <a:pt x="268" y="3087"/>
-                    <a:pt x="304" y="3283"/>
-                  </a:cubicBezTo>
-                  <a:lnTo>
-                    <a:pt x="251" y="3319"/>
-                  </a:lnTo>
-                  <a:cubicBezTo>
-                    <a:pt x="72" y="3408"/>
-                    <a:pt x="1" y="3622"/>
-                    <a:pt x="72" y="3819"/>
-                  </a:cubicBezTo>
-                  <a:lnTo>
-                    <a:pt x="376" y="4514"/>
-                  </a:lnTo>
-                  <a:cubicBezTo>
-                    <a:pt x="433" y="4673"/>
-                    <a:pt x="584" y="4762"/>
-                    <a:pt x="743" y="4762"/>
-                  </a:cubicBezTo>
-                  <a:cubicBezTo>
-                    <a:pt x="781" y="4762"/>
-                    <a:pt x="820" y="4757"/>
-                    <a:pt x="857" y="4746"/>
-                  </a:cubicBezTo>
-                  <a:lnTo>
-                    <a:pt x="911" y="4746"/>
-                  </a:lnTo>
-                  <a:cubicBezTo>
-                    <a:pt x="1018" y="4889"/>
-                    <a:pt x="1161" y="5014"/>
-                    <a:pt x="1303" y="5139"/>
-                  </a:cubicBezTo>
-                  <a:lnTo>
-                    <a:pt x="1286" y="5192"/>
-                  </a:lnTo>
-                  <a:cubicBezTo>
-                    <a:pt x="1232" y="5389"/>
-                    <a:pt x="1339" y="5585"/>
-                    <a:pt x="1517" y="5674"/>
-                  </a:cubicBezTo>
-                  <a:lnTo>
-                    <a:pt x="2231" y="5960"/>
-                  </a:lnTo>
-                  <a:cubicBezTo>
-                    <a:pt x="2285" y="5977"/>
-                    <a:pt x="2338" y="5995"/>
-                    <a:pt x="2392" y="5995"/>
-                  </a:cubicBezTo>
-                  <a:cubicBezTo>
-                    <a:pt x="2517" y="5995"/>
-                    <a:pt x="2659" y="5906"/>
-                    <a:pt x="2731" y="5781"/>
-                  </a:cubicBezTo>
-                  <a:lnTo>
-                    <a:pt x="2766" y="5728"/>
-                  </a:lnTo>
-                  <a:cubicBezTo>
-                    <a:pt x="2856" y="5737"/>
-                    <a:pt x="2949" y="5741"/>
-                    <a:pt x="3043" y="5741"/>
-                  </a:cubicBezTo>
-                  <a:cubicBezTo>
-                    <a:pt x="3137" y="5741"/>
-                    <a:pt x="3230" y="5737"/>
-                    <a:pt x="3320" y="5728"/>
-                  </a:cubicBezTo>
-                  <a:lnTo>
-                    <a:pt x="3355" y="5781"/>
-                  </a:lnTo>
-                  <a:cubicBezTo>
-                    <a:pt x="3421" y="5914"/>
-                    <a:pt x="3566" y="5987"/>
-                    <a:pt x="3709" y="5987"/>
-                  </a:cubicBezTo>
-                  <a:cubicBezTo>
-                    <a:pt x="3759" y="5987"/>
-                    <a:pt x="3809" y="5978"/>
-                    <a:pt x="3855" y="5960"/>
-                  </a:cubicBezTo>
-                  <a:lnTo>
-                    <a:pt x="4569" y="5656"/>
-                  </a:lnTo>
-                  <a:cubicBezTo>
-                    <a:pt x="4747" y="5585"/>
-                    <a:pt x="4854" y="5371"/>
-                    <a:pt x="4801" y="5175"/>
-                  </a:cubicBezTo>
-                  <a:lnTo>
-                    <a:pt x="4783" y="5121"/>
-                  </a:lnTo>
-                  <a:cubicBezTo>
-                    <a:pt x="4925" y="5014"/>
-                    <a:pt x="5050" y="4871"/>
-                    <a:pt x="5175" y="4728"/>
-                  </a:cubicBezTo>
-                  <a:lnTo>
-                    <a:pt x="5229" y="4746"/>
-                  </a:lnTo>
-                  <a:cubicBezTo>
-                    <a:pt x="5263" y="4756"/>
-                    <a:pt x="5298" y="4760"/>
-                    <a:pt x="5333" y="4760"/>
-                  </a:cubicBezTo>
-                  <a:cubicBezTo>
-                    <a:pt x="5496" y="4760"/>
-                    <a:pt x="5652" y="4662"/>
-                    <a:pt x="5710" y="4514"/>
-                  </a:cubicBezTo>
-                  <a:lnTo>
-                    <a:pt x="5996" y="3801"/>
-                  </a:lnTo>
-                  <a:cubicBezTo>
-                    <a:pt x="6085" y="3604"/>
-                    <a:pt x="5996" y="3390"/>
-                    <a:pt x="5835" y="3301"/>
-                  </a:cubicBezTo>
-                  <a:lnTo>
-                    <a:pt x="5782" y="3265"/>
-                  </a:lnTo>
-                  <a:cubicBezTo>
-                    <a:pt x="5800" y="3087"/>
-                    <a:pt x="5800" y="2891"/>
-                    <a:pt x="5782" y="2712"/>
-                  </a:cubicBezTo>
-                  <a:lnTo>
-                    <a:pt x="5818" y="2677"/>
-                  </a:lnTo>
-                  <a:cubicBezTo>
-                    <a:pt x="5996" y="2570"/>
-                    <a:pt x="6067" y="2355"/>
-                    <a:pt x="5996" y="2177"/>
-                  </a:cubicBezTo>
-                  <a:lnTo>
-                    <a:pt x="5693" y="1463"/>
-                  </a:lnTo>
-                  <a:cubicBezTo>
-                    <a:pt x="5634" y="1316"/>
-                    <a:pt x="5490" y="1217"/>
-                    <a:pt x="5331" y="1217"/>
-                  </a:cubicBezTo>
-                  <a:cubicBezTo>
-                    <a:pt x="5298" y="1217"/>
-                    <a:pt x="5263" y="1222"/>
-                    <a:pt x="5229" y="1231"/>
-                  </a:cubicBezTo>
-                  <a:lnTo>
-                    <a:pt x="5175" y="1249"/>
-                  </a:lnTo>
-                  <a:cubicBezTo>
-                    <a:pt x="5050" y="1106"/>
-                    <a:pt x="4908" y="964"/>
-                    <a:pt x="4765" y="857"/>
-                  </a:cubicBezTo>
-                  <a:lnTo>
-                    <a:pt x="4783" y="803"/>
-                  </a:lnTo>
-                  <a:cubicBezTo>
-                    <a:pt x="4836" y="607"/>
-                    <a:pt x="4729" y="393"/>
-                    <a:pt x="4551" y="321"/>
-                  </a:cubicBezTo>
-                  <a:lnTo>
-                    <a:pt x="3837" y="36"/>
-                  </a:lnTo>
-                  <a:cubicBezTo>
-                    <a:pt x="3788" y="12"/>
-                    <a:pt x="3737" y="1"/>
-                    <a:pt x="3686" y="1"/>
-                  </a:cubicBezTo>
-                  <a:close/>
-                </a:path>
-              </a:pathLst>
-            </a:custGeom>
-            <a:solidFill>
-              <a:schemeClr val="accent2"/>
-            </a:solidFill>
-            <a:ln>
-              <a:noFill/>
-            </a:ln>
-          </p:spPr>
-          <p:txBody>
-            <a:bodyPr spcFirstLastPara="1" wrap="square" lIns="91425" tIns="91425" rIns="91425" bIns="91425" anchor="ctr" anchorCtr="0">
-              <a:noAutofit/>
-            </a:bodyPr>
-            <a:lstStyle/>
-            <a:p>
-              <a:pPr marL="0" lvl="0" indent="0" algn="l" rtl="0">
-                <a:spcBef>
-                  <a:spcPts val="0"/>
-                </a:spcBef>
-                <a:spcAft>
-                  <a:spcPts val="0"/>
-                </a:spcAft>
-                <a:buNone/>
-              </a:pPr>
-              <a:endParaRPr/>
-            </a:p>
-          </p:txBody>
-        </p:sp>
-        <p:sp>
-          <p:nvSpPr>
-            <p:cNvPr id="388" name="Google Shape;388;p38"/>
-            <p:cNvSpPr/>
-            <p:nvPr/>
-          </p:nvSpPr>
-          <p:spPr>
-            <a:xfrm>
-              <a:off x="5635798" y="2193678"/>
-              <a:ext cx="15737" cy="24439"/>
-            </a:xfrm>
-            <a:custGeom>
-              <a:avLst/>
-              <a:gdLst/>
-              <a:ahLst/>
-              <a:cxnLst/>
-              <a:rect l="l" t="t" r="r" b="b"/>
-              <a:pathLst>
-                <a:path w="483" h="750" extrusionOk="0">
-                  <a:moveTo>
-                    <a:pt x="233" y="0"/>
-                  </a:moveTo>
-                  <a:cubicBezTo>
-                    <a:pt x="108" y="0"/>
-                    <a:pt x="1" y="107"/>
-                    <a:pt x="1" y="250"/>
-                  </a:cubicBezTo>
-                  <a:lnTo>
-                    <a:pt x="1" y="500"/>
-                  </a:lnTo>
-                  <a:cubicBezTo>
-                    <a:pt x="1" y="642"/>
-                    <a:pt x="108" y="750"/>
-                    <a:pt x="233" y="750"/>
-                  </a:cubicBezTo>
-                  <a:cubicBezTo>
-                    <a:pt x="376" y="750"/>
-                    <a:pt x="483" y="642"/>
-                    <a:pt x="483" y="500"/>
-                  </a:cubicBezTo>
-                  <a:lnTo>
-                    <a:pt x="483" y="250"/>
-                  </a:lnTo>
-                  <a:cubicBezTo>
-                    <a:pt x="483" y="107"/>
-                    <a:pt x="376" y="0"/>
-                    <a:pt x="233" y="0"/>
-                  </a:cubicBezTo>
-                  <a:close/>
-                </a:path>
-              </a:pathLst>
-            </a:custGeom>
-            <a:solidFill>
-              <a:schemeClr val="accent2"/>
-            </a:solidFill>
-            <a:ln>
-              <a:noFill/>
-            </a:ln>
-          </p:spPr>
-          <p:txBody>
-            <a:bodyPr spcFirstLastPara="1" wrap="square" lIns="91425" tIns="91425" rIns="91425" bIns="91425" anchor="ctr" anchorCtr="0">
-              <a:noAutofit/>
-            </a:bodyPr>
-            <a:lstStyle/>
-            <a:p>
-              <a:pPr marL="0" lvl="0" indent="0" algn="l" rtl="0">
-                <a:spcBef>
-                  <a:spcPts val="0"/>
-                </a:spcBef>
-                <a:spcAft>
-                  <a:spcPts val="0"/>
-                </a:spcAft>
-                <a:buNone/>
-              </a:pPr>
-              <a:endParaRPr/>
-            </a:p>
-          </p:txBody>
-        </p:sp>
-        <p:sp>
-          <p:nvSpPr>
-            <p:cNvPr id="389" name="Google Shape;389;p38"/>
-            <p:cNvSpPr/>
-            <p:nvPr/>
-          </p:nvSpPr>
-          <p:spPr>
-            <a:xfrm>
-              <a:off x="5635798" y="2275629"/>
-              <a:ext cx="15737" cy="22125"/>
-            </a:xfrm>
-            <a:custGeom>
-              <a:avLst/>
-              <a:gdLst/>
-              <a:ahLst/>
-              <a:cxnLst/>
-              <a:rect l="l" t="t" r="r" b="b"/>
-              <a:pathLst>
-                <a:path w="483" h="679" extrusionOk="0">
-                  <a:moveTo>
-                    <a:pt x="233" y="1"/>
-                  </a:moveTo>
-                  <a:cubicBezTo>
-                    <a:pt x="108" y="1"/>
-                    <a:pt x="1" y="108"/>
-                    <a:pt x="1" y="233"/>
-                  </a:cubicBezTo>
-                  <a:lnTo>
-                    <a:pt x="1" y="429"/>
-                  </a:lnTo>
-                  <a:cubicBezTo>
-                    <a:pt x="1" y="572"/>
-                    <a:pt x="108" y="679"/>
-                    <a:pt x="233" y="679"/>
-                  </a:cubicBezTo>
-                  <a:cubicBezTo>
-                    <a:pt x="376" y="679"/>
-                    <a:pt x="483" y="572"/>
-                    <a:pt x="483" y="429"/>
-                  </a:cubicBezTo>
-                  <a:lnTo>
-                    <a:pt x="483" y="233"/>
-                  </a:lnTo>
-                  <a:cubicBezTo>
-                    <a:pt x="483" y="108"/>
-                    <a:pt x="376" y="1"/>
-                    <a:pt x="233" y="1"/>
-                  </a:cubicBezTo>
-                  <a:close/>
-                </a:path>
-              </a:pathLst>
-            </a:custGeom>
-            <a:solidFill>
-              <a:schemeClr val="accent2"/>
-            </a:solidFill>
-            <a:ln>
-              <a:noFill/>
-            </a:ln>
-          </p:spPr>
-          <p:txBody>
-            <a:bodyPr spcFirstLastPara="1" wrap="square" lIns="91425" tIns="91425" rIns="91425" bIns="91425" anchor="ctr" anchorCtr="0">
-              <a:noAutofit/>
-            </a:bodyPr>
-            <a:lstStyle/>
-            <a:p>
-              <a:pPr marL="0" lvl="0" indent="0" algn="l" rtl="0">
-                <a:spcBef>
-                  <a:spcPts val="0"/>
-                </a:spcBef>
-                <a:spcAft>
-                  <a:spcPts val="0"/>
-                </a:spcAft>
-                <a:buNone/>
-              </a:pPr>
-              <a:endParaRPr/>
-            </a:p>
-          </p:txBody>
-        </p:sp>
-        <p:sp>
-          <p:nvSpPr>
-            <p:cNvPr id="390" name="Google Shape;390;p38"/>
-            <p:cNvSpPr/>
-            <p:nvPr/>
-          </p:nvSpPr>
-          <p:spPr>
-            <a:xfrm>
-              <a:off x="5673593" y="2238449"/>
-              <a:ext cx="22124" cy="15119"/>
-            </a:xfrm>
-            <a:custGeom>
-              <a:avLst/>
-              <a:gdLst/>
-              <a:ahLst/>
-              <a:cxnLst/>
-              <a:rect l="l" t="t" r="r" b="b"/>
-              <a:pathLst>
-                <a:path w="679" h="464" extrusionOk="0">
-                  <a:moveTo>
-                    <a:pt x="233" y="0"/>
-                  </a:moveTo>
-                  <a:cubicBezTo>
-                    <a:pt x="108" y="0"/>
-                    <a:pt x="1" y="107"/>
-                    <a:pt x="1" y="232"/>
-                  </a:cubicBezTo>
-                  <a:cubicBezTo>
-                    <a:pt x="1" y="357"/>
-                    <a:pt x="108" y="464"/>
-                    <a:pt x="233" y="464"/>
-                  </a:cubicBezTo>
-                  <a:lnTo>
-                    <a:pt x="447" y="464"/>
-                  </a:lnTo>
-                  <a:cubicBezTo>
-                    <a:pt x="572" y="464"/>
-                    <a:pt x="679" y="357"/>
-                    <a:pt x="679" y="232"/>
-                  </a:cubicBezTo>
-                  <a:cubicBezTo>
-                    <a:pt x="679" y="107"/>
-                    <a:pt x="572" y="0"/>
-                    <a:pt x="447" y="0"/>
-                  </a:cubicBezTo>
-                  <a:close/>
-                </a:path>
-              </a:pathLst>
-            </a:custGeom>
-            <a:solidFill>
-              <a:schemeClr val="accent2"/>
-            </a:solidFill>
-            <a:ln>
-              <a:noFill/>
-            </a:ln>
-          </p:spPr>
-          <p:txBody>
-            <a:bodyPr spcFirstLastPara="1" wrap="square" lIns="91425" tIns="91425" rIns="91425" bIns="91425" anchor="ctr" anchorCtr="0">
-              <a:noAutofit/>
-            </a:bodyPr>
-            <a:lstStyle/>
-            <a:p>
-              <a:pPr marL="0" lvl="0" indent="0" algn="l" rtl="0">
-                <a:spcBef>
-                  <a:spcPts val="0"/>
-                </a:spcBef>
-                <a:spcAft>
-                  <a:spcPts val="0"/>
-                </a:spcAft>
-                <a:buNone/>
-              </a:pPr>
-              <a:endParaRPr/>
-            </a:p>
-          </p:txBody>
-        </p:sp>
-        <p:sp>
-          <p:nvSpPr>
-            <p:cNvPr id="391" name="Google Shape;391;p38"/>
-            <p:cNvSpPr/>
-            <p:nvPr/>
-          </p:nvSpPr>
-          <p:spPr>
-            <a:xfrm>
-              <a:off x="5592202" y="2238449"/>
-              <a:ext cx="22710" cy="15119"/>
-            </a:xfrm>
-            <a:custGeom>
-              <a:avLst/>
-              <a:gdLst/>
-              <a:ahLst/>
-              <a:cxnLst/>
-              <a:rect l="l" t="t" r="r" b="b"/>
-              <a:pathLst>
-                <a:path w="697" h="464" extrusionOk="0">
-                  <a:moveTo>
-                    <a:pt x="233" y="0"/>
-                  </a:moveTo>
-                  <a:cubicBezTo>
-                    <a:pt x="108" y="0"/>
-                    <a:pt x="1" y="107"/>
-                    <a:pt x="1" y="232"/>
-                  </a:cubicBezTo>
-                  <a:cubicBezTo>
-                    <a:pt x="1" y="357"/>
-                    <a:pt x="108" y="464"/>
-                    <a:pt x="233" y="464"/>
-                  </a:cubicBezTo>
-                  <a:lnTo>
-                    <a:pt x="465" y="464"/>
-                  </a:lnTo>
-                  <a:cubicBezTo>
-                    <a:pt x="590" y="464"/>
-                    <a:pt x="697" y="357"/>
-                    <a:pt x="697" y="232"/>
-                  </a:cubicBezTo>
-                  <a:cubicBezTo>
-                    <a:pt x="697" y="107"/>
-                    <a:pt x="590" y="0"/>
-                    <a:pt x="465" y="0"/>
-                  </a:cubicBezTo>
-                  <a:close/>
-                </a:path>
-              </a:pathLst>
-            </a:custGeom>
-            <a:solidFill>
-              <a:schemeClr val="accent2"/>
-            </a:solidFill>
-            <a:ln>
-              <a:noFill/>
-            </a:ln>
-          </p:spPr>
-          <p:txBody>
-            <a:bodyPr spcFirstLastPara="1" wrap="square" lIns="91425" tIns="91425" rIns="91425" bIns="91425" anchor="ctr" anchorCtr="0">
-              <a:noAutofit/>
-            </a:bodyPr>
-            <a:lstStyle/>
-            <a:p>
-              <a:pPr marL="0" lvl="0" indent="0" algn="l" rtl="0">
-                <a:spcBef>
-                  <a:spcPts val="0"/>
-                </a:spcBef>
-                <a:spcAft>
-                  <a:spcPts val="0"/>
-                </a:spcAft>
-                <a:buNone/>
-              </a:pPr>
-              <a:endParaRPr/>
-            </a:p>
-          </p:txBody>
-        </p:sp>
-        <p:sp>
-          <p:nvSpPr>
-            <p:cNvPr id="392" name="Google Shape;392;p38"/>
-            <p:cNvSpPr/>
-            <p:nvPr/>
-          </p:nvSpPr>
-          <p:spPr>
-            <a:xfrm>
-              <a:off x="5659648" y="2206614"/>
-              <a:ext cx="23883" cy="22549"/>
-            </a:xfrm>
-            <a:custGeom>
-              <a:avLst/>
-              <a:gdLst/>
-              <a:ahLst/>
-              <a:cxnLst/>
-              <a:rect l="l" t="t" r="r" b="b"/>
-              <a:pathLst>
-                <a:path w="733" h="692" extrusionOk="0">
-                  <a:moveTo>
-                    <a:pt x="473" y="0"/>
-                  </a:moveTo>
-                  <a:cubicBezTo>
-                    <a:pt x="411" y="0"/>
-                    <a:pt x="348" y="22"/>
-                    <a:pt x="304" y="67"/>
-                  </a:cubicBezTo>
-                  <a:lnTo>
-                    <a:pt x="108" y="281"/>
-                  </a:lnTo>
-                  <a:cubicBezTo>
-                    <a:pt x="0" y="370"/>
-                    <a:pt x="0" y="531"/>
-                    <a:pt x="108" y="620"/>
-                  </a:cubicBezTo>
-                  <a:cubicBezTo>
-                    <a:pt x="143" y="656"/>
-                    <a:pt x="215" y="692"/>
-                    <a:pt x="268" y="692"/>
-                  </a:cubicBezTo>
-                  <a:cubicBezTo>
-                    <a:pt x="322" y="692"/>
-                    <a:pt x="393" y="656"/>
-                    <a:pt x="429" y="620"/>
-                  </a:cubicBezTo>
-                  <a:lnTo>
-                    <a:pt x="643" y="406"/>
-                  </a:lnTo>
-                  <a:cubicBezTo>
-                    <a:pt x="732" y="317"/>
-                    <a:pt x="732" y="174"/>
-                    <a:pt x="643" y="67"/>
-                  </a:cubicBezTo>
-                  <a:cubicBezTo>
-                    <a:pt x="598" y="22"/>
-                    <a:pt x="536" y="0"/>
-                    <a:pt x="473" y="0"/>
-                  </a:cubicBezTo>
-                  <a:close/>
-                </a:path>
-              </a:pathLst>
-            </a:custGeom>
-            <a:solidFill>
-              <a:schemeClr val="accent2"/>
-            </a:solidFill>
-            <a:ln>
-              <a:noFill/>
-            </a:ln>
-          </p:spPr>
-          <p:txBody>
-            <a:bodyPr spcFirstLastPara="1" wrap="square" lIns="91425" tIns="91425" rIns="91425" bIns="91425" anchor="ctr" anchorCtr="0">
-              <a:noAutofit/>
-            </a:bodyPr>
-            <a:lstStyle/>
-            <a:p>
-              <a:pPr marL="0" lvl="0" indent="0" algn="l" rtl="0">
-                <a:spcBef>
-                  <a:spcPts val="0"/>
-                </a:spcBef>
-                <a:spcAft>
-                  <a:spcPts val="0"/>
-                </a:spcAft>
-                <a:buNone/>
-              </a:pPr>
-              <a:endParaRPr/>
-            </a:p>
-          </p:txBody>
-        </p:sp>
-        <p:sp>
-          <p:nvSpPr>
-            <p:cNvPr id="393" name="Google Shape;393;p38"/>
-            <p:cNvSpPr/>
-            <p:nvPr/>
-          </p:nvSpPr>
-          <p:spPr>
-            <a:xfrm>
-              <a:off x="5603834" y="2262497"/>
-              <a:ext cx="23883" cy="22484"/>
-            </a:xfrm>
-            <a:custGeom>
-              <a:avLst/>
-              <a:gdLst/>
-              <a:ahLst/>
-              <a:cxnLst/>
-              <a:rect l="l" t="t" r="r" b="b"/>
-              <a:pathLst>
-                <a:path w="733" h="690" extrusionOk="0">
-                  <a:moveTo>
-                    <a:pt x="465" y="0"/>
-                  </a:moveTo>
-                  <a:cubicBezTo>
-                    <a:pt x="405" y="0"/>
-                    <a:pt x="346" y="22"/>
-                    <a:pt x="304" y="65"/>
-                  </a:cubicBezTo>
-                  <a:lnTo>
-                    <a:pt x="108" y="279"/>
-                  </a:lnTo>
-                  <a:cubicBezTo>
-                    <a:pt x="1" y="368"/>
-                    <a:pt x="1" y="529"/>
-                    <a:pt x="108" y="618"/>
-                  </a:cubicBezTo>
-                  <a:cubicBezTo>
-                    <a:pt x="143" y="654"/>
-                    <a:pt x="215" y="689"/>
-                    <a:pt x="268" y="689"/>
-                  </a:cubicBezTo>
-                  <a:cubicBezTo>
-                    <a:pt x="322" y="689"/>
-                    <a:pt x="393" y="654"/>
-                    <a:pt x="429" y="618"/>
-                  </a:cubicBezTo>
-                  <a:lnTo>
-                    <a:pt x="643" y="404"/>
-                  </a:lnTo>
-                  <a:cubicBezTo>
-                    <a:pt x="732" y="315"/>
-                    <a:pt x="732" y="172"/>
-                    <a:pt x="643" y="83"/>
-                  </a:cubicBezTo>
-                  <a:cubicBezTo>
-                    <a:pt x="596" y="27"/>
-                    <a:pt x="530" y="0"/>
-                    <a:pt x="465" y="0"/>
-                  </a:cubicBezTo>
-                  <a:close/>
-                </a:path>
-              </a:pathLst>
-            </a:custGeom>
-            <a:solidFill>
-              <a:schemeClr val="accent2"/>
-            </a:solidFill>
-            <a:ln>
-              <a:noFill/>
-            </a:ln>
-          </p:spPr>
-          <p:txBody>
-            <a:bodyPr spcFirstLastPara="1" wrap="square" lIns="91425" tIns="91425" rIns="91425" bIns="91425" anchor="ctr" anchorCtr="0">
-              <a:noAutofit/>
-            </a:bodyPr>
-            <a:lstStyle/>
-            <a:p>
-              <a:pPr marL="0" lvl="0" indent="0" algn="l" rtl="0">
-                <a:spcBef>
-                  <a:spcPts val="0"/>
-                </a:spcBef>
-                <a:spcAft>
-                  <a:spcPts val="0"/>
-                </a:spcAft>
-                <a:buNone/>
-              </a:pPr>
-              <a:endParaRPr/>
-            </a:p>
-          </p:txBody>
-        </p:sp>
-        <p:sp>
-          <p:nvSpPr>
-            <p:cNvPr id="394" name="Google Shape;394;p38"/>
-            <p:cNvSpPr/>
-            <p:nvPr/>
-          </p:nvSpPr>
-          <p:spPr>
-            <a:xfrm>
-              <a:off x="5660235" y="2263507"/>
-              <a:ext cx="23296" cy="21474"/>
-            </a:xfrm>
-            <a:custGeom>
-              <a:avLst/>
-              <a:gdLst/>
-              <a:ahLst/>
-              <a:cxnLst/>
-              <a:rect l="l" t="t" r="r" b="b"/>
-              <a:pathLst>
-                <a:path w="715" h="659" extrusionOk="0">
-                  <a:moveTo>
-                    <a:pt x="252" y="0"/>
-                  </a:moveTo>
-                  <a:cubicBezTo>
-                    <a:pt x="186" y="0"/>
-                    <a:pt x="119" y="23"/>
-                    <a:pt x="72" y="70"/>
-                  </a:cubicBezTo>
-                  <a:cubicBezTo>
-                    <a:pt x="0" y="177"/>
-                    <a:pt x="0" y="319"/>
-                    <a:pt x="90" y="409"/>
-                  </a:cubicBezTo>
-                  <a:lnTo>
-                    <a:pt x="304" y="587"/>
-                  </a:lnTo>
-                  <a:cubicBezTo>
-                    <a:pt x="339" y="641"/>
-                    <a:pt x="393" y="658"/>
-                    <a:pt x="464" y="658"/>
-                  </a:cubicBezTo>
-                  <a:cubicBezTo>
-                    <a:pt x="518" y="658"/>
-                    <a:pt x="589" y="623"/>
-                    <a:pt x="625" y="569"/>
-                  </a:cubicBezTo>
-                  <a:cubicBezTo>
-                    <a:pt x="714" y="480"/>
-                    <a:pt x="714" y="337"/>
-                    <a:pt x="607" y="248"/>
-                  </a:cubicBezTo>
-                  <a:lnTo>
-                    <a:pt x="411" y="52"/>
-                  </a:lnTo>
-                  <a:cubicBezTo>
-                    <a:pt x="369" y="18"/>
-                    <a:pt x="311" y="0"/>
-                    <a:pt x="252" y="0"/>
-                  </a:cubicBezTo>
-                  <a:close/>
-                </a:path>
-              </a:pathLst>
-            </a:custGeom>
-            <a:solidFill>
-              <a:schemeClr val="accent2"/>
-            </a:solidFill>
-            <a:ln>
-              <a:noFill/>
-            </a:ln>
-          </p:spPr>
-          <p:txBody>
-            <a:bodyPr spcFirstLastPara="1" wrap="square" lIns="91425" tIns="91425" rIns="91425" bIns="91425" anchor="ctr" anchorCtr="0">
-              <a:noAutofit/>
-            </a:bodyPr>
-            <a:lstStyle/>
-            <a:p>
-              <a:pPr marL="0" lvl="0" indent="0" algn="l" rtl="0">
-                <a:spcBef>
-                  <a:spcPts val="0"/>
-                </a:spcBef>
-                <a:spcAft>
-                  <a:spcPts val="0"/>
-                </a:spcAft>
-                <a:buNone/>
-              </a:pPr>
-              <a:endParaRPr/>
-            </a:p>
-          </p:txBody>
-        </p:sp>
-        <p:sp>
-          <p:nvSpPr>
-            <p:cNvPr id="395" name="Google Shape;395;p38"/>
-            <p:cNvSpPr/>
-            <p:nvPr/>
-          </p:nvSpPr>
-          <p:spPr>
-            <a:xfrm>
-              <a:off x="5603834" y="2206614"/>
-              <a:ext cx="23883" cy="22549"/>
-            </a:xfrm>
-            <a:custGeom>
-              <a:avLst/>
-              <a:gdLst/>
-              <a:ahLst/>
-              <a:cxnLst/>
-              <a:rect l="l" t="t" r="r" b="b"/>
-              <a:pathLst>
-                <a:path w="733" h="692" extrusionOk="0">
-                  <a:moveTo>
-                    <a:pt x="268" y="0"/>
-                  </a:moveTo>
-                  <a:cubicBezTo>
-                    <a:pt x="210" y="0"/>
-                    <a:pt x="152" y="22"/>
-                    <a:pt x="108" y="67"/>
-                  </a:cubicBezTo>
-                  <a:cubicBezTo>
-                    <a:pt x="1" y="174"/>
-                    <a:pt x="1" y="317"/>
-                    <a:pt x="108" y="406"/>
-                  </a:cubicBezTo>
-                  <a:lnTo>
-                    <a:pt x="304" y="620"/>
-                  </a:lnTo>
-                  <a:cubicBezTo>
-                    <a:pt x="357" y="656"/>
-                    <a:pt x="411" y="692"/>
-                    <a:pt x="482" y="692"/>
-                  </a:cubicBezTo>
-                  <a:cubicBezTo>
-                    <a:pt x="536" y="692"/>
-                    <a:pt x="589" y="656"/>
-                    <a:pt x="643" y="620"/>
-                  </a:cubicBezTo>
-                  <a:cubicBezTo>
-                    <a:pt x="732" y="531"/>
-                    <a:pt x="732" y="370"/>
-                    <a:pt x="643" y="281"/>
-                  </a:cubicBezTo>
-                  <a:lnTo>
-                    <a:pt x="429" y="67"/>
-                  </a:lnTo>
-                  <a:cubicBezTo>
-                    <a:pt x="384" y="22"/>
-                    <a:pt x="326" y="0"/>
-                    <a:pt x="268" y="0"/>
-                  </a:cubicBezTo>
-                  <a:close/>
-                </a:path>
-              </a:pathLst>
-            </a:custGeom>
-            <a:solidFill>
-              <a:schemeClr val="accent2"/>
-            </a:solidFill>
-            <a:ln>
-              <a:noFill/>
-            </a:ln>
-          </p:spPr>
-          <p:txBody>
-            <a:bodyPr spcFirstLastPara="1" wrap="square" lIns="91425" tIns="91425" rIns="91425" bIns="91425" anchor="ctr" anchorCtr="0">
-              <a:noAutofit/>
-            </a:bodyPr>
-            <a:lstStyle/>
-            <a:p>
-              <a:pPr marL="0" lvl="0" indent="0" algn="l" rtl="0">
-                <a:spcBef>
-                  <a:spcPts val="0"/>
-                </a:spcBef>
-                <a:spcAft>
-                  <a:spcPts val="0"/>
-                </a:spcAft>
-                <a:buNone/>
-              </a:pPr>
-              <a:endParaRPr/>
-            </a:p>
-          </p:txBody>
-        </p:sp>
-        <p:sp>
-          <p:nvSpPr>
-            <p:cNvPr id="396" name="Google Shape;396;p38"/>
-            <p:cNvSpPr/>
-            <p:nvPr/>
-          </p:nvSpPr>
-          <p:spPr>
-            <a:xfrm>
-              <a:off x="5601521" y="2203551"/>
-              <a:ext cx="88396" cy="84330"/>
-            </a:xfrm>
-            <a:custGeom>
-              <a:avLst/>
-              <a:gdLst/>
-              <a:ahLst/>
-              <a:cxnLst/>
-              <a:rect l="l" t="t" r="r" b="b"/>
-              <a:pathLst>
-                <a:path w="2713" h="2588" extrusionOk="0">
-                  <a:moveTo>
-                    <a:pt x="1303" y="464"/>
-                  </a:moveTo>
-                  <a:cubicBezTo>
-                    <a:pt x="1517" y="464"/>
-                    <a:pt x="1731" y="554"/>
-                    <a:pt x="1874" y="714"/>
-                  </a:cubicBezTo>
-                  <a:cubicBezTo>
-                    <a:pt x="2213" y="1035"/>
-                    <a:pt x="2213" y="1553"/>
-                    <a:pt x="1874" y="1874"/>
-                  </a:cubicBezTo>
-                  <a:cubicBezTo>
-                    <a:pt x="1731" y="2035"/>
-                    <a:pt x="1517" y="2124"/>
-                    <a:pt x="1303" y="2124"/>
-                  </a:cubicBezTo>
-                  <a:cubicBezTo>
-                    <a:pt x="1071" y="2124"/>
-                    <a:pt x="874" y="2035"/>
-                    <a:pt x="714" y="1874"/>
-                  </a:cubicBezTo>
-                  <a:cubicBezTo>
-                    <a:pt x="553" y="1731"/>
-                    <a:pt x="464" y="1517"/>
-                    <a:pt x="464" y="1303"/>
-                  </a:cubicBezTo>
-                  <a:cubicBezTo>
-                    <a:pt x="464" y="1071"/>
-                    <a:pt x="553" y="875"/>
-                    <a:pt x="714" y="714"/>
-                  </a:cubicBezTo>
-                  <a:cubicBezTo>
-                    <a:pt x="874" y="554"/>
-                    <a:pt x="1071" y="464"/>
-                    <a:pt x="1303" y="464"/>
-                  </a:cubicBezTo>
-                  <a:close/>
-                  <a:moveTo>
-                    <a:pt x="1303" y="0"/>
-                  </a:moveTo>
-                  <a:cubicBezTo>
-                    <a:pt x="946" y="0"/>
-                    <a:pt x="625" y="143"/>
-                    <a:pt x="375" y="375"/>
-                  </a:cubicBezTo>
-                  <a:cubicBezTo>
-                    <a:pt x="143" y="625"/>
-                    <a:pt x="0" y="946"/>
-                    <a:pt x="0" y="1303"/>
-                  </a:cubicBezTo>
-                  <a:cubicBezTo>
-                    <a:pt x="0" y="1642"/>
-                    <a:pt x="143" y="1963"/>
-                    <a:pt x="375" y="2213"/>
-                  </a:cubicBezTo>
-                  <a:cubicBezTo>
-                    <a:pt x="625" y="2463"/>
-                    <a:pt x="946" y="2588"/>
-                    <a:pt x="1303" y="2588"/>
-                  </a:cubicBezTo>
-                  <a:cubicBezTo>
-                    <a:pt x="1642" y="2588"/>
-                    <a:pt x="1963" y="2463"/>
-                    <a:pt x="2213" y="2213"/>
-                  </a:cubicBezTo>
-                  <a:cubicBezTo>
-                    <a:pt x="2712" y="1713"/>
-                    <a:pt x="2712" y="893"/>
-                    <a:pt x="2213" y="375"/>
-                  </a:cubicBezTo>
-                  <a:cubicBezTo>
-                    <a:pt x="1963" y="143"/>
-                    <a:pt x="1642" y="0"/>
-                    <a:pt x="1303" y="0"/>
-                  </a:cubicBezTo>
-                  <a:close/>
-                </a:path>
-              </a:pathLst>
-            </a:custGeom>
-            <a:solidFill>
-              <a:schemeClr val="accent2"/>
-            </a:solidFill>
-            <a:ln>
-              <a:noFill/>
-            </a:ln>
-          </p:spPr>
-          <p:txBody>
-            <a:bodyPr spcFirstLastPara="1" wrap="square" lIns="91425" tIns="91425" rIns="91425" bIns="91425" anchor="ctr" anchorCtr="0">
-              <a:noAutofit/>
-            </a:bodyPr>
-            <a:lstStyle/>
-            <a:p>
-              <a:pPr marL="0" lvl="0" indent="0" algn="l" rtl="0">
-                <a:spcBef>
-                  <a:spcPts val="0"/>
-                </a:spcBef>
-                <a:spcAft>
-                  <a:spcPts val="0"/>
-                </a:spcAft>
-                <a:buNone/>
-              </a:pPr>
-              <a:endParaRPr/>
-            </a:p>
-          </p:txBody>
-        </p:sp>
-        <p:sp>
-          <p:nvSpPr>
-            <p:cNvPr id="397" name="Google Shape;397;p38"/>
-            <p:cNvSpPr/>
-            <p:nvPr/>
-          </p:nvSpPr>
-          <p:spPr>
-            <a:xfrm>
-              <a:off x="5635798" y="2237863"/>
-              <a:ext cx="15737" cy="15706"/>
-            </a:xfrm>
-            <a:custGeom>
-              <a:avLst/>
-              <a:gdLst/>
-              <a:ahLst/>
-              <a:cxnLst/>
-              <a:rect l="l" t="t" r="r" b="b"/>
-              <a:pathLst>
-                <a:path w="483" h="482" extrusionOk="0">
-                  <a:moveTo>
-                    <a:pt x="233" y="0"/>
-                  </a:moveTo>
-                  <a:cubicBezTo>
-                    <a:pt x="108" y="0"/>
-                    <a:pt x="1" y="107"/>
-                    <a:pt x="1" y="232"/>
-                  </a:cubicBezTo>
-                  <a:lnTo>
-                    <a:pt x="1" y="250"/>
-                  </a:lnTo>
-                  <a:cubicBezTo>
-                    <a:pt x="1" y="375"/>
-                    <a:pt x="108" y="482"/>
-                    <a:pt x="233" y="482"/>
-                  </a:cubicBezTo>
-                  <a:cubicBezTo>
-                    <a:pt x="376" y="482"/>
-                    <a:pt x="483" y="375"/>
-                    <a:pt x="483" y="250"/>
-                  </a:cubicBezTo>
-                  <a:lnTo>
-                    <a:pt x="483" y="232"/>
-                  </a:lnTo>
-                  <a:cubicBezTo>
-                    <a:pt x="483" y="107"/>
-                    <a:pt x="376" y="0"/>
-                    <a:pt x="233" y="0"/>
-                  </a:cubicBezTo>
-                  <a:close/>
-                </a:path>
-              </a:pathLst>
-            </a:custGeom>
-            <a:solidFill>
-              <a:schemeClr val="accent2"/>
-            </a:solidFill>
-            <a:ln>
-              <a:noFill/>
-            </a:ln>
-          </p:spPr>
-          <p:txBody>
-            <a:bodyPr spcFirstLastPara="1" wrap="square" lIns="91425" tIns="91425" rIns="91425" bIns="91425" anchor="ctr" anchorCtr="0">
-              <a:noAutofit/>
-            </a:bodyPr>
-            <a:lstStyle/>
-            <a:p>
-              <a:pPr marL="0" lvl="0" indent="0" algn="l" rtl="0">
-                <a:spcBef>
-                  <a:spcPts val="0"/>
-                </a:spcBef>
-                <a:spcAft>
-                  <a:spcPts val="0"/>
-                </a:spcAft>
-                <a:buNone/>
-              </a:pPr>
-              <a:endParaRPr/>
-            </a:p>
-          </p:txBody>
-        </p:sp>
-      </p:grpSp>
-      <p:sp>
-        <p:nvSpPr>
-          <p:cNvPr id="398" name="Google Shape;398;p38"/>
+          <p:cNvPr id="215" name="Google Shape;215;p32"/>
           <p:cNvSpPr txBox="1">
             <a:spLocks noGrp="1"/>
           </p:cNvSpPr>
           <p:nvPr>
-            <p:ph type="body" idx="1"/>
+            <p:ph type="ctrTitle"/>
           </p:nvPr>
         </p:nvSpPr>
         <p:spPr>
           <a:xfrm>
-            <a:off x="564600" y="1776475"/>
-            <a:ext cx="4999772" cy="2725680"/>
+            <a:off x="713250" y="992787"/>
+            <a:ext cx="7717500" cy="591300"/>
           </a:xfrm>
           <a:prstGeom prst="rect">
             <a:avLst/>
@@ -30777,119 +32501,45 @@
           </a:bodyPr>
           <a:lstStyle/>
           <a:p>
-            <a:pPr marL="320040" lvl="0" indent="-317500" algn="l" rtl="0">
-              <a:lnSpc>
-                <a:spcPct val="100000"/>
-              </a:lnSpc>
-              <a:spcBef>
-                <a:spcPts val="1000"/>
-              </a:spcBef>
-              <a:spcAft>
-                <a:spcPts val="0"/>
-              </a:spcAft>
-              <a:buClr>
-                <a:schemeClr val="dk1"/>
-              </a:buClr>
-              <a:buSzPts val="1400"/>
-              <a:buFont typeface="Manrope Medium"/>
-              <a:buChar char="●"/>
+            <a:pPr marL="0" lvl="0" indent="0" algn="ctr" rtl="0">
+              <a:spcBef>
+                <a:spcPts val="0"/>
+              </a:spcBef>
+              <a:spcAft>
+                <a:spcPts val="0"/>
+              </a:spcAft>
+              <a:buNone/>
             </a:pPr>
             <a:r>
-              <a:rPr lang="en-US" sz="1600" u="sng" dirty="0" smtClean="0"/>
-              <a:t>Subject</a:t>
-            </a:r>
-          </a:p>
-          <a:p>
-            <a:pPr marL="288290" lvl="0" indent="-285750" algn="l" rtl="0">
-              <a:lnSpc>
-                <a:spcPct val="100000"/>
-              </a:lnSpc>
-              <a:spcBef>
-                <a:spcPts val="1000"/>
-              </a:spcBef>
-              <a:spcAft>
-                <a:spcPts val="0"/>
-              </a:spcAft>
-              <a:buClr>
-                <a:schemeClr val="dk1"/>
-              </a:buClr>
-              <a:buSzPts val="1400"/>
-              <a:buFontTx/>
-              <a:buChar char="-"/>
-            </a:pPr>
-            <a:r>
-              <a:rPr lang="en-US" dirty="0" smtClean="0"/>
-              <a:t>The interface of the app. Objects use this to register as observers and also to remove them from being observers.</a:t>
-            </a:r>
-          </a:p>
-          <a:p>
-            <a:pPr marL="288290" lvl="0" indent="-285750" algn="l" rtl="0">
-              <a:lnSpc>
-                <a:spcPct val="100000"/>
-              </a:lnSpc>
-              <a:spcBef>
-                <a:spcPts val="1000"/>
-              </a:spcBef>
-              <a:spcAft>
-                <a:spcPts val="0"/>
-              </a:spcAft>
-              <a:buClr>
-                <a:schemeClr val="dk1"/>
-              </a:buClr>
-              <a:buSzPts val="1400"/>
-              <a:buFontTx/>
-              <a:buChar char="-"/>
-            </a:pPr>
-            <a:r>
-              <a:rPr lang="en-US" dirty="0" smtClean="0"/>
-              <a:t>Each subject can have many observers.</a:t>
+              <a:rPr lang="en" dirty="0" smtClean="0"/>
+              <a:t>Description</a:t>
             </a:r>
             <a:endParaRPr dirty="0"/>
           </a:p>
         </p:txBody>
       </p:sp>
-      <p:sp>
-        <p:nvSpPr>
-          <p:cNvPr id="399" name="Google Shape;399;p38"/>
-          <p:cNvSpPr txBox="1">
-            <a:spLocks noGrp="1"/>
-          </p:cNvSpPr>
+      <p:graphicFrame>
+        <p:nvGraphicFramePr>
+          <p:cNvPr id="6" name="Diagram 5"/>
+          <p:cNvGraphicFramePr/>
           <p:nvPr>
-            <p:ph type="ctrTitle"/>
+            <p:extLst>
+              <p:ext uri="{D42A27DB-BD31-4B8C-83A1-F6EECF244321}">
+                <p14:modId xmlns:p14="http://schemas.microsoft.com/office/powerpoint/2010/main" val="2407513278"/>
+              </p:ext>
+            </p:extLst>
           </p:nvPr>
-        </p:nvSpPr>
-        <p:spPr>
-          <a:xfrm>
-            <a:off x="679133" y="1029425"/>
-            <a:ext cx="7785733" cy="427425"/>
-          </a:xfrm>
-          <a:prstGeom prst="rect">
-            <a:avLst/>
-          </a:prstGeom>
-        </p:spPr>
-        <p:txBody>
-          <a:bodyPr spcFirstLastPara="1" wrap="square" lIns="91425" tIns="91425" rIns="91425" bIns="91425" anchor="b" anchorCtr="0">
-            <a:noAutofit/>
-          </a:bodyPr>
-          <a:lstStyle/>
-          <a:p>
-            <a:pPr marL="0" lvl="0" indent="0" algn="ctr" rtl="0">
-              <a:spcBef>
-                <a:spcPts val="0"/>
-              </a:spcBef>
-              <a:spcAft>
-                <a:spcPts val="0"/>
-              </a:spcAft>
-              <a:buNone/>
-            </a:pPr>
-            <a:r>
-              <a:rPr lang="en" dirty="0" smtClean="0"/>
-              <a:t>Explain</a:t>
-            </a:r>
-            <a:endParaRPr dirty="0"/>
-          </a:p>
-        </p:txBody>
-      </p:sp>
+        </p:nvGraphicFramePr>
+        <p:xfrm>
+          <a:off x="1118625" y="1581550"/>
+          <a:ext cx="6906750" cy="3039900"/>
+        </p:xfrm>
+        <a:graphic>
+          <a:graphicData uri="http://schemas.openxmlformats.org/drawingml/2006/diagram">
+            <dgm:relIds xmlns:dgm="http://schemas.openxmlformats.org/drawingml/2006/diagram" xmlns:r="http://schemas.openxmlformats.org/officeDocument/2006/relationships" r:dm="rId9" r:lo="rId10" r:qs="rId11" r:cs="rId12"/>
+          </a:graphicData>
+        </a:graphic>
+      </p:graphicFrame>
     </p:spTree>
   </p:cSld>
   <p:clrMapOvr>
@@ -30910,7 +32560,7 @@
   <p:cSld>
     <p:spTree>
       <p:nvGrpSpPr>
-        <p:cNvPr id="1" name="Shape 369"/>
+        <p:cNvPr id="1" name="Shape 199"/>
         <p:cNvGrpSpPr/>
         <p:nvPr/>
       </p:nvGrpSpPr>
@@ -30924,7 +32574,7 @@
       </p:grpSpPr>
       <p:sp>
         <p:nvSpPr>
-          <p:cNvPr id="370" name="Google Shape;370;p38">
+          <p:cNvPr id="200" name="Google Shape;200;p32">
             <a:hlinkClick r:id="rId3" action="ppaction://hlinksldjump"/>
           </p:cNvPr>
           <p:cNvSpPr/>
@@ -30982,70 +32632,8 @@
       </p:sp>
       <p:sp>
         <p:nvSpPr>
-          <p:cNvPr id="371" name="Google Shape;371;p38">
+          <p:cNvPr id="201" name="Google Shape;201;p32">
             <a:hlinkClick r:id="rId4" action="ppaction://hlinksldjump"/>
-          </p:cNvPr>
-          <p:cNvSpPr/>
-          <p:nvPr/>
-        </p:nvSpPr>
-        <p:spPr>
-          <a:xfrm>
-            <a:off x="1270200" y="325200"/>
-            <a:ext cx="943500" cy="384600"/>
-          </a:xfrm>
-          <a:prstGeom prst="roundRect">
-            <a:avLst>
-              <a:gd name="adj" fmla="val 5994"/>
-            </a:avLst>
-          </a:prstGeom>
-          <a:noFill/>
-          <a:ln>
-            <a:noFill/>
-          </a:ln>
-        </p:spPr>
-        <p:txBody>
-          <a:bodyPr spcFirstLastPara="1" wrap="square" lIns="0" tIns="0" rIns="0" bIns="0" anchor="ctr" anchorCtr="0">
-            <a:noAutofit/>
-          </a:bodyPr>
-          <a:lstStyle/>
-          <a:p>
-            <a:pPr marL="0" lvl="0" indent="0" algn="ctr" rtl="0">
-              <a:spcBef>
-                <a:spcPts val="0"/>
-              </a:spcBef>
-              <a:spcAft>
-                <a:spcPts val="0"/>
-              </a:spcAft>
-              <a:buNone/>
-            </a:pPr>
-            <a:r>
-              <a:rPr lang="en" sz="1200">
-                <a:solidFill>
-                  <a:schemeClr val="lt1"/>
-                </a:solidFill>
-                <a:latin typeface="Be Vietnam Pro"/>
-                <a:ea typeface="Be Vietnam Pro"/>
-                <a:cs typeface="Be Vietnam Pro"/>
-                <a:sym typeface="Be Vietnam Pro"/>
-              </a:rPr>
-              <a:t>Intro</a:t>
-            </a:r>
-            <a:endParaRPr sz="1200">
-              <a:solidFill>
-                <a:schemeClr val="lt1"/>
-              </a:solidFill>
-              <a:latin typeface="Be Vietnam Pro"/>
-              <a:ea typeface="Be Vietnam Pro"/>
-              <a:cs typeface="Be Vietnam Pro"/>
-              <a:sym typeface="Be Vietnam Pro"/>
-            </a:endParaRPr>
-          </a:p>
-        </p:txBody>
-      </p:sp>
-      <p:sp>
-        <p:nvSpPr>
-          <p:cNvPr id="372" name="Google Shape;372;p38">
-            <a:hlinkClick r:id="rId5" action="ppaction://hlinksldjump"/>
           </p:cNvPr>
           <p:cNvSpPr/>
           <p:nvPr/>
@@ -31106,8 +32694,8 @@
       </p:sp>
       <p:sp>
         <p:nvSpPr>
-          <p:cNvPr id="373" name="Google Shape;373;p38">
-            <a:hlinkClick r:id="rId6" action="ppaction://hlinksldjump"/>
+          <p:cNvPr id="202" name="Google Shape;202;p32">
+            <a:hlinkClick r:id="rId5" action="ppaction://hlinksldjump"/>
           </p:cNvPr>
           <p:cNvSpPr/>
           <p:nvPr/>
@@ -31168,8 +32756,8 @@
       </p:sp>
       <p:sp>
         <p:nvSpPr>
-          <p:cNvPr id="374" name="Google Shape;374;p38">
-            <a:hlinkClick r:id="rId5" action="ppaction://hlinksldjump"/>
+          <p:cNvPr id="203" name="Google Shape;203;p32">
+            <a:hlinkClick r:id="rId4" action="ppaction://hlinksldjump"/>
           </p:cNvPr>
           <p:cNvSpPr/>
           <p:nvPr/>
@@ -31184,9 +32772,7 @@
               <a:gd name="adj" fmla="val 5994"/>
             </a:avLst>
           </a:prstGeom>
-          <a:solidFill>
-            <a:schemeClr val="dk2"/>
-          </a:solidFill>
+          <a:noFill/>
           <a:ln>
             <a:noFill/>
           </a:ln>
@@ -31207,9 +32793,9 @@
               <a:buNone/>
             </a:pPr>
             <a:r>
-              <a:rPr lang="en" sz="1200" b="1">
+              <a:rPr lang="en" sz="1200">
                 <a:solidFill>
-                  <a:schemeClr val="accent2"/>
+                  <a:schemeClr val="lt1"/>
                 </a:solidFill>
                 <a:latin typeface="Be Vietnam Pro"/>
                 <a:ea typeface="Be Vietnam Pro"/>
@@ -31218,9 +32804,9 @@
               </a:rPr>
               <a:t>Explain</a:t>
             </a:r>
-            <a:endParaRPr sz="1200" b="1">
+            <a:endParaRPr sz="1200">
               <a:solidFill>
-                <a:schemeClr val="accent2"/>
+                <a:schemeClr val="lt1"/>
               </a:solidFill>
               <a:latin typeface="Be Vietnam Pro"/>
               <a:ea typeface="Be Vietnam Pro"/>
@@ -31232,8 +32818,8 @@
       </p:sp>
       <p:sp>
         <p:nvSpPr>
-          <p:cNvPr id="375" name="Google Shape;375;p38">
-            <a:hlinkClick r:id="rId7" action="ppaction://hlinksldjump"/>
+          <p:cNvPr id="204" name="Google Shape;204;p32">
+            <a:hlinkClick r:id="rId6" action="ppaction://hlinksldjump"/>
           </p:cNvPr>
           <p:cNvSpPr/>
           <p:nvPr/>
@@ -31294,8 +32880,8 @@
       </p:sp>
       <p:sp>
         <p:nvSpPr>
-          <p:cNvPr id="376" name="Google Shape;376;p38">
-            <a:hlinkClick r:id="rId8" action="ppaction://hlinksldjump"/>
+          <p:cNvPr id="205" name="Google Shape;205;p32">
+            <a:hlinkClick r:id="rId7" action="ppaction://hlinksldjump"/>
           </p:cNvPr>
           <p:cNvSpPr/>
           <p:nvPr/>
@@ -31356,8 +32942,8 @@
       </p:sp>
       <p:sp>
         <p:nvSpPr>
-          <p:cNvPr id="377" name="Google Shape;377;p38">
-            <a:hlinkClick r:id="rId9" action="ppaction://hlinksldjump"/>
+          <p:cNvPr id="206" name="Google Shape;206;p32">
+            <a:hlinkClick r:id="rId8" action="ppaction://hlinksldjump"/>
           </p:cNvPr>
           <p:cNvSpPr/>
           <p:nvPr/>
@@ -31416,9 +33002,71 @@
           </a:p>
         </p:txBody>
       </p:sp>
+      <p:sp>
+        <p:nvSpPr>
+          <p:cNvPr id="207" name="Google Shape;207;p32"/>
+          <p:cNvSpPr/>
+          <p:nvPr/>
+        </p:nvSpPr>
+        <p:spPr>
+          <a:xfrm>
+            <a:off x="1270200" y="325200"/>
+            <a:ext cx="943500" cy="384600"/>
+          </a:xfrm>
+          <a:prstGeom prst="roundRect">
+            <a:avLst>
+              <a:gd name="adj" fmla="val 5994"/>
+            </a:avLst>
+          </a:prstGeom>
+          <a:solidFill>
+            <a:schemeClr val="dk2"/>
+          </a:solidFill>
+          <a:ln>
+            <a:noFill/>
+          </a:ln>
+        </p:spPr>
+        <p:txBody>
+          <a:bodyPr spcFirstLastPara="1" wrap="square" lIns="0" tIns="0" rIns="0" bIns="0" anchor="ctr" anchorCtr="0">
+            <a:noAutofit/>
+          </a:bodyPr>
+          <a:lstStyle/>
+          <a:p>
+            <a:pPr marL="0" lvl="0" indent="0" algn="ctr" rtl="0">
+              <a:spcBef>
+                <a:spcPts val="0"/>
+              </a:spcBef>
+              <a:spcAft>
+                <a:spcPts val="0"/>
+              </a:spcAft>
+              <a:buNone/>
+            </a:pPr>
+            <a:r>
+              <a:rPr lang="en" sz="1200" b="1">
+                <a:solidFill>
+                  <a:schemeClr val="lt2"/>
+                </a:solidFill>
+                <a:latin typeface="Be Vietnam Pro"/>
+                <a:ea typeface="Be Vietnam Pro"/>
+                <a:cs typeface="Be Vietnam Pro"/>
+                <a:sym typeface="Be Vietnam Pro"/>
+              </a:rPr>
+              <a:t>Intro</a:t>
+            </a:r>
+            <a:endParaRPr sz="1200" b="1">
+              <a:solidFill>
+                <a:schemeClr val="lt2"/>
+              </a:solidFill>
+              <a:latin typeface="Be Vietnam Pro"/>
+              <a:ea typeface="Be Vietnam Pro"/>
+              <a:cs typeface="Be Vietnam Pro"/>
+              <a:sym typeface="Be Vietnam Pro"/>
+            </a:endParaRPr>
+          </a:p>
+        </p:txBody>
+      </p:sp>
       <p:grpSp>
         <p:nvGrpSpPr>
-          <p:cNvPr id="378" name="Google Shape;378;p38"/>
+          <p:cNvPr id="208" name="Google Shape;208;p32"/>
           <p:cNvGrpSpPr/>
           <p:nvPr/>
         </p:nvGrpSpPr>
@@ -31432,7 +33080,7 @@
         </p:grpSpPr>
         <p:sp>
           <p:nvSpPr>
-            <p:cNvPr id="379" name="Google Shape;379;p38"/>
+            <p:cNvPr id="209" name="Google Shape;209;p32"/>
             <p:cNvSpPr/>
             <p:nvPr/>
           </p:nvSpPr>
@@ -31472,7 +33120,7 @@
         </p:sp>
         <p:sp>
           <p:nvSpPr>
-            <p:cNvPr id="380" name="Google Shape;380;p38"/>
+            <p:cNvPr id="210" name="Google Shape;210;p32"/>
             <p:cNvSpPr/>
             <p:nvPr/>
           </p:nvSpPr>
@@ -31512,7 +33160,7 @@
         </p:sp>
         <p:sp>
           <p:nvSpPr>
-            <p:cNvPr id="381" name="Google Shape;381;p38"/>
+            <p:cNvPr id="211" name="Google Shape;211;p32"/>
             <p:cNvSpPr/>
             <p:nvPr/>
           </p:nvSpPr>
@@ -31553,13 +33201,13 @@
       </p:grpSp>
       <p:cxnSp>
         <p:nvCxnSpPr>
-          <p:cNvPr id="382" name="Google Shape;382;p38"/>
+          <p:cNvPr id="212" name="Google Shape;212;p32"/>
           <p:cNvCxnSpPr/>
           <p:nvPr/>
         </p:nvCxnSpPr>
         <p:spPr>
           <a:xfrm>
-            <a:off x="325200" y="709650"/>
+            <a:off x="316341" y="676075"/>
             <a:ext cx="8493600" cy="0"/>
           </a:xfrm>
           <a:prstGeom prst="straightConnector1">
@@ -31579,1590 +33227,18 @@
       </p:cxnSp>
       <p:sp>
         <p:nvSpPr>
-          <p:cNvPr id="383" name="Google Shape;383;p38"/>
-          <p:cNvSpPr/>
-          <p:nvPr/>
-        </p:nvSpPr>
-        <p:spPr>
-          <a:xfrm>
-            <a:off x="5896864" y="2016303"/>
-            <a:ext cx="1860600" cy="1797600"/>
-          </a:xfrm>
-          <a:prstGeom prst="ellipse">
-            <a:avLst/>
-          </a:prstGeom>
-          <a:noFill/>
-          <a:ln w="28575" cap="flat" cmpd="sng">
-            <a:solidFill>
-              <a:schemeClr val="accent2"/>
-            </a:solidFill>
-            <a:prstDash val="solid"/>
-            <a:round/>
-            <a:headEnd type="none" w="sm" len="sm"/>
-            <a:tailEnd type="none" w="sm" len="sm"/>
-          </a:ln>
-        </p:spPr>
-        <p:txBody>
-          <a:bodyPr spcFirstLastPara="1" wrap="square" lIns="91425" tIns="91425" rIns="91425" bIns="91425" anchor="ctr" anchorCtr="0">
-            <a:noAutofit/>
-          </a:bodyPr>
-          <a:lstStyle/>
-          <a:p>
-            <a:pPr marL="0" lvl="0" indent="0" algn="l" rtl="0">
-              <a:spcBef>
-                <a:spcPts val="0"/>
-              </a:spcBef>
-              <a:spcAft>
-                <a:spcPts val="0"/>
-              </a:spcAft>
-              <a:buNone/>
-            </a:pPr>
-            <a:endParaRPr/>
-          </a:p>
-        </p:txBody>
-      </p:sp>
-      <p:grpSp>
-        <p:nvGrpSpPr>
-          <p:cNvPr id="385" name="Google Shape;385;p38"/>
-          <p:cNvGrpSpPr/>
-          <p:nvPr/>
-        </p:nvGrpSpPr>
-        <p:grpSpPr>
-          <a:xfrm>
-            <a:off x="6437836" y="2527496"/>
-            <a:ext cx="778655" cy="775213"/>
-            <a:chOff x="5432907" y="2193678"/>
-            <a:chExt cx="262810" cy="261658"/>
-          </a:xfrm>
-        </p:grpSpPr>
-        <p:sp>
-          <p:nvSpPr>
-            <p:cNvPr id="386" name="Google Shape;386;p38"/>
-            <p:cNvSpPr/>
-            <p:nvPr/>
-          </p:nvSpPr>
-          <p:spPr>
-            <a:xfrm>
-              <a:off x="5467802" y="2298895"/>
-              <a:ext cx="128505" cy="117469"/>
-            </a:xfrm>
-            <a:custGeom>
-              <a:avLst/>
-              <a:gdLst/>
-              <a:ahLst/>
-              <a:cxnLst/>
-              <a:rect l="l" t="t" r="r" b="b"/>
-              <a:pathLst>
-                <a:path w="3944" h="3605" extrusionOk="0">
-                  <a:moveTo>
-                    <a:pt x="1963" y="465"/>
-                  </a:moveTo>
-                  <a:cubicBezTo>
-                    <a:pt x="2302" y="465"/>
-                    <a:pt x="2641" y="607"/>
-                    <a:pt x="2909" y="857"/>
-                  </a:cubicBezTo>
-                  <a:cubicBezTo>
-                    <a:pt x="3426" y="1375"/>
-                    <a:pt x="3426" y="2213"/>
-                    <a:pt x="2909" y="2731"/>
-                  </a:cubicBezTo>
-                  <a:cubicBezTo>
-                    <a:pt x="2650" y="2989"/>
-                    <a:pt x="2307" y="3119"/>
-                    <a:pt x="1963" y="3119"/>
-                  </a:cubicBezTo>
-                  <a:cubicBezTo>
-                    <a:pt x="1620" y="3119"/>
-                    <a:pt x="1276" y="2989"/>
-                    <a:pt x="1017" y="2731"/>
-                  </a:cubicBezTo>
-                  <a:cubicBezTo>
-                    <a:pt x="500" y="2213"/>
-                    <a:pt x="500" y="1375"/>
-                    <a:pt x="1017" y="857"/>
-                  </a:cubicBezTo>
-                  <a:cubicBezTo>
-                    <a:pt x="1285" y="607"/>
-                    <a:pt x="1624" y="465"/>
-                    <a:pt x="1963" y="465"/>
-                  </a:cubicBezTo>
-                  <a:close/>
-                  <a:moveTo>
-                    <a:pt x="1963" y="1"/>
-                  </a:moveTo>
-                  <a:cubicBezTo>
-                    <a:pt x="1504" y="1"/>
-                    <a:pt x="1044" y="179"/>
-                    <a:pt x="696" y="536"/>
-                  </a:cubicBezTo>
-                  <a:cubicBezTo>
-                    <a:pt x="0" y="1232"/>
-                    <a:pt x="0" y="2374"/>
-                    <a:pt x="696" y="3070"/>
-                  </a:cubicBezTo>
-                  <a:cubicBezTo>
-                    <a:pt x="1053" y="3426"/>
-                    <a:pt x="1499" y="3605"/>
-                    <a:pt x="1963" y="3605"/>
-                  </a:cubicBezTo>
-                  <a:cubicBezTo>
-                    <a:pt x="2427" y="3605"/>
-                    <a:pt x="2891" y="3426"/>
-                    <a:pt x="3230" y="3070"/>
-                  </a:cubicBezTo>
-                  <a:cubicBezTo>
-                    <a:pt x="3944" y="2374"/>
-                    <a:pt x="3944" y="1232"/>
-                    <a:pt x="3230" y="536"/>
-                  </a:cubicBezTo>
-                  <a:cubicBezTo>
-                    <a:pt x="2882" y="179"/>
-                    <a:pt x="2423" y="1"/>
-                    <a:pt x="1963" y="1"/>
-                  </a:cubicBezTo>
-                  <a:close/>
-                </a:path>
-              </a:pathLst>
-            </a:custGeom>
-            <a:solidFill>
-              <a:schemeClr val="accent2"/>
-            </a:solidFill>
-            <a:ln>
-              <a:noFill/>
-            </a:ln>
-          </p:spPr>
-          <p:txBody>
-            <a:bodyPr spcFirstLastPara="1" wrap="square" lIns="91425" tIns="91425" rIns="91425" bIns="91425" anchor="ctr" anchorCtr="0">
-              <a:noAutofit/>
-            </a:bodyPr>
-            <a:lstStyle/>
-            <a:p>
-              <a:pPr marL="0" lvl="0" indent="0" algn="l" rtl="0">
-                <a:spcBef>
-                  <a:spcPts val="0"/>
-                </a:spcBef>
-                <a:spcAft>
-                  <a:spcPts val="0"/>
-                </a:spcAft>
-                <a:buNone/>
-              </a:pPr>
-              <a:endParaRPr/>
-            </a:p>
-          </p:txBody>
-        </p:sp>
-        <p:sp>
-          <p:nvSpPr>
-            <p:cNvPr id="387" name="Google Shape;387;p38"/>
-            <p:cNvSpPr/>
-            <p:nvPr/>
-          </p:nvSpPr>
-          <p:spPr>
-            <a:xfrm>
-              <a:off x="5432907" y="2259956"/>
-              <a:ext cx="198297" cy="195380"/>
-            </a:xfrm>
-            <a:custGeom>
-              <a:avLst/>
-              <a:gdLst/>
-              <a:ahLst/>
-              <a:cxnLst/>
-              <a:rect l="l" t="t" r="r" b="b"/>
-              <a:pathLst>
-                <a:path w="6086" h="5996" extrusionOk="0">
-                  <a:moveTo>
-                    <a:pt x="3712" y="482"/>
-                  </a:moveTo>
-                  <a:lnTo>
-                    <a:pt x="4319" y="732"/>
-                  </a:lnTo>
-                  <a:lnTo>
-                    <a:pt x="4283" y="892"/>
-                  </a:lnTo>
-                  <a:cubicBezTo>
-                    <a:pt x="4247" y="982"/>
-                    <a:pt x="4283" y="1071"/>
-                    <a:pt x="4372" y="1142"/>
-                  </a:cubicBezTo>
-                  <a:cubicBezTo>
-                    <a:pt x="4569" y="1285"/>
-                    <a:pt x="4747" y="1463"/>
-                    <a:pt x="4890" y="1660"/>
-                  </a:cubicBezTo>
-                  <a:cubicBezTo>
-                    <a:pt x="4934" y="1719"/>
-                    <a:pt x="5015" y="1753"/>
-                    <a:pt x="5092" y="1753"/>
-                  </a:cubicBezTo>
-                  <a:cubicBezTo>
-                    <a:pt x="5108" y="1753"/>
-                    <a:pt x="5124" y="1752"/>
-                    <a:pt x="5140" y="1749"/>
-                  </a:cubicBezTo>
-                  <a:lnTo>
-                    <a:pt x="5282" y="1695"/>
-                  </a:lnTo>
-                  <a:lnTo>
-                    <a:pt x="5532" y="2302"/>
-                  </a:lnTo>
-                  <a:lnTo>
-                    <a:pt x="5407" y="2373"/>
-                  </a:lnTo>
-                  <a:cubicBezTo>
-                    <a:pt x="5318" y="2427"/>
-                    <a:pt x="5264" y="2516"/>
-                    <a:pt x="5282" y="2623"/>
-                  </a:cubicBezTo>
-                  <a:cubicBezTo>
-                    <a:pt x="5336" y="2873"/>
-                    <a:pt x="5336" y="3105"/>
-                    <a:pt x="5300" y="3355"/>
-                  </a:cubicBezTo>
-                  <a:cubicBezTo>
-                    <a:pt x="5282" y="3462"/>
-                    <a:pt x="5318" y="3551"/>
-                    <a:pt x="5407" y="3604"/>
-                  </a:cubicBezTo>
-                  <a:lnTo>
-                    <a:pt x="5550" y="3676"/>
-                  </a:lnTo>
-                  <a:lnTo>
-                    <a:pt x="5300" y="4282"/>
-                  </a:lnTo>
-                  <a:lnTo>
-                    <a:pt x="5140" y="4229"/>
-                  </a:lnTo>
-                  <a:cubicBezTo>
-                    <a:pt x="5124" y="4226"/>
-                    <a:pt x="5108" y="4224"/>
-                    <a:pt x="5092" y="4224"/>
-                  </a:cubicBezTo>
-                  <a:cubicBezTo>
-                    <a:pt x="5015" y="4224"/>
-                    <a:pt x="4934" y="4259"/>
-                    <a:pt x="4890" y="4318"/>
-                  </a:cubicBezTo>
-                  <a:cubicBezTo>
-                    <a:pt x="4747" y="4532"/>
-                    <a:pt x="4569" y="4693"/>
-                    <a:pt x="4372" y="4853"/>
-                  </a:cubicBezTo>
-                  <a:cubicBezTo>
-                    <a:pt x="4301" y="4907"/>
-                    <a:pt x="4265" y="4996"/>
-                    <a:pt x="4283" y="5103"/>
-                  </a:cubicBezTo>
-                  <a:lnTo>
-                    <a:pt x="4319" y="5246"/>
-                  </a:lnTo>
-                  <a:lnTo>
-                    <a:pt x="3730" y="5496"/>
-                  </a:lnTo>
-                  <a:lnTo>
-                    <a:pt x="3659" y="5371"/>
-                  </a:lnTo>
-                  <a:cubicBezTo>
-                    <a:pt x="3612" y="5293"/>
-                    <a:pt x="3525" y="5242"/>
-                    <a:pt x="3444" y="5242"/>
-                  </a:cubicBezTo>
-                  <a:cubicBezTo>
-                    <a:pt x="3432" y="5242"/>
-                    <a:pt x="3420" y="5244"/>
-                    <a:pt x="3409" y="5246"/>
-                  </a:cubicBezTo>
-                  <a:cubicBezTo>
-                    <a:pt x="3284" y="5264"/>
-                    <a:pt x="3159" y="5273"/>
-                    <a:pt x="3036" y="5273"/>
-                  </a:cubicBezTo>
-                  <a:cubicBezTo>
-                    <a:pt x="2914" y="5273"/>
-                    <a:pt x="2793" y="5264"/>
-                    <a:pt x="2677" y="5246"/>
-                  </a:cubicBezTo>
-                  <a:cubicBezTo>
-                    <a:pt x="2663" y="5244"/>
-                    <a:pt x="2650" y="5242"/>
-                    <a:pt x="2637" y="5242"/>
-                  </a:cubicBezTo>
-                  <a:cubicBezTo>
-                    <a:pt x="2548" y="5242"/>
-                    <a:pt x="2474" y="5293"/>
-                    <a:pt x="2427" y="5371"/>
-                  </a:cubicBezTo>
-                  <a:lnTo>
-                    <a:pt x="2356" y="5496"/>
-                  </a:lnTo>
-                  <a:lnTo>
-                    <a:pt x="1749" y="5264"/>
-                  </a:lnTo>
-                  <a:lnTo>
-                    <a:pt x="1803" y="5103"/>
-                  </a:lnTo>
-                  <a:cubicBezTo>
-                    <a:pt x="1821" y="5014"/>
-                    <a:pt x="1785" y="4907"/>
-                    <a:pt x="1714" y="4853"/>
-                  </a:cubicBezTo>
-                  <a:cubicBezTo>
-                    <a:pt x="1500" y="4711"/>
-                    <a:pt x="1321" y="4532"/>
-                    <a:pt x="1178" y="4336"/>
-                  </a:cubicBezTo>
-                  <a:cubicBezTo>
-                    <a:pt x="1139" y="4270"/>
-                    <a:pt x="1070" y="4233"/>
-                    <a:pt x="1000" y="4233"/>
-                  </a:cubicBezTo>
-                  <a:cubicBezTo>
-                    <a:pt x="976" y="4233"/>
-                    <a:pt x="952" y="4238"/>
-                    <a:pt x="929" y="4247"/>
-                  </a:cubicBezTo>
-                  <a:lnTo>
-                    <a:pt x="786" y="4282"/>
-                  </a:lnTo>
-                  <a:lnTo>
-                    <a:pt x="536" y="3694"/>
-                  </a:lnTo>
-                  <a:lnTo>
-                    <a:pt x="661" y="3604"/>
-                  </a:lnTo>
-                  <a:cubicBezTo>
-                    <a:pt x="750" y="3569"/>
-                    <a:pt x="804" y="3462"/>
-                    <a:pt x="786" y="3372"/>
-                  </a:cubicBezTo>
-                  <a:cubicBezTo>
-                    <a:pt x="732" y="3123"/>
-                    <a:pt x="732" y="2873"/>
-                    <a:pt x="786" y="2641"/>
-                  </a:cubicBezTo>
-                  <a:cubicBezTo>
-                    <a:pt x="804" y="2534"/>
-                    <a:pt x="750" y="2445"/>
-                    <a:pt x="661" y="2391"/>
-                  </a:cubicBezTo>
-                  <a:lnTo>
-                    <a:pt x="536" y="2320"/>
-                  </a:lnTo>
-                  <a:lnTo>
-                    <a:pt x="768" y="1713"/>
-                  </a:lnTo>
-                  <a:lnTo>
-                    <a:pt x="929" y="1749"/>
-                  </a:lnTo>
-                  <a:cubicBezTo>
-                    <a:pt x="952" y="1758"/>
-                    <a:pt x="976" y="1762"/>
-                    <a:pt x="1000" y="1762"/>
-                  </a:cubicBezTo>
-                  <a:cubicBezTo>
-                    <a:pt x="1070" y="1762"/>
-                    <a:pt x="1139" y="1726"/>
-                    <a:pt x="1178" y="1660"/>
-                  </a:cubicBezTo>
-                  <a:cubicBezTo>
-                    <a:pt x="1321" y="1463"/>
-                    <a:pt x="1500" y="1285"/>
-                    <a:pt x="1696" y="1142"/>
-                  </a:cubicBezTo>
-                  <a:cubicBezTo>
-                    <a:pt x="1785" y="1089"/>
-                    <a:pt x="1803" y="982"/>
-                    <a:pt x="1785" y="892"/>
-                  </a:cubicBezTo>
-                  <a:lnTo>
-                    <a:pt x="1749" y="732"/>
-                  </a:lnTo>
-                  <a:lnTo>
-                    <a:pt x="2338" y="500"/>
-                  </a:lnTo>
-                  <a:lnTo>
-                    <a:pt x="2427" y="625"/>
-                  </a:lnTo>
-                  <a:cubicBezTo>
-                    <a:pt x="2463" y="714"/>
-                    <a:pt x="2570" y="750"/>
-                    <a:pt x="2659" y="750"/>
-                  </a:cubicBezTo>
-                  <a:cubicBezTo>
-                    <a:pt x="2797" y="720"/>
-                    <a:pt x="2934" y="707"/>
-                    <a:pt x="3069" y="707"/>
-                  </a:cubicBezTo>
-                  <a:cubicBezTo>
-                    <a:pt x="3179" y="707"/>
-                    <a:pt x="3287" y="716"/>
-                    <a:pt x="3391" y="732"/>
-                  </a:cubicBezTo>
-                  <a:cubicBezTo>
-                    <a:pt x="3409" y="735"/>
-                    <a:pt x="3426" y="736"/>
-                    <a:pt x="3443" y="736"/>
-                  </a:cubicBezTo>
-                  <a:cubicBezTo>
-                    <a:pt x="3527" y="736"/>
-                    <a:pt x="3596" y="699"/>
-                    <a:pt x="3641" y="625"/>
-                  </a:cubicBezTo>
-                  <a:lnTo>
-                    <a:pt x="3712" y="482"/>
-                  </a:lnTo>
-                  <a:close/>
-                  <a:moveTo>
-                    <a:pt x="3686" y="1"/>
-                  </a:moveTo>
-                  <a:cubicBezTo>
-                    <a:pt x="3550" y="1"/>
-                    <a:pt x="3415" y="80"/>
-                    <a:pt x="3337" y="196"/>
-                  </a:cubicBezTo>
-                  <a:lnTo>
-                    <a:pt x="3302" y="250"/>
-                  </a:lnTo>
-                  <a:cubicBezTo>
-                    <a:pt x="3213" y="241"/>
-                    <a:pt x="3119" y="237"/>
-                    <a:pt x="3025" y="237"/>
-                  </a:cubicBezTo>
-                  <a:cubicBezTo>
-                    <a:pt x="2931" y="237"/>
-                    <a:pt x="2838" y="241"/>
-                    <a:pt x="2749" y="250"/>
-                  </a:cubicBezTo>
-                  <a:lnTo>
-                    <a:pt x="2713" y="196"/>
-                  </a:lnTo>
-                  <a:cubicBezTo>
-                    <a:pt x="2647" y="78"/>
-                    <a:pt x="2514" y="8"/>
-                    <a:pt x="2369" y="8"/>
-                  </a:cubicBezTo>
-                  <a:cubicBezTo>
-                    <a:pt x="2318" y="8"/>
-                    <a:pt x="2265" y="17"/>
-                    <a:pt x="2213" y="36"/>
-                  </a:cubicBezTo>
-                  <a:lnTo>
-                    <a:pt x="1500" y="321"/>
-                  </a:lnTo>
-                  <a:cubicBezTo>
-                    <a:pt x="1321" y="411"/>
-                    <a:pt x="1214" y="607"/>
-                    <a:pt x="1268" y="803"/>
-                  </a:cubicBezTo>
-                  <a:lnTo>
-                    <a:pt x="1286" y="857"/>
-                  </a:lnTo>
-                  <a:cubicBezTo>
-                    <a:pt x="1143" y="982"/>
-                    <a:pt x="1018" y="1106"/>
-                    <a:pt x="893" y="1267"/>
-                  </a:cubicBezTo>
-                  <a:lnTo>
-                    <a:pt x="839" y="1249"/>
-                  </a:lnTo>
-                  <a:cubicBezTo>
-                    <a:pt x="802" y="1239"/>
-                    <a:pt x="764" y="1234"/>
-                    <a:pt x="727" y="1234"/>
-                  </a:cubicBezTo>
-                  <a:cubicBezTo>
-                    <a:pt x="572" y="1234"/>
-                    <a:pt x="430" y="1323"/>
-                    <a:pt x="358" y="1481"/>
-                  </a:cubicBezTo>
-                  <a:lnTo>
-                    <a:pt x="72" y="2195"/>
-                  </a:lnTo>
-                  <a:cubicBezTo>
-                    <a:pt x="1" y="2373"/>
-                    <a:pt x="72" y="2587"/>
-                    <a:pt x="251" y="2694"/>
-                  </a:cubicBezTo>
-                  <a:lnTo>
-                    <a:pt x="286" y="2712"/>
-                  </a:lnTo>
-                  <a:cubicBezTo>
-                    <a:pt x="268" y="2909"/>
-                    <a:pt x="268" y="3087"/>
-                    <a:pt x="304" y="3283"/>
-                  </a:cubicBezTo>
-                  <a:lnTo>
-                    <a:pt x="251" y="3319"/>
-                  </a:lnTo>
-                  <a:cubicBezTo>
-                    <a:pt x="72" y="3408"/>
-                    <a:pt x="1" y="3622"/>
-                    <a:pt x="72" y="3819"/>
-                  </a:cubicBezTo>
-                  <a:lnTo>
-                    <a:pt x="376" y="4514"/>
-                  </a:lnTo>
-                  <a:cubicBezTo>
-                    <a:pt x="433" y="4673"/>
-                    <a:pt x="584" y="4762"/>
-                    <a:pt x="743" y="4762"/>
-                  </a:cubicBezTo>
-                  <a:cubicBezTo>
-                    <a:pt x="781" y="4762"/>
-                    <a:pt x="820" y="4757"/>
-                    <a:pt x="857" y="4746"/>
-                  </a:cubicBezTo>
-                  <a:lnTo>
-                    <a:pt x="911" y="4746"/>
-                  </a:lnTo>
-                  <a:cubicBezTo>
-                    <a:pt x="1018" y="4889"/>
-                    <a:pt x="1161" y="5014"/>
-                    <a:pt x="1303" y="5139"/>
-                  </a:cubicBezTo>
-                  <a:lnTo>
-                    <a:pt x="1286" y="5192"/>
-                  </a:lnTo>
-                  <a:cubicBezTo>
-                    <a:pt x="1232" y="5389"/>
-                    <a:pt x="1339" y="5585"/>
-                    <a:pt x="1517" y="5674"/>
-                  </a:cubicBezTo>
-                  <a:lnTo>
-                    <a:pt x="2231" y="5960"/>
-                  </a:lnTo>
-                  <a:cubicBezTo>
-                    <a:pt x="2285" y="5977"/>
-                    <a:pt x="2338" y="5995"/>
-                    <a:pt x="2392" y="5995"/>
-                  </a:cubicBezTo>
-                  <a:cubicBezTo>
-                    <a:pt x="2517" y="5995"/>
-                    <a:pt x="2659" y="5906"/>
-                    <a:pt x="2731" y="5781"/>
-                  </a:cubicBezTo>
-                  <a:lnTo>
-                    <a:pt x="2766" y="5728"/>
-                  </a:lnTo>
-                  <a:cubicBezTo>
-                    <a:pt x="2856" y="5737"/>
-                    <a:pt x="2949" y="5741"/>
-                    <a:pt x="3043" y="5741"/>
-                  </a:cubicBezTo>
-                  <a:cubicBezTo>
-                    <a:pt x="3137" y="5741"/>
-                    <a:pt x="3230" y="5737"/>
-                    <a:pt x="3320" y="5728"/>
-                  </a:cubicBezTo>
-                  <a:lnTo>
-                    <a:pt x="3355" y="5781"/>
-                  </a:lnTo>
-                  <a:cubicBezTo>
-                    <a:pt x="3421" y="5914"/>
-                    <a:pt x="3566" y="5987"/>
-                    <a:pt x="3709" y="5987"/>
-                  </a:cubicBezTo>
-                  <a:cubicBezTo>
-                    <a:pt x="3759" y="5987"/>
-                    <a:pt x="3809" y="5978"/>
-                    <a:pt x="3855" y="5960"/>
-                  </a:cubicBezTo>
-                  <a:lnTo>
-                    <a:pt x="4569" y="5656"/>
-                  </a:lnTo>
-                  <a:cubicBezTo>
-                    <a:pt x="4747" y="5585"/>
-                    <a:pt x="4854" y="5371"/>
-                    <a:pt x="4801" y="5175"/>
-                  </a:cubicBezTo>
-                  <a:lnTo>
-                    <a:pt x="4783" y="5121"/>
-                  </a:lnTo>
-                  <a:cubicBezTo>
-                    <a:pt x="4925" y="5014"/>
-                    <a:pt x="5050" y="4871"/>
-                    <a:pt x="5175" y="4728"/>
-                  </a:cubicBezTo>
-                  <a:lnTo>
-                    <a:pt x="5229" y="4746"/>
-                  </a:lnTo>
-                  <a:cubicBezTo>
-                    <a:pt x="5263" y="4756"/>
-                    <a:pt x="5298" y="4760"/>
-                    <a:pt x="5333" y="4760"/>
-                  </a:cubicBezTo>
-                  <a:cubicBezTo>
-                    <a:pt x="5496" y="4760"/>
-                    <a:pt x="5652" y="4662"/>
-                    <a:pt x="5710" y="4514"/>
-                  </a:cubicBezTo>
-                  <a:lnTo>
-                    <a:pt x="5996" y="3801"/>
-                  </a:lnTo>
-                  <a:cubicBezTo>
-                    <a:pt x="6085" y="3604"/>
-                    <a:pt x="5996" y="3390"/>
-                    <a:pt x="5835" y="3301"/>
-                  </a:cubicBezTo>
-                  <a:lnTo>
-                    <a:pt x="5782" y="3265"/>
-                  </a:lnTo>
-                  <a:cubicBezTo>
-                    <a:pt x="5800" y="3087"/>
-                    <a:pt x="5800" y="2891"/>
-                    <a:pt x="5782" y="2712"/>
-                  </a:cubicBezTo>
-                  <a:lnTo>
-                    <a:pt x="5818" y="2677"/>
-                  </a:lnTo>
-                  <a:cubicBezTo>
-                    <a:pt x="5996" y="2570"/>
-                    <a:pt x="6067" y="2355"/>
-                    <a:pt x="5996" y="2177"/>
-                  </a:cubicBezTo>
-                  <a:lnTo>
-                    <a:pt x="5693" y="1463"/>
-                  </a:lnTo>
-                  <a:cubicBezTo>
-                    <a:pt x="5634" y="1316"/>
-                    <a:pt x="5490" y="1217"/>
-                    <a:pt x="5331" y="1217"/>
-                  </a:cubicBezTo>
-                  <a:cubicBezTo>
-                    <a:pt x="5298" y="1217"/>
-                    <a:pt x="5263" y="1222"/>
-                    <a:pt x="5229" y="1231"/>
-                  </a:cubicBezTo>
-                  <a:lnTo>
-                    <a:pt x="5175" y="1249"/>
-                  </a:lnTo>
-                  <a:cubicBezTo>
-                    <a:pt x="5050" y="1106"/>
-                    <a:pt x="4908" y="964"/>
-                    <a:pt x="4765" y="857"/>
-                  </a:cubicBezTo>
-                  <a:lnTo>
-                    <a:pt x="4783" y="803"/>
-                  </a:lnTo>
-                  <a:cubicBezTo>
-                    <a:pt x="4836" y="607"/>
-                    <a:pt x="4729" y="393"/>
-                    <a:pt x="4551" y="321"/>
-                  </a:cubicBezTo>
-                  <a:lnTo>
-                    <a:pt x="3837" y="36"/>
-                  </a:lnTo>
-                  <a:cubicBezTo>
-                    <a:pt x="3788" y="12"/>
-                    <a:pt x="3737" y="1"/>
-                    <a:pt x="3686" y="1"/>
-                  </a:cubicBezTo>
-                  <a:close/>
-                </a:path>
-              </a:pathLst>
-            </a:custGeom>
-            <a:solidFill>
-              <a:schemeClr val="accent2"/>
-            </a:solidFill>
-            <a:ln>
-              <a:noFill/>
-            </a:ln>
-          </p:spPr>
-          <p:txBody>
-            <a:bodyPr spcFirstLastPara="1" wrap="square" lIns="91425" tIns="91425" rIns="91425" bIns="91425" anchor="ctr" anchorCtr="0">
-              <a:noAutofit/>
-            </a:bodyPr>
-            <a:lstStyle/>
-            <a:p>
-              <a:pPr marL="0" lvl="0" indent="0" algn="l" rtl="0">
-                <a:spcBef>
-                  <a:spcPts val="0"/>
-                </a:spcBef>
-                <a:spcAft>
-                  <a:spcPts val="0"/>
-                </a:spcAft>
-                <a:buNone/>
-              </a:pPr>
-              <a:endParaRPr/>
-            </a:p>
-          </p:txBody>
-        </p:sp>
-        <p:sp>
-          <p:nvSpPr>
-            <p:cNvPr id="388" name="Google Shape;388;p38"/>
-            <p:cNvSpPr/>
-            <p:nvPr/>
-          </p:nvSpPr>
-          <p:spPr>
-            <a:xfrm>
-              <a:off x="5635798" y="2193678"/>
-              <a:ext cx="15737" cy="24439"/>
-            </a:xfrm>
-            <a:custGeom>
-              <a:avLst/>
-              <a:gdLst/>
-              <a:ahLst/>
-              <a:cxnLst/>
-              <a:rect l="l" t="t" r="r" b="b"/>
-              <a:pathLst>
-                <a:path w="483" h="750" extrusionOk="0">
-                  <a:moveTo>
-                    <a:pt x="233" y="0"/>
-                  </a:moveTo>
-                  <a:cubicBezTo>
-                    <a:pt x="108" y="0"/>
-                    <a:pt x="1" y="107"/>
-                    <a:pt x="1" y="250"/>
-                  </a:cubicBezTo>
-                  <a:lnTo>
-                    <a:pt x="1" y="500"/>
-                  </a:lnTo>
-                  <a:cubicBezTo>
-                    <a:pt x="1" y="642"/>
-                    <a:pt x="108" y="750"/>
-                    <a:pt x="233" y="750"/>
-                  </a:cubicBezTo>
-                  <a:cubicBezTo>
-                    <a:pt x="376" y="750"/>
-                    <a:pt x="483" y="642"/>
-                    <a:pt x="483" y="500"/>
-                  </a:cubicBezTo>
-                  <a:lnTo>
-                    <a:pt x="483" y="250"/>
-                  </a:lnTo>
-                  <a:cubicBezTo>
-                    <a:pt x="483" y="107"/>
-                    <a:pt x="376" y="0"/>
-                    <a:pt x="233" y="0"/>
-                  </a:cubicBezTo>
-                  <a:close/>
-                </a:path>
-              </a:pathLst>
-            </a:custGeom>
-            <a:solidFill>
-              <a:schemeClr val="accent2"/>
-            </a:solidFill>
-            <a:ln>
-              <a:noFill/>
-            </a:ln>
-          </p:spPr>
-          <p:txBody>
-            <a:bodyPr spcFirstLastPara="1" wrap="square" lIns="91425" tIns="91425" rIns="91425" bIns="91425" anchor="ctr" anchorCtr="0">
-              <a:noAutofit/>
-            </a:bodyPr>
-            <a:lstStyle/>
-            <a:p>
-              <a:pPr marL="0" lvl="0" indent="0" algn="l" rtl="0">
-                <a:spcBef>
-                  <a:spcPts val="0"/>
-                </a:spcBef>
-                <a:spcAft>
-                  <a:spcPts val="0"/>
-                </a:spcAft>
-                <a:buNone/>
-              </a:pPr>
-              <a:endParaRPr/>
-            </a:p>
-          </p:txBody>
-        </p:sp>
-        <p:sp>
-          <p:nvSpPr>
-            <p:cNvPr id="389" name="Google Shape;389;p38"/>
-            <p:cNvSpPr/>
-            <p:nvPr/>
-          </p:nvSpPr>
-          <p:spPr>
-            <a:xfrm>
-              <a:off x="5635798" y="2275629"/>
-              <a:ext cx="15737" cy="22125"/>
-            </a:xfrm>
-            <a:custGeom>
-              <a:avLst/>
-              <a:gdLst/>
-              <a:ahLst/>
-              <a:cxnLst/>
-              <a:rect l="l" t="t" r="r" b="b"/>
-              <a:pathLst>
-                <a:path w="483" h="679" extrusionOk="0">
-                  <a:moveTo>
-                    <a:pt x="233" y="1"/>
-                  </a:moveTo>
-                  <a:cubicBezTo>
-                    <a:pt x="108" y="1"/>
-                    <a:pt x="1" y="108"/>
-                    <a:pt x="1" y="233"/>
-                  </a:cubicBezTo>
-                  <a:lnTo>
-                    <a:pt x="1" y="429"/>
-                  </a:lnTo>
-                  <a:cubicBezTo>
-                    <a:pt x="1" y="572"/>
-                    <a:pt x="108" y="679"/>
-                    <a:pt x="233" y="679"/>
-                  </a:cubicBezTo>
-                  <a:cubicBezTo>
-                    <a:pt x="376" y="679"/>
-                    <a:pt x="483" y="572"/>
-                    <a:pt x="483" y="429"/>
-                  </a:cubicBezTo>
-                  <a:lnTo>
-                    <a:pt x="483" y="233"/>
-                  </a:lnTo>
-                  <a:cubicBezTo>
-                    <a:pt x="483" y="108"/>
-                    <a:pt x="376" y="1"/>
-                    <a:pt x="233" y="1"/>
-                  </a:cubicBezTo>
-                  <a:close/>
-                </a:path>
-              </a:pathLst>
-            </a:custGeom>
-            <a:solidFill>
-              <a:schemeClr val="accent2"/>
-            </a:solidFill>
-            <a:ln>
-              <a:noFill/>
-            </a:ln>
-          </p:spPr>
-          <p:txBody>
-            <a:bodyPr spcFirstLastPara="1" wrap="square" lIns="91425" tIns="91425" rIns="91425" bIns="91425" anchor="ctr" anchorCtr="0">
-              <a:noAutofit/>
-            </a:bodyPr>
-            <a:lstStyle/>
-            <a:p>
-              <a:pPr marL="0" lvl="0" indent="0" algn="l" rtl="0">
-                <a:spcBef>
-                  <a:spcPts val="0"/>
-                </a:spcBef>
-                <a:spcAft>
-                  <a:spcPts val="0"/>
-                </a:spcAft>
-                <a:buNone/>
-              </a:pPr>
-              <a:endParaRPr/>
-            </a:p>
-          </p:txBody>
-        </p:sp>
-        <p:sp>
-          <p:nvSpPr>
-            <p:cNvPr id="390" name="Google Shape;390;p38"/>
-            <p:cNvSpPr/>
-            <p:nvPr/>
-          </p:nvSpPr>
-          <p:spPr>
-            <a:xfrm>
-              <a:off x="5673593" y="2238449"/>
-              <a:ext cx="22124" cy="15119"/>
-            </a:xfrm>
-            <a:custGeom>
-              <a:avLst/>
-              <a:gdLst/>
-              <a:ahLst/>
-              <a:cxnLst/>
-              <a:rect l="l" t="t" r="r" b="b"/>
-              <a:pathLst>
-                <a:path w="679" h="464" extrusionOk="0">
-                  <a:moveTo>
-                    <a:pt x="233" y="0"/>
-                  </a:moveTo>
-                  <a:cubicBezTo>
-                    <a:pt x="108" y="0"/>
-                    <a:pt x="1" y="107"/>
-                    <a:pt x="1" y="232"/>
-                  </a:cubicBezTo>
-                  <a:cubicBezTo>
-                    <a:pt x="1" y="357"/>
-                    <a:pt x="108" y="464"/>
-                    <a:pt x="233" y="464"/>
-                  </a:cubicBezTo>
-                  <a:lnTo>
-                    <a:pt x="447" y="464"/>
-                  </a:lnTo>
-                  <a:cubicBezTo>
-                    <a:pt x="572" y="464"/>
-                    <a:pt x="679" y="357"/>
-                    <a:pt x="679" y="232"/>
-                  </a:cubicBezTo>
-                  <a:cubicBezTo>
-                    <a:pt x="679" y="107"/>
-                    <a:pt x="572" y="0"/>
-                    <a:pt x="447" y="0"/>
-                  </a:cubicBezTo>
-                  <a:close/>
-                </a:path>
-              </a:pathLst>
-            </a:custGeom>
-            <a:solidFill>
-              <a:schemeClr val="accent2"/>
-            </a:solidFill>
-            <a:ln>
-              <a:noFill/>
-            </a:ln>
-          </p:spPr>
-          <p:txBody>
-            <a:bodyPr spcFirstLastPara="1" wrap="square" lIns="91425" tIns="91425" rIns="91425" bIns="91425" anchor="ctr" anchorCtr="0">
-              <a:noAutofit/>
-            </a:bodyPr>
-            <a:lstStyle/>
-            <a:p>
-              <a:pPr marL="0" lvl="0" indent="0" algn="l" rtl="0">
-                <a:spcBef>
-                  <a:spcPts val="0"/>
-                </a:spcBef>
-                <a:spcAft>
-                  <a:spcPts val="0"/>
-                </a:spcAft>
-                <a:buNone/>
-              </a:pPr>
-              <a:endParaRPr/>
-            </a:p>
-          </p:txBody>
-        </p:sp>
-        <p:sp>
-          <p:nvSpPr>
-            <p:cNvPr id="391" name="Google Shape;391;p38"/>
-            <p:cNvSpPr/>
-            <p:nvPr/>
-          </p:nvSpPr>
-          <p:spPr>
-            <a:xfrm>
-              <a:off x="5592202" y="2238449"/>
-              <a:ext cx="22710" cy="15119"/>
-            </a:xfrm>
-            <a:custGeom>
-              <a:avLst/>
-              <a:gdLst/>
-              <a:ahLst/>
-              <a:cxnLst/>
-              <a:rect l="l" t="t" r="r" b="b"/>
-              <a:pathLst>
-                <a:path w="697" h="464" extrusionOk="0">
-                  <a:moveTo>
-                    <a:pt x="233" y="0"/>
-                  </a:moveTo>
-                  <a:cubicBezTo>
-                    <a:pt x="108" y="0"/>
-                    <a:pt x="1" y="107"/>
-                    <a:pt x="1" y="232"/>
-                  </a:cubicBezTo>
-                  <a:cubicBezTo>
-                    <a:pt x="1" y="357"/>
-                    <a:pt x="108" y="464"/>
-                    <a:pt x="233" y="464"/>
-                  </a:cubicBezTo>
-                  <a:lnTo>
-                    <a:pt x="465" y="464"/>
-                  </a:lnTo>
-                  <a:cubicBezTo>
-                    <a:pt x="590" y="464"/>
-                    <a:pt x="697" y="357"/>
-                    <a:pt x="697" y="232"/>
-                  </a:cubicBezTo>
-                  <a:cubicBezTo>
-                    <a:pt x="697" y="107"/>
-                    <a:pt x="590" y="0"/>
-                    <a:pt x="465" y="0"/>
-                  </a:cubicBezTo>
-                  <a:close/>
-                </a:path>
-              </a:pathLst>
-            </a:custGeom>
-            <a:solidFill>
-              <a:schemeClr val="accent2"/>
-            </a:solidFill>
-            <a:ln>
-              <a:noFill/>
-            </a:ln>
-          </p:spPr>
-          <p:txBody>
-            <a:bodyPr spcFirstLastPara="1" wrap="square" lIns="91425" tIns="91425" rIns="91425" bIns="91425" anchor="ctr" anchorCtr="0">
-              <a:noAutofit/>
-            </a:bodyPr>
-            <a:lstStyle/>
-            <a:p>
-              <a:pPr marL="0" lvl="0" indent="0" algn="l" rtl="0">
-                <a:spcBef>
-                  <a:spcPts val="0"/>
-                </a:spcBef>
-                <a:spcAft>
-                  <a:spcPts val="0"/>
-                </a:spcAft>
-                <a:buNone/>
-              </a:pPr>
-              <a:endParaRPr/>
-            </a:p>
-          </p:txBody>
-        </p:sp>
-        <p:sp>
-          <p:nvSpPr>
-            <p:cNvPr id="392" name="Google Shape;392;p38"/>
-            <p:cNvSpPr/>
-            <p:nvPr/>
-          </p:nvSpPr>
-          <p:spPr>
-            <a:xfrm>
-              <a:off x="5659648" y="2206614"/>
-              <a:ext cx="23883" cy="22549"/>
-            </a:xfrm>
-            <a:custGeom>
-              <a:avLst/>
-              <a:gdLst/>
-              <a:ahLst/>
-              <a:cxnLst/>
-              <a:rect l="l" t="t" r="r" b="b"/>
-              <a:pathLst>
-                <a:path w="733" h="692" extrusionOk="0">
-                  <a:moveTo>
-                    <a:pt x="473" y="0"/>
-                  </a:moveTo>
-                  <a:cubicBezTo>
-                    <a:pt x="411" y="0"/>
-                    <a:pt x="348" y="22"/>
-                    <a:pt x="304" y="67"/>
-                  </a:cubicBezTo>
-                  <a:lnTo>
-                    <a:pt x="108" y="281"/>
-                  </a:lnTo>
-                  <a:cubicBezTo>
-                    <a:pt x="0" y="370"/>
-                    <a:pt x="0" y="531"/>
-                    <a:pt x="108" y="620"/>
-                  </a:cubicBezTo>
-                  <a:cubicBezTo>
-                    <a:pt x="143" y="656"/>
-                    <a:pt x="215" y="692"/>
-                    <a:pt x="268" y="692"/>
-                  </a:cubicBezTo>
-                  <a:cubicBezTo>
-                    <a:pt x="322" y="692"/>
-                    <a:pt x="393" y="656"/>
-                    <a:pt x="429" y="620"/>
-                  </a:cubicBezTo>
-                  <a:lnTo>
-                    <a:pt x="643" y="406"/>
-                  </a:lnTo>
-                  <a:cubicBezTo>
-                    <a:pt x="732" y="317"/>
-                    <a:pt x="732" y="174"/>
-                    <a:pt x="643" y="67"/>
-                  </a:cubicBezTo>
-                  <a:cubicBezTo>
-                    <a:pt x="598" y="22"/>
-                    <a:pt x="536" y="0"/>
-                    <a:pt x="473" y="0"/>
-                  </a:cubicBezTo>
-                  <a:close/>
-                </a:path>
-              </a:pathLst>
-            </a:custGeom>
-            <a:solidFill>
-              <a:schemeClr val="accent2"/>
-            </a:solidFill>
-            <a:ln>
-              <a:noFill/>
-            </a:ln>
-          </p:spPr>
-          <p:txBody>
-            <a:bodyPr spcFirstLastPara="1" wrap="square" lIns="91425" tIns="91425" rIns="91425" bIns="91425" anchor="ctr" anchorCtr="0">
-              <a:noAutofit/>
-            </a:bodyPr>
-            <a:lstStyle/>
-            <a:p>
-              <a:pPr marL="0" lvl="0" indent="0" algn="l" rtl="0">
-                <a:spcBef>
-                  <a:spcPts val="0"/>
-                </a:spcBef>
-                <a:spcAft>
-                  <a:spcPts val="0"/>
-                </a:spcAft>
-                <a:buNone/>
-              </a:pPr>
-              <a:endParaRPr/>
-            </a:p>
-          </p:txBody>
-        </p:sp>
-        <p:sp>
-          <p:nvSpPr>
-            <p:cNvPr id="393" name="Google Shape;393;p38"/>
-            <p:cNvSpPr/>
-            <p:nvPr/>
-          </p:nvSpPr>
-          <p:spPr>
-            <a:xfrm>
-              <a:off x="5603834" y="2262497"/>
-              <a:ext cx="23883" cy="22484"/>
-            </a:xfrm>
-            <a:custGeom>
-              <a:avLst/>
-              <a:gdLst/>
-              <a:ahLst/>
-              <a:cxnLst/>
-              <a:rect l="l" t="t" r="r" b="b"/>
-              <a:pathLst>
-                <a:path w="733" h="690" extrusionOk="0">
-                  <a:moveTo>
-                    <a:pt x="465" y="0"/>
-                  </a:moveTo>
-                  <a:cubicBezTo>
-                    <a:pt x="405" y="0"/>
-                    <a:pt x="346" y="22"/>
-                    <a:pt x="304" y="65"/>
-                  </a:cubicBezTo>
-                  <a:lnTo>
-                    <a:pt x="108" y="279"/>
-                  </a:lnTo>
-                  <a:cubicBezTo>
-                    <a:pt x="1" y="368"/>
-                    <a:pt x="1" y="529"/>
-                    <a:pt x="108" y="618"/>
-                  </a:cubicBezTo>
-                  <a:cubicBezTo>
-                    <a:pt x="143" y="654"/>
-                    <a:pt x="215" y="689"/>
-                    <a:pt x="268" y="689"/>
-                  </a:cubicBezTo>
-                  <a:cubicBezTo>
-                    <a:pt x="322" y="689"/>
-                    <a:pt x="393" y="654"/>
-                    <a:pt x="429" y="618"/>
-                  </a:cubicBezTo>
-                  <a:lnTo>
-                    <a:pt x="643" y="404"/>
-                  </a:lnTo>
-                  <a:cubicBezTo>
-                    <a:pt x="732" y="315"/>
-                    <a:pt x="732" y="172"/>
-                    <a:pt x="643" y="83"/>
-                  </a:cubicBezTo>
-                  <a:cubicBezTo>
-                    <a:pt x="596" y="27"/>
-                    <a:pt x="530" y="0"/>
-                    <a:pt x="465" y="0"/>
-                  </a:cubicBezTo>
-                  <a:close/>
-                </a:path>
-              </a:pathLst>
-            </a:custGeom>
-            <a:solidFill>
-              <a:schemeClr val="accent2"/>
-            </a:solidFill>
-            <a:ln>
-              <a:noFill/>
-            </a:ln>
-          </p:spPr>
-          <p:txBody>
-            <a:bodyPr spcFirstLastPara="1" wrap="square" lIns="91425" tIns="91425" rIns="91425" bIns="91425" anchor="ctr" anchorCtr="0">
-              <a:noAutofit/>
-            </a:bodyPr>
-            <a:lstStyle/>
-            <a:p>
-              <a:pPr marL="0" lvl="0" indent="0" algn="l" rtl="0">
-                <a:spcBef>
-                  <a:spcPts val="0"/>
-                </a:spcBef>
-                <a:spcAft>
-                  <a:spcPts val="0"/>
-                </a:spcAft>
-                <a:buNone/>
-              </a:pPr>
-              <a:endParaRPr/>
-            </a:p>
-          </p:txBody>
-        </p:sp>
-        <p:sp>
-          <p:nvSpPr>
-            <p:cNvPr id="394" name="Google Shape;394;p38"/>
-            <p:cNvSpPr/>
-            <p:nvPr/>
-          </p:nvSpPr>
-          <p:spPr>
-            <a:xfrm>
-              <a:off x="5660235" y="2263507"/>
-              <a:ext cx="23296" cy="21474"/>
-            </a:xfrm>
-            <a:custGeom>
-              <a:avLst/>
-              <a:gdLst/>
-              <a:ahLst/>
-              <a:cxnLst/>
-              <a:rect l="l" t="t" r="r" b="b"/>
-              <a:pathLst>
-                <a:path w="715" h="659" extrusionOk="0">
-                  <a:moveTo>
-                    <a:pt x="252" y="0"/>
-                  </a:moveTo>
-                  <a:cubicBezTo>
-                    <a:pt x="186" y="0"/>
-                    <a:pt x="119" y="23"/>
-                    <a:pt x="72" y="70"/>
-                  </a:cubicBezTo>
-                  <a:cubicBezTo>
-                    <a:pt x="0" y="177"/>
-                    <a:pt x="0" y="319"/>
-                    <a:pt x="90" y="409"/>
-                  </a:cubicBezTo>
-                  <a:lnTo>
-                    <a:pt x="304" y="587"/>
-                  </a:lnTo>
-                  <a:cubicBezTo>
-                    <a:pt x="339" y="641"/>
-                    <a:pt x="393" y="658"/>
-                    <a:pt x="464" y="658"/>
-                  </a:cubicBezTo>
-                  <a:cubicBezTo>
-                    <a:pt x="518" y="658"/>
-                    <a:pt x="589" y="623"/>
-                    <a:pt x="625" y="569"/>
-                  </a:cubicBezTo>
-                  <a:cubicBezTo>
-                    <a:pt x="714" y="480"/>
-                    <a:pt x="714" y="337"/>
-                    <a:pt x="607" y="248"/>
-                  </a:cubicBezTo>
-                  <a:lnTo>
-                    <a:pt x="411" y="52"/>
-                  </a:lnTo>
-                  <a:cubicBezTo>
-                    <a:pt x="369" y="18"/>
-                    <a:pt x="311" y="0"/>
-                    <a:pt x="252" y="0"/>
-                  </a:cubicBezTo>
-                  <a:close/>
-                </a:path>
-              </a:pathLst>
-            </a:custGeom>
-            <a:solidFill>
-              <a:schemeClr val="accent2"/>
-            </a:solidFill>
-            <a:ln>
-              <a:noFill/>
-            </a:ln>
-          </p:spPr>
-          <p:txBody>
-            <a:bodyPr spcFirstLastPara="1" wrap="square" lIns="91425" tIns="91425" rIns="91425" bIns="91425" anchor="ctr" anchorCtr="0">
-              <a:noAutofit/>
-            </a:bodyPr>
-            <a:lstStyle/>
-            <a:p>
-              <a:pPr marL="0" lvl="0" indent="0" algn="l" rtl="0">
-                <a:spcBef>
-                  <a:spcPts val="0"/>
-                </a:spcBef>
-                <a:spcAft>
-                  <a:spcPts val="0"/>
-                </a:spcAft>
-                <a:buNone/>
-              </a:pPr>
-              <a:endParaRPr/>
-            </a:p>
-          </p:txBody>
-        </p:sp>
-        <p:sp>
-          <p:nvSpPr>
-            <p:cNvPr id="395" name="Google Shape;395;p38"/>
-            <p:cNvSpPr/>
-            <p:nvPr/>
-          </p:nvSpPr>
-          <p:spPr>
-            <a:xfrm>
-              <a:off x="5603834" y="2206614"/>
-              <a:ext cx="23883" cy="22549"/>
-            </a:xfrm>
-            <a:custGeom>
-              <a:avLst/>
-              <a:gdLst/>
-              <a:ahLst/>
-              <a:cxnLst/>
-              <a:rect l="l" t="t" r="r" b="b"/>
-              <a:pathLst>
-                <a:path w="733" h="692" extrusionOk="0">
-                  <a:moveTo>
-                    <a:pt x="268" y="0"/>
-                  </a:moveTo>
-                  <a:cubicBezTo>
-                    <a:pt x="210" y="0"/>
-                    <a:pt x="152" y="22"/>
-                    <a:pt x="108" y="67"/>
-                  </a:cubicBezTo>
-                  <a:cubicBezTo>
-                    <a:pt x="1" y="174"/>
-                    <a:pt x="1" y="317"/>
-                    <a:pt x="108" y="406"/>
-                  </a:cubicBezTo>
-                  <a:lnTo>
-                    <a:pt x="304" y="620"/>
-                  </a:lnTo>
-                  <a:cubicBezTo>
-                    <a:pt x="357" y="656"/>
-                    <a:pt x="411" y="692"/>
-                    <a:pt x="482" y="692"/>
-                  </a:cubicBezTo>
-                  <a:cubicBezTo>
-                    <a:pt x="536" y="692"/>
-                    <a:pt x="589" y="656"/>
-                    <a:pt x="643" y="620"/>
-                  </a:cubicBezTo>
-                  <a:cubicBezTo>
-                    <a:pt x="732" y="531"/>
-                    <a:pt x="732" y="370"/>
-                    <a:pt x="643" y="281"/>
-                  </a:cubicBezTo>
-                  <a:lnTo>
-                    <a:pt x="429" y="67"/>
-                  </a:lnTo>
-                  <a:cubicBezTo>
-                    <a:pt x="384" y="22"/>
-                    <a:pt x="326" y="0"/>
-                    <a:pt x="268" y="0"/>
-                  </a:cubicBezTo>
-                  <a:close/>
-                </a:path>
-              </a:pathLst>
-            </a:custGeom>
-            <a:solidFill>
-              <a:schemeClr val="accent2"/>
-            </a:solidFill>
-            <a:ln>
-              <a:noFill/>
-            </a:ln>
-          </p:spPr>
-          <p:txBody>
-            <a:bodyPr spcFirstLastPara="1" wrap="square" lIns="91425" tIns="91425" rIns="91425" bIns="91425" anchor="ctr" anchorCtr="0">
-              <a:noAutofit/>
-            </a:bodyPr>
-            <a:lstStyle/>
-            <a:p>
-              <a:pPr marL="0" lvl="0" indent="0" algn="l" rtl="0">
-                <a:spcBef>
-                  <a:spcPts val="0"/>
-                </a:spcBef>
-                <a:spcAft>
-                  <a:spcPts val="0"/>
-                </a:spcAft>
-                <a:buNone/>
-              </a:pPr>
-              <a:endParaRPr/>
-            </a:p>
-          </p:txBody>
-        </p:sp>
-        <p:sp>
-          <p:nvSpPr>
-            <p:cNvPr id="396" name="Google Shape;396;p38"/>
-            <p:cNvSpPr/>
-            <p:nvPr/>
-          </p:nvSpPr>
-          <p:spPr>
-            <a:xfrm>
-              <a:off x="5601521" y="2203551"/>
-              <a:ext cx="88396" cy="84330"/>
-            </a:xfrm>
-            <a:custGeom>
-              <a:avLst/>
-              <a:gdLst/>
-              <a:ahLst/>
-              <a:cxnLst/>
-              <a:rect l="l" t="t" r="r" b="b"/>
-              <a:pathLst>
-                <a:path w="2713" h="2588" extrusionOk="0">
-                  <a:moveTo>
-                    <a:pt x="1303" y="464"/>
-                  </a:moveTo>
-                  <a:cubicBezTo>
-                    <a:pt x="1517" y="464"/>
-                    <a:pt x="1731" y="554"/>
-                    <a:pt x="1874" y="714"/>
-                  </a:cubicBezTo>
-                  <a:cubicBezTo>
-                    <a:pt x="2213" y="1035"/>
-                    <a:pt x="2213" y="1553"/>
-                    <a:pt x="1874" y="1874"/>
-                  </a:cubicBezTo>
-                  <a:cubicBezTo>
-                    <a:pt x="1731" y="2035"/>
-                    <a:pt x="1517" y="2124"/>
-                    <a:pt x="1303" y="2124"/>
-                  </a:cubicBezTo>
-                  <a:cubicBezTo>
-                    <a:pt x="1071" y="2124"/>
-                    <a:pt x="874" y="2035"/>
-                    <a:pt x="714" y="1874"/>
-                  </a:cubicBezTo>
-                  <a:cubicBezTo>
-                    <a:pt x="553" y="1731"/>
-                    <a:pt x="464" y="1517"/>
-                    <a:pt x="464" y="1303"/>
-                  </a:cubicBezTo>
-                  <a:cubicBezTo>
-                    <a:pt x="464" y="1071"/>
-                    <a:pt x="553" y="875"/>
-                    <a:pt x="714" y="714"/>
-                  </a:cubicBezTo>
-                  <a:cubicBezTo>
-                    <a:pt x="874" y="554"/>
-                    <a:pt x="1071" y="464"/>
-                    <a:pt x="1303" y="464"/>
-                  </a:cubicBezTo>
-                  <a:close/>
-                  <a:moveTo>
-                    <a:pt x="1303" y="0"/>
-                  </a:moveTo>
-                  <a:cubicBezTo>
-                    <a:pt x="946" y="0"/>
-                    <a:pt x="625" y="143"/>
-                    <a:pt x="375" y="375"/>
-                  </a:cubicBezTo>
-                  <a:cubicBezTo>
-                    <a:pt x="143" y="625"/>
-                    <a:pt x="0" y="946"/>
-                    <a:pt x="0" y="1303"/>
-                  </a:cubicBezTo>
-                  <a:cubicBezTo>
-                    <a:pt x="0" y="1642"/>
-                    <a:pt x="143" y="1963"/>
-                    <a:pt x="375" y="2213"/>
-                  </a:cubicBezTo>
-                  <a:cubicBezTo>
-                    <a:pt x="625" y="2463"/>
-                    <a:pt x="946" y="2588"/>
-                    <a:pt x="1303" y="2588"/>
-                  </a:cubicBezTo>
-                  <a:cubicBezTo>
-                    <a:pt x="1642" y="2588"/>
-                    <a:pt x="1963" y="2463"/>
-                    <a:pt x="2213" y="2213"/>
-                  </a:cubicBezTo>
-                  <a:cubicBezTo>
-                    <a:pt x="2712" y="1713"/>
-                    <a:pt x="2712" y="893"/>
-                    <a:pt x="2213" y="375"/>
-                  </a:cubicBezTo>
-                  <a:cubicBezTo>
-                    <a:pt x="1963" y="143"/>
-                    <a:pt x="1642" y="0"/>
-                    <a:pt x="1303" y="0"/>
-                  </a:cubicBezTo>
-                  <a:close/>
-                </a:path>
-              </a:pathLst>
-            </a:custGeom>
-            <a:solidFill>
-              <a:schemeClr val="accent2"/>
-            </a:solidFill>
-            <a:ln>
-              <a:noFill/>
-            </a:ln>
-          </p:spPr>
-          <p:txBody>
-            <a:bodyPr spcFirstLastPara="1" wrap="square" lIns="91425" tIns="91425" rIns="91425" bIns="91425" anchor="ctr" anchorCtr="0">
-              <a:noAutofit/>
-            </a:bodyPr>
-            <a:lstStyle/>
-            <a:p>
-              <a:pPr marL="0" lvl="0" indent="0" algn="l" rtl="0">
-                <a:spcBef>
-                  <a:spcPts val="0"/>
-                </a:spcBef>
-                <a:spcAft>
-                  <a:spcPts val="0"/>
-                </a:spcAft>
-                <a:buNone/>
-              </a:pPr>
-              <a:endParaRPr/>
-            </a:p>
-          </p:txBody>
-        </p:sp>
-        <p:sp>
-          <p:nvSpPr>
-            <p:cNvPr id="397" name="Google Shape;397;p38"/>
-            <p:cNvSpPr/>
-            <p:nvPr/>
-          </p:nvSpPr>
-          <p:spPr>
-            <a:xfrm>
-              <a:off x="5635798" y="2237863"/>
-              <a:ext cx="15737" cy="15706"/>
-            </a:xfrm>
-            <a:custGeom>
-              <a:avLst/>
-              <a:gdLst/>
-              <a:ahLst/>
-              <a:cxnLst/>
-              <a:rect l="l" t="t" r="r" b="b"/>
-              <a:pathLst>
-                <a:path w="483" h="482" extrusionOk="0">
-                  <a:moveTo>
-                    <a:pt x="233" y="0"/>
-                  </a:moveTo>
-                  <a:cubicBezTo>
-                    <a:pt x="108" y="0"/>
-                    <a:pt x="1" y="107"/>
-                    <a:pt x="1" y="232"/>
-                  </a:cubicBezTo>
-                  <a:lnTo>
-                    <a:pt x="1" y="250"/>
-                  </a:lnTo>
-                  <a:cubicBezTo>
-                    <a:pt x="1" y="375"/>
-                    <a:pt x="108" y="482"/>
-                    <a:pt x="233" y="482"/>
-                  </a:cubicBezTo>
-                  <a:cubicBezTo>
-                    <a:pt x="376" y="482"/>
-                    <a:pt x="483" y="375"/>
-                    <a:pt x="483" y="250"/>
-                  </a:cubicBezTo>
-                  <a:lnTo>
-                    <a:pt x="483" y="232"/>
-                  </a:lnTo>
-                  <a:cubicBezTo>
-                    <a:pt x="483" y="107"/>
-                    <a:pt x="376" y="0"/>
-                    <a:pt x="233" y="0"/>
-                  </a:cubicBezTo>
-                  <a:close/>
-                </a:path>
-              </a:pathLst>
-            </a:custGeom>
-            <a:solidFill>
-              <a:schemeClr val="accent2"/>
-            </a:solidFill>
-            <a:ln>
-              <a:noFill/>
-            </a:ln>
-          </p:spPr>
-          <p:txBody>
-            <a:bodyPr spcFirstLastPara="1" wrap="square" lIns="91425" tIns="91425" rIns="91425" bIns="91425" anchor="ctr" anchorCtr="0">
-              <a:noAutofit/>
-            </a:bodyPr>
-            <a:lstStyle/>
-            <a:p>
-              <a:pPr marL="0" lvl="0" indent="0" algn="l" rtl="0">
-                <a:spcBef>
-                  <a:spcPts val="0"/>
-                </a:spcBef>
-                <a:spcAft>
-                  <a:spcPts val="0"/>
-                </a:spcAft>
-                <a:buNone/>
-              </a:pPr>
-              <a:endParaRPr/>
-            </a:p>
-          </p:txBody>
-        </p:sp>
-      </p:grpSp>
-      <p:sp>
-        <p:nvSpPr>
-          <p:cNvPr id="398" name="Google Shape;398;p38"/>
+          <p:cNvPr id="215" name="Google Shape;215;p32"/>
           <p:cNvSpPr txBox="1">
             <a:spLocks noGrp="1"/>
           </p:cNvSpPr>
           <p:nvPr>
-            <p:ph type="body" idx="1"/>
+            <p:ph type="ctrTitle"/>
           </p:nvPr>
         </p:nvSpPr>
         <p:spPr>
           <a:xfrm>
-            <a:off x="679133" y="1650394"/>
-            <a:ext cx="4588755" cy="2725680"/>
+            <a:off x="634350" y="731301"/>
+            <a:ext cx="7717500" cy="591300"/>
           </a:xfrm>
           <a:prstGeom prst="rect">
             <a:avLst/>
@@ -33174,154 +33250,98 @@
           </a:bodyPr>
           <a:lstStyle/>
           <a:p>
-            <a:pPr marL="320040" lvl="0" indent="-317500" algn="l" rtl="0">
-              <a:lnSpc>
-                <a:spcPct val="100000"/>
-              </a:lnSpc>
-              <a:spcBef>
-                <a:spcPts val="1000"/>
-              </a:spcBef>
-              <a:spcAft>
-                <a:spcPts val="0"/>
-              </a:spcAft>
-              <a:buClr>
-                <a:schemeClr val="dk1"/>
-              </a:buClr>
-              <a:buSzPts val="1400"/>
-              <a:buFont typeface="Manrope Medium"/>
-              <a:buChar char="●"/>
+            <a:pPr marL="0" lvl="0" indent="0" algn="ctr" rtl="0">
+              <a:spcBef>
+                <a:spcPts val="0"/>
+              </a:spcBef>
+              <a:spcAft>
+                <a:spcPts val="0"/>
+              </a:spcAft>
+              <a:buNone/>
             </a:pPr>
             <a:r>
-              <a:rPr lang="en-US" dirty="0" err="1" smtClean="0"/>
-              <a:t>WeatherData</a:t>
+              <a:rPr lang="en" dirty="0" smtClean="0"/>
+              <a:t>Implementation (Subject)</a:t>
             </a:r>
-            <a:endParaRPr lang="en-US" dirty="0" smtClean="0"/>
-          </a:p>
-          <a:p>
-            <a:pPr marL="288290" lvl="0" indent="-285750" algn="l" rtl="0">
-              <a:lnSpc>
-                <a:spcPct val="100000"/>
-              </a:lnSpc>
-              <a:spcBef>
-                <a:spcPts val="1000"/>
-              </a:spcBef>
-              <a:spcAft>
-                <a:spcPts val="0"/>
-              </a:spcAft>
-              <a:buClr>
-                <a:schemeClr val="dk1"/>
-              </a:buClr>
-              <a:buSzPts val="1400"/>
-              <a:buFontTx/>
-              <a:buChar char="-"/>
-            </a:pPr>
-            <a:r>
-              <a:rPr lang="en-US" dirty="0" smtClean="0"/>
-              <a:t>Weather data implements the Subject interface.</a:t>
-            </a:r>
-          </a:p>
-          <a:p>
-            <a:pPr marL="288290" lvl="0" indent="-285750" algn="l" rtl="0">
-              <a:lnSpc>
-                <a:spcPct val="100000"/>
-              </a:lnSpc>
-              <a:spcBef>
-                <a:spcPts val="1000"/>
-              </a:spcBef>
-              <a:spcAft>
-                <a:spcPts val="0"/>
-              </a:spcAft>
-              <a:buClr>
-                <a:schemeClr val="dk1"/>
-              </a:buClr>
-              <a:buSzPts val="1400"/>
-              <a:buFontTx/>
-              <a:buChar char="-"/>
-            </a:pPr>
-            <a:r>
-              <a:rPr lang="en-US" dirty="0" smtClean="0"/>
-              <a:t>Contains three methods return the most recent weather measurements.</a:t>
-            </a:r>
-          </a:p>
-          <a:p>
-            <a:pPr marL="288290" lvl="0" indent="-285750" algn="l" rtl="0">
-              <a:lnSpc>
-                <a:spcPct val="100000"/>
-              </a:lnSpc>
-              <a:spcBef>
-                <a:spcPts val="1000"/>
-              </a:spcBef>
-              <a:spcAft>
-                <a:spcPts val="0"/>
-              </a:spcAft>
-              <a:buClr>
-                <a:schemeClr val="dk1"/>
-              </a:buClr>
-              <a:buSzPts val="1400"/>
-              <a:buFontTx/>
-              <a:buChar char="-"/>
-            </a:pPr>
-            <a:r>
-              <a:rPr lang="en-US" dirty="0" smtClean="0"/>
-              <a:t>Every time the weather measurements update, </a:t>
-            </a:r>
-            <a:r>
-              <a:rPr lang="en-US" dirty="0" err="1" smtClean="0"/>
-              <a:t>measurementsChanged</a:t>
-            </a:r>
-            <a:r>
-              <a:rPr lang="en-US" dirty="0" smtClean="0"/>
-              <a:t>() is called.</a:t>
-            </a:r>
+            <a:endParaRPr dirty="0"/>
           </a:p>
         </p:txBody>
       </p:sp>
-      <p:sp>
-        <p:nvSpPr>
-          <p:cNvPr id="399" name="Google Shape;399;p38"/>
-          <p:cNvSpPr txBox="1">
-            <a:spLocks noGrp="1"/>
-          </p:cNvSpPr>
-          <p:nvPr>
-            <p:ph type="ctrTitle"/>
-          </p:nvPr>
-        </p:nvSpPr>
+      <p:pic>
+        <p:nvPicPr>
+          <p:cNvPr id="2" name="Picture 1"/>
+          <p:cNvPicPr>
+            <a:picLocks noChangeAspect="1"/>
+          </p:cNvPicPr>
+          <p:nvPr/>
+        </p:nvPicPr>
+        <p:blipFill>
+          <a:blip r:embed="rId9"/>
+          <a:stretch>
+            <a:fillRect/>
+          </a:stretch>
+        </p:blipFill>
         <p:spPr>
           <a:xfrm>
-            <a:off x="679133" y="1029425"/>
-            <a:ext cx="7785733" cy="427425"/>
+            <a:off x="167400" y="2452686"/>
+            <a:ext cx="2751169" cy="1173290"/>
           </a:xfrm>
           <a:prstGeom prst="rect">
             <a:avLst/>
           </a:prstGeom>
         </p:spPr>
-        <p:txBody>
-          <a:bodyPr spcFirstLastPara="1" wrap="square" lIns="91425" tIns="91425" rIns="91425" bIns="91425" anchor="b" anchorCtr="0">
-            <a:noAutofit/>
-          </a:bodyPr>
-          <a:lstStyle/>
-          <a:p>
-            <a:pPr marL="0" lvl="0" indent="0" algn="ctr" rtl="0">
-              <a:spcBef>
-                <a:spcPts val="0"/>
-              </a:spcBef>
-              <a:spcAft>
-                <a:spcPts val="0"/>
-              </a:spcAft>
-              <a:buNone/>
-            </a:pPr>
-            <a:r>
-              <a:rPr lang="en" dirty="0" smtClean="0"/>
-              <a:t>Explain</a:t>
-            </a:r>
-            <a:endParaRPr dirty="0"/>
-          </a:p>
-        </p:txBody>
-      </p:sp>
+      </p:pic>
+      <p:pic>
+        <p:nvPicPr>
+          <p:cNvPr id="3" name="Picture 2"/>
+          <p:cNvPicPr>
+            <a:picLocks noChangeAspect="1"/>
+          </p:cNvPicPr>
+          <p:nvPr/>
+        </p:nvPicPr>
+        <p:blipFill>
+          <a:blip r:embed="rId10"/>
+          <a:stretch>
+            <a:fillRect/>
+          </a:stretch>
+        </p:blipFill>
+        <p:spPr>
+          <a:xfrm>
+            <a:off x="2918569" y="1226287"/>
+            <a:ext cx="2725615" cy="3593805"/>
+          </a:xfrm>
+          <a:prstGeom prst="rect">
+            <a:avLst/>
+          </a:prstGeom>
+        </p:spPr>
+      </p:pic>
+      <p:pic>
+        <p:nvPicPr>
+          <p:cNvPr id="4" name="Picture 3"/>
+          <p:cNvPicPr>
+            <a:picLocks noChangeAspect="1"/>
+          </p:cNvPicPr>
+          <p:nvPr/>
+        </p:nvPicPr>
+        <p:blipFill rotWithShape="1">
+          <a:blip r:embed="rId11"/>
+          <a:srcRect l="8869"/>
+          <a:stretch/>
+        </p:blipFill>
+        <p:spPr>
+          <a:xfrm>
+            <a:off x="5200379" y="1596985"/>
+            <a:ext cx="3618271" cy="2747516"/>
+          </a:xfrm>
+          <a:prstGeom prst="rect">
+            <a:avLst/>
+          </a:prstGeom>
+        </p:spPr>
+      </p:pic>
     </p:spTree>
     <p:extLst>
       <p:ext uri="{BB962C8B-B14F-4D97-AF65-F5344CB8AC3E}">
-        <p14:creationId xmlns:p14="http://schemas.microsoft.com/office/powerpoint/2010/main" val="2630275828"/>
+        <p14:creationId xmlns:p14="http://schemas.microsoft.com/office/powerpoint/2010/main" val="3458960303"/>
       </p:ext>
     </p:extLst>
   </p:cSld>
